--- a/input/images-source/LabReportModel.pptx
+++ b/input/images-source/LabReportModel.pptx
@@ -8,6 +8,7 @@
     <p:sldId id="256" r:id="rId2"/>
     <p:sldId id="258" r:id="rId3"/>
     <p:sldId id="259" r:id="rId4"/>
+    <p:sldId id="2146846867" r:id="rId5"/>
   </p:sldIdLst>
   <p:sldSz cx="12192000" cy="6858000"/>
   <p:notesSz cx="6858000" cy="9144000"/>
@@ -106,6 +107,11 @@
       </a:defRPr>
     </a:lvl9pPr>
   </p:defaultTextStyle>
+  <p:extLst>
+    <p:ext uri="{EFAFB233-063F-42B5-8137-9DF3F51BA10A}">
+      <p15:sldGuideLst xmlns:p15="http://schemas.microsoft.com/office/powerpoint/2012/main"/>
+    </p:ext>
+  </p:extLst>
 </p:presentation>
 </file>
 
@@ -258,7 +264,7 @@
           <a:p>
             <a:fld id="{DBA163D1-61FB-9B4F-85BF-B4959B84AF30}" type="datetimeFigureOut">
               <a:rPr lang="en-US" smtClean="0"/>
-              <a:t>12/28/23</a:t>
+              <a:t>2/5/2024</a:t>
             </a:fld>
             <a:endParaRPr lang="en-US"/>
           </a:p>
@@ -312,7 +318,7 @@
           <a:p>
             <a:fld id="{AC8B6FFC-8CBB-6541-9C78-5B2C4171D2A2}" type="slidenum">
               <a:rPr lang="en-US" smtClean="0"/>
-              <a:t>‹#›</a:t>
+              <a:t>‹N›</a:t>
             </a:fld>
             <a:endParaRPr lang="en-US"/>
           </a:p>
@@ -458,7 +464,7 @@
           <a:p>
             <a:fld id="{DBA163D1-61FB-9B4F-85BF-B4959B84AF30}" type="datetimeFigureOut">
               <a:rPr lang="en-US" smtClean="0"/>
-              <a:t>12/28/23</a:t>
+              <a:t>2/5/2024</a:t>
             </a:fld>
             <a:endParaRPr lang="en-US"/>
           </a:p>
@@ -512,7 +518,7 @@
           <a:p>
             <a:fld id="{AC8B6FFC-8CBB-6541-9C78-5B2C4171D2A2}" type="slidenum">
               <a:rPr lang="en-US" smtClean="0"/>
-              <a:t>‹#›</a:t>
+              <a:t>‹N›</a:t>
             </a:fld>
             <a:endParaRPr lang="en-US"/>
           </a:p>
@@ -668,7 +674,7 @@
           <a:p>
             <a:fld id="{DBA163D1-61FB-9B4F-85BF-B4959B84AF30}" type="datetimeFigureOut">
               <a:rPr lang="en-US" smtClean="0"/>
-              <a:t>12/28/23</a:t>
+              <a:t>2/5/2024</a:t>
             </a:fld>
             <a:endParaRPr lang="en-US"/>
           </a:p>
@@ -722,7 +728,7 @@
           <a:p>
             <a:fld id="{AC8B6FFC-8CBB-6541-9C78-5B2C4171D2A2}" type="slidenum">
               <a:rPr lang="en-US" smtClean="0"/>
-              <a:t>‹#›</a:t>
+              <a:t>‹N›</a:t>
             </a:fld>
             <a:endParaRPr lang="en-US"/>
           </a:p>
@@ -732,6 +738,401 @@
     <p:extLst>
       <p:ext uri="{BB962C8B-B14F-4D97-AF65-F5344CB8AC3E}">
         <p14:creationId xmlns:p14="http://schemas.microsoft.com/office/powerpoint/2010/main" val="2539281796"/>
+      </p:ext>
+    </p:extLst>
+  </p:cSld>
+  <p:clrMapOvr>
+    <a:masterClrMapping/>
+  </p:clrMapOvr>
+</p:sldLayout>
+</file>
+
+<file path=ppt/slideLayouts/slideLayout12.xml><?xml version="1.0" encoding="utf-8"?>
+<p:sldLayout xmlns:a="http://schemas.openxmlformats.org/drawingml/2006/main" xmlns:r="http://schemas.openxmlformats.org/officeDocument/2006/relationships" xmlns:p="http://schemas.openxmlformats.org/presentationml/2006/main" userDrawn="1">
+  <p:cSld name="1-Column Text">
+    <p:spTree>
+      <p:nvGrpSpPr>
+        <p:cNvPr id="1" name=""/>
+        <p:cNvGrpSpPr/>
+        <p:nvPr/>
+      </p:nvGrpSpPr>
+      <p:grpSpPr>
+        <a:xfrm>
+          <a:off x="0" y="0"/>
+          <a:ext cx="0" cy="0"/>
+          <a:chOff x="0" y="0"/>
+          <a:chExt cx="0" cy="0"/>
+        </a:xfrm>
+      </p:grpSpPr>
+      <p:cxnSp>
+        <p:nvCxnSpPr>
+          <p:cNvPr id="4" name="Straight Connector 3">
+            <a:extLst>
+              <a:ext uri="{FF2B5EF4-FFF2-40B4-BE49-F238E27FC236}">
+                <a16:creationId xmlns:a16="http://schemas.microsoft.com/office/drawing/2014/main" id="{61290EC1-56E5-41AA-BB51-B0967C010B48}"/>
+              </a:ext>
+            </a:extLst>
+          </p:cNvPr>
+          <p:cNvCxnSpPr/>
+          <p:nvPr/>
+        </p:nvCxnSpPr>
+        <p:spPr>
+          <a:xfrm>
+            <a:off x="1305984" y="6184900"/>
+            <a:ext cx="0" cy="510117"/>
+          </a:xfrm>
+          <a:prstGeom prst="line">
+            <a:avLst/>
+          </a:prstGeom>
+          <a:ln w="6350">
+            <a:solidFill>
+              <a:srgbClr val="3D3029"/>
+            </a:solidFill>
+          </a:ln>
+          <a:effectLst/>
+        </p:spPr>
+        <p:style>
+          <a:lnRef idx="2">
+            <a:schemeClr val="accent1"/>
+          </a:lnRef>
+          <a:fillRef idx="0">
+            <a:schemeClr val="accent1"/>
+          </a:fillRef>
+          <a:effectRef idx="1">
+            <a:schemeClr val="accent1"/>
+          </a:effectRef>
+          <a:fontRef idx="minor">
+            <a:schemeClr val="tx1"/>
+          </a:fontRef>
+        </p:style>
+      </p:cxnSp>
+      <p:cxnSp>
+        <p:nvCxnSpPr>
+          <p:cNvPr id="5" name="Straight Connector 4">
+            <a:extLst>
+              <a:ext uri="{FF2B5EF4-FFF2-40B4-BE49-F238E27FC236}">
+                <a16:creationId xmlns:a16="http://schemas.microsoft.com/office/drawing/2014/main" id="{FAAB74B0-5CB2-4BBC-8203-6628B3DCB920}"/>
+              </a:ext>
+            </a:extLst>
+          </p:cNvPr>
+          <p:cNvCxnSpPr/>
+          <p:nvPr/>
+        </p:nvCxnSpPr>
+        <p:spPr>
+          <a:xfrm>
+            <a:off x="11252200" y="6383867"/>
+            <a:ext cx="459317" cy="0"/>
+          </a:xfrm>
+          <a:prstGeom prst="line">
+            <a:avLst/>
+          </a:prstGeom>
+          <a:ln>
+            <a:solidFill>
+              <a:srgbClr val="000000"/>
+            </a:solidFill>
+          </a:ln>
+          <a:effectLst/>
+        </p:spPr>
+        <p:style>
+          <a:lnRef idx="2">
+            <a:schemeClr val="accent1"/>
+          </a:lnRef>
+          <a:fillRef idx="0">
+            <a:schemeClr val="accent1"/>
+          </a:fillRef>
+          <a:effectRef idx="1">
+            <a:schemeClr val="accent1"/>
+          </a:effectRef>
+          <a:fontRef idx="minor">
+            <a:schemeClr val="tx1"/>
+          </a:fontRef>
+        </p:style>
+      </p:cxnSp>
+      <p:cxnSp>
+        <p:nvCxnSpPr>
+          <p:cNvPr id="6" name="Straight Connector 5">
+            <a:extLst>
+              <a:ext uri="{FF2B5EF4-FFF2-40B4-BE49-F238E27FC236}">
+                <a16:creationId xmlns:a16="http://schemas.microsoft.com/office/drawing/2014/main" id="{9E222CE2-2441-4806-BD21-3C89814DB123}"/>
+              </a:ext>
+            </a:extLst>
+          </p:cNvPr>
+          <p:cNvCxnSpPr/>
+          <p:nvPr/>
+        </p:nvCxnSpPr>
+        <p:spPr>
+          <a:xfrm>
+            <a:off x="609600" y="275167"/>
+            <a:ext cx="0" cy="1043517"/>
+          </a:xfrm>
+          <a:prstGeom prst="line">
+            <a:avLst/>
+          </a:prstGeom>
+          <a:ln w="41275">
+            <a:solidFill>
+              <a:srgbClr val="000000"/>
+            </a:solidFill>
+          </a:ln>
+          <a:effectLst/>
+        </p:spPr>
+        <p:style>
+          <a:lnRef idx="2">
+            <a:schemeClr val="accent1"/>
+          </a:lnRef>
+          <a:fillRef idx="0">
+            <a:schemeClr val="accent1"/>
+          </a:fillRef>
+          <a:effectRef idx="1">
+            <a:schemeClr val="accent1"/>
+          </a:effectRef>
+          <a:fontRef idx="minor">
+            <a:schemeClr val="tx1"/>
+          </a:fontRef>
+        </p:style>
+      </p:cxnSp>
+      <p:sp>
+        <p:nvSpPr>
+          <p:cNvPr id="2" name="Title 1"/>
+          <p:cNvSpPr>
+            <a:spLocks noGrp="1"/>
+          </p:cNvSpPr>
+          <p:nvPr>
+            <p:ph type="title"/>
+          </p:nvPr>
+        </p:nvSpPr>
+        <p:spPr>
+          <a:xfrm>
+            <a:off x="818196" y="274639"/>
+            <a:ext cx="10972800" cy="1043103"/>
+          </a:xfrm>
+        </p:spPr>
+        <p:txBody>
+          <a:bodyPr>
+            <a:noAutofit/>
+          </a:bodyPr>
+          <a:lstStyle>
+            <a:lvl1pPr algn="l">
+              <a:defRPr sz="4000" b="1">
+                <a:solidFill>
+                  <a:srgbClr val="EC2227"/>
+                </a:solidFill>
+              </a:defRPr>
+            </a:lvl1pPr>
+          </a:lstStyle>
+          <a:p>
+            <a:r>
+              <a:rPr lang="en-US"/>
+              <a:t>Click to edit Master title style</a:t>
+            </a:r>
+          </a:p>
+        </p:txBody>
+      </p:sp>
+      <p:sp>
+        <p:nvSpPr>
+          <p:cNvPr id="17" name="Text Placeholder 16"/>
+          <p:cNvSpPr>
+            <a:spLocks noGrp="1"/>
+          </p:cNvSpPr>
+          <p:nvPr>
+            <p:ph type="body" sz="quarter" idx="13"/>
+          </p:nvPr>
+        </p:nvSpPr>
+        <p:spPr>
+          <a:xfrm>
+            <a:off x="819151" y="1677481"/>
+            <a:ext cx="10971845" cy="4435811"/>
+          </a:xfrm>
+        </p:spPr>
+        <p:txBody>
+          <a:bodyPr>
+            <a:noAutofit/>
+          </a:bodyPr>
+          <a:lstStyle>
+            <a:lvl1pPr marL="243834" indent="-243834" algn="l">
+              <a:spcBef>
+                <a:spcPts val="800"/>
+              </a:spcBef>
+              <a:spcAft>
+                <a:spcPts val="0"/>
+              </a:spcAft>
+              <a:defRPr sz="3200"/>
+            </a:lvl1pPr>
+            <a:lvl2pPr>
+              <a:spcBef>
+                <a:spcPts val="800"/>
+              </a:spcBef>
+              <a:spcAft>
+                <a:spcPts val="0"/>
+              </a:spcAft>
+              <a:defRPr sz="2667"/>
+            </a:lvl2pPr>
+            <a:lvl3pPr>
+              <a:spcBef>
+                <a:spcPts val="800"/>
+              </a:spcBef>
+              <a:spcAft>
+                <a:spcPts val="0"/>
+              </a:spcAft>
+              <a:defRPr sz="2667"/>
+            </a:lvl3pPr>
+            <a:lvl4pPr>
+              <a:spcBef>
+                <a:spcPts val="800"/>
+              </a:spcBef>
+              <a:spcAft>
+                <a:spcPts val="0"/>
+              </a:spcAft>
+              <a:defRPr sz="2667"/>
+            </a:lvl4pPr>
+            <a:lvl5pPr>
+              <a:spcBef>
+                <a:spcPts val="800"/>
+              </a:spcBef>
+              <a:spcAft>
+                <a:spcPts val="0"/>
+              </a:spcAft>
+              <a:defRPr sz="2667"/>
+            </a:lvl5pPr>
+          </a:lstStyle>
+          <a:p>
+            <a:pPr lvl="0"/>
+            <a:r>
+              <a:rPr lang="en-US"/>
+              <a:t>Click to edit Master text styles</a:t>
+            </a:r>
+          </a:p>
+          <a:p>
+            <a:pPr lvl="1"/>
+            <a:r>
+              <a:rPr lang="en-US"/>
+              <a:t>Second level</a:t>
+            </a:r>
+          </a:p>
+          <a:p>
+            <a:pPr lvl="2"/>
+            <a:r>
+              <a:rPr lang="en-US"/>
+              <a:t>Third level</a:t>
+            </a:r>
+          </a:p>
+          <a:p>
+            <a:pPr lvl="3"/>
+            <a:r>
+              <a:rPr lang="en-US"/>
+              <a:t>Fourth level</a:t>
+            </a:r>
+          </a:p>
+          <a:p>
+            <a:pPr lvl="4"/>
+            <a:r>
+              <a:rPr lang="en-US"/>
+              <a:t>Fifth level</a:t>
+            </a:r>
+          </a:p>
+        </p:txBody>
+      </p:sp>
+      <p:sp>
+        <p:nvSpPr>
+          <p:cNvPr id="8" name="Footer Placeholder 7">
+            <a:extLst>
+              <a:ext uri="{FF2B5EF4-FFF2-40B4-BE49-F238E27FC236}">
+                <a16:creationId xmlns:a16="http://schemas.microsoft.com/office/drawing/2014/main" id="{BF824C8E-8610-4338-8475-7343988CB865}"/>
+              </a:ext>
+            </a:extLst>
+          </p:cNvPr>
+          <p:cNvSpPr>
+            <a:spLocks noGrp="1"/>
+          </p:cNvSpPr>
+          <p:nvPr>
+            <p:ph type="ftr" sz="quarter" idx="14"/>
+          </p:nvPr>
+        </p:nvSpPr>
+        <p:spPr/>
+        <p:txBody>
+          <a:bodyPr>
+            <a:noAutofit/>
+          </a:bodyPr>
+          <a:lstStyle>
+            <a:lvl1pPr>
+              <a:defRPr/>
+            </a:lvl1pPr>
+          </a:lstStyle>
+          <a:p>
+            <a:r>
+              <a:rPr lang="en-US" altLang="en-US"/>
+              <a:t>® Health Level Seven and HL7 are registered trademarks of Health Level Seven International, registered with the United States Patent and Trademark Office.</a:t>
+            </a:r>
+          </a:p>
+        </p:txBody>
+      </p:sp>
+      <p:sp>
+        <p:nvSpPr>
+          <p:cNvPr id="9" name="Slide Number Placeholder 8">
+            <a:extLst>
+              <a:ext uri="{FF2B5EF4-FFF2-40B4-BE49-F238E27FC236}">
+                <a16:creationId xmlns:a16="http://schemas.microsoft.com/office/drawing/2014/main" id="{4AE94CCA-0C38-4E82-B227-0A17C9436527}"/>
+              </a:ext>
+            </a:extLst>
+          </p:cNvPr>
+          <p:cNvSpPr>
+            <a:spLocks noGrp="1"/>
+          </p:cNvSpPr>
+          <p:nvPr>
+            <p:ph type="sldNum" sz="quarter" idx="15"/>
+          </p:nvPr>
+        </p:nvSpPr>
+        <p:spPr/>
+        <p:txBody>
+          <a:bodyPr/>
+          <a:lstStyle>
+            <a:lvl1pPr>
+              <a:defRPr/>
+            </a:lvl1pPr>
+          </a:lstStyle>
+          <a:p>
+            <a:fld id="{73B22ABC-0FED-4D64-8F5D-7D0F97264170}" type="slidenum">
+              <a:rPr lang="en-US" altLang="en-US"/>
+              <a:pPr/>
+              <a:t>‹N›</a:t>
+            </a:fld>
+            <a:endParaRPr lang="en-US" altLang="en-US"/>
+          </a:p>
+        </p:txBody>
+      </p:sp>
+      <p:pic>
+        <p:nvPicPr>
+          <p:cNvPr id="10" name="Picture 9" descr="Logo&#10;&#10;Description automatically generated">
+            <a:extLst>
+              <a:ext uri="{FF2B5EF4-FFF2-40B4-BE49-F238E27FC236}">
+                <a16:creationId xmlns:a16="http://schemas.microsoft.com/office/drawing/2014/main" id="{B02AAAE1-59E9-453D-985D-67C5631F339F}"/>
+              </a:ext>
+            </a:extLst>
+          </p:cNvPr>
+          <p:cNvPicPr>
+            <a:picLocks noChangeAspect="1"/>
+          </p:cNvPicPr>
+          <p:nvPr userDrawn="1"/>
+        </p:nvPicPr>
+        <p:blipFill>
+          <a:blip r:embed="rId2"/>
+          <a:stretch>
+            <a:fillRect/>
+          </a:stretch>
+        </p:blipFill>
+        <p:spPr>
+          <a:xfrm>
+            <a:off x="267080" y="6290157"/>
+            <a:ext cx="675891" cy="440231"/>
+          </a:xfrm>
+          <a:prstGeom prst="rect">
+            <a:avLst/>
+          </a:prstGeom>
+        </p:spPr>
+      </p:pic>
+    </p:spTree>
+    <p:extLst>
+      <p:ext uri="{BB962C8B-B14F-4D97-AF65-F5344CB8AC3E}">
+        <p14:creationId xmlns:p14="http://schemas.microsoft.com/office/powerpoint/2010/main" val="3258555288"/>
       </p:ext>
     </p:extLst>
   </p:cSld>
@@ -868,7 +1269,7 @@
           <a:p>
             <a:fld id="{DBA163D1-61FB-9B4F-85BF-B4959B84AF30}" type="datetimeFigureOut">
               <a:rPr lang="en-US" smtClean="0"/>
-              <a:t>12/28/23</a:t>
+              <a:t>2/5/2024</a:t>
             </a:fld>
             <a:endParaRPr lang="en-US"/>
           </a:p>
@@ -922,7 +1323,7 @@
           <a:p>
             <a:fld id="{AC8B6FFC-8CBB-6541-9C78-5B2C4171D2A2}" type="slidenum">
               <a:rPr lang="en-US" smtClean="0"/>
-              <a:t>‹#›</a:t>
+              <a:t>‹N›</a:t>
             </a:fld>
             <a:endParaRPr lang="en-US"/>
           </a:p>
@@ -1144,7 +1545,7 @@
           <a:p>
             <a:fld id="{DBA163D1-61FB-9B4F-85BF-B4959B84AF30}" type="datetimeFigureOut">
               <a:rPr lang="en-US" smtClean="0"/>
-              <a:t>12/28/23</a:t>
+              <a:t>2/5/2024</a:t>
             </a:fld>
             <a:endParaRPr lang="en-US"/>
           </a:p>
@@ -1198,7 +1599,7 @@
           <a:p>
             <a:fld id="{AC8B6FFC-8CBB-6541-9C78-5B2C4171D2A2}" type="slidenum">
               <a:rPr lang="en-US" smtClean="0"/>
-              <a:t>‹#›</a:t>
+              <a:t>‹N›</a:t>
             </a:fld>
             <a:endParaRPr lang="en-US"/>
           </a:p>
@@ -1412,7 +1813,7 @@
           <a:p>
             <a:fld id="{DBA163D1-61FB-9B4F-85BF-B4959B84AF30}" type="datetimeFigureOut">
               <a:rPr lang="en-US" smtClean="0"/>
-              <a:t>12/28/23</a:t>
+              <a:t>2/5/2024</a:t>
             </a:fld>
             <a:endParaRPr lang="en-US"/>
           </a:p>
@@ -1466,7 +1867,7 @@
           <a:p>
             <a:fld id="{AC8B6FFC-8CBB-6541-9C78-5B2C4171D2A2}" type="slidenum">
               <a:rPr lang="en-US" smtClean="0"/>
-              <a:t>‹#›</a:t>
+              <a:t>‹N›</a:t>
             </a:fld>
             <a:endParaRPr lang="en-US"/>
           </a:p>
@@ -1827,7 +2228,7 @@
           <a:p>
             <a:fld id="{DBA163D1-61FB-9B4F-85BF-B4959B84AF30}" type="datetimeFigureOut">
               <a:rPr lang="en-US" smtClean="0"/>
-              <a:t>12/28/23</a:t>
+              <a:t>2/5/2024</a:t>
             </a:fld>
             <a:endParaRPr lang="en-US"/>
           </a:p>
@@ -1881,7 +2282,7 @@
           <a:p>
             <a:fld id="{AC8B6FFC-8CBB-6541-9C78-5B2C4171D2A2}" type="slidenum">
               <a:rPr lang="en-US" smtClean="0"/>
-              <a:t>‹#›</a:t>
+              <a:t>‹N›</a:t>
             </a:fld>
             <a:endParaRPr lang="en-US"/>
           </a:p>
@@ -1969,7 +2370,7 @@
           <a:p>
             <a:fld id="{DBA163D1-61FB-9B4F-85BF-B4959B84AF30}" type="datetimeFigureOut">
               <a:rPr lang="en-US" smtClean="0"/>
-              <a:t>12/28/23</a:t>
+              <a:t>2/5/2024</a:t>
             </a:fld>
             <a:endParaRPr lang="en-US"/>
           </a:p>
@@ -2023,7 +2424,7 @@
           <a:p>
             <a:fld id="{AC8B6FFC-8CBB-6541-9C78-5B2C4171D2A2}" type="slidenum">
               <a:rPr lang="en-US" smtClean="0"/>
-              <a:t>‹#›</a:t>
+              <a:t>‹N›</a:t>
             </a:fld>
             <a:endParaRPr lang="en-US"/>
           </a:p>
@@ -2082,7 +2483,7 @@
           <a:p>
             <a:fld id="{DBA163D1-61FB-9B4F-85BF-B4959B84AF30}" type="datetimeFigureOut">
               <a:rPr lang="en-US" smtClean="0"/>
-              <a:t>12/28/23</a:t>
+              <a:t>2/5/2024</a:t>
             </a:fld>
             <a:endParaRPr lang="en-US"/>
           </a:p>
@@ -2136,7 +2537,7 @@
           <a:p>
             <a:fld id="{AC8B6FFC-8CBB-6541-9C78-5B2C4171D2A2}" type="slidenum">
               <a:rPr lang="en-US" smtClean="0"/>
-              <a:t>‹#›</a:t>
+              <a:t>‹N›</a:t>
             </a:fld>
             <a:endParaRPr lang="en-US"/>
           </a:p>
@@ -2395,7 +2796,7 @@
           <a:p>
             <a:fld id="{DBA163D1-61FB-9B4F-85BF-B4959B84AF30}" type="datetimeFigureOut">
               <a:rPr lang="en-US" smtClean="0"/>
-              <a:t>12/28/23</a:t>
+              <a:t>2/5/2024</a:t>
             </a:fld>
             <a:endParaRPr lang="en-US"/>
           </a:p>
@@ -2449,7 +2850,7 @@
           <a:p>
             <a:fld id="{AC8B6FFC-8CBB-6541-9C78-5B2C4171D2A2}" type="slidenum">
               <a:rPr lang="en-US" smtClean="0"/>
-              <a:t>‹#›</a:t>
+              <a:t>‹N›</a:t>
             </a:fld>
             <a:endParaRPr lang="en-US"/>
           </a:p>
@@ -2684,7 +3085,7 @@
           <a:p>
             <a:fld id="{DBA163D1-61FB-9B4F-85BF-B4959B84AF30}" type="datetimeFigureOut">
               <a:rPr lang="en-US" smtClean="0"/>
-              <a:t>12/28/23</a:t>
+              <a:t>2/5/2024</a:t>
             </a:fld>
             <a:endParaRPr lang="en-US"/>
           </a:p>
@@ -2738,7 +3139,7 @@
           <a:p>
             <a:fld id="{AC8B6FFC-8CBB-6541-9C78-5B2C4171D2A2}" type="slidenum">
               <a:rPr lang="en-US" smtClean="0"/>
-              <a:t>‹#›</a:t>
+              <a:t>‹N›</a:t>
             </a:fld>
             <a:endParaRPr lang="en-US"/>
           </a:p>
@@ -2927,7 +3328,7 @@
           <a:p>
             <a:fld id="{DBA163D1-61FB-9B4F-85BF-B4959B84AF30}" type="datetimeFigureOut">
               <a:rPr lang="en-US" smtClean="0"/>
-              <a:t>12/28/23</a:t>
+              <a:t>2/5/2024</a:t>
             </a:fld>
             <a:endParaRPr lang="en-US"/>
           </a:p>
@@ -3017,7 +3418,7 @@
           <a:p>
             <a:fld id="{AC8B6FFC-8CBB-6541-9C78-5B2C4171D2A2}" type="slidenum">
               <a:rPr lang="en-US" smtClean="0"/>
-              <a:t>‹#›</a:t>
+              <a:t>‹N›</a:t>
             </a:fld>
             <a:endParaRPr lang="en-US"/>
           </a:p>
@@ -3043,6 +3444,7 @@
     <p:sldLayoutId id="2147483657" r:id="rId9"/>
     <p:sldLayoutId id="2147483658" r:id="rId10"/>
     <p:sldLayoutId id="2147483659" r:id="rId11"/>
+    <p:sldLayoutId id="2147483660" r:id="rId12"/>
   </p:sldLayoutIdLst>
   <p:txStyles>
     <p:titleStyle>
@@ -6996,6 +7398,816 @@
 </p:sld>
 </file>
 
+<file path=ppt/slides/slide4.xml><?xml version="1.0" encoding="utf-8"?>
+<p:sld xmlns:a="http://schemas.openxmlformats.org/drawingml/2006/main" xmlns:r="http://schemas.openxmlformats.org/officeDocument/2006/relationships" xmlns:p="http://schemas.openxmlformats.org/presentationml/2006/main">
+  <p:cSld>
+    <p:spTree>
+      <p:nvGrpSpPr>
+        <p:cNvPr id="1" name=""/>
+        <p:cNvGrpSpPr/>
+        <p:nvPr/>
+      </p:nvGrpSpPr>
+      <p:grpSpPr>
+        <a:xfrm>
+          <a:off x="0" y="0"/>
+          <a:ext cx="0" cy="0"/>
+          <a:chOff x="0" y="0"/>
+          <a:chExt cx="0" cy="0"/>
+        </a:xfrm>
+      </p:grpSpPr>
+      <p:sp>
+        <p:nvSpPr>
+          <p:cNvPr id="5" name="Segnaposto numero diapositiva 4">
+            <a:extLst>
+              <a:ext uri="{FF2B5EF4-FFF2-40B4-BE49-F238E27FC236}">
+                <a16:creationId xmlns:a16="http://schemas.microsoft.com/office/drawing/2014/main" id="{43278412-C42D-3FA1-D693-7695FF62D0F0}"/>
+              </a:ext>
+            </a:extLst>
+          </p:cNvPr>
+          <p:cNvSpPr>
+            <a:spLocks noGrp="1"/>
+          </p:cNvSpPr>
+          <p:nvPr>
+            <p:ph type="sldNum" sz="quarter" idx="15"/>
+          </p:nvPr>
+        </p:nvSpPr>
+        <p:spPr/>
+        <p:txBody>
+          <a:bodyPr/>
+          <a:lstStyle/>
+          <a:p>
+            <a:fld id="{73B22ABC-0FED-4D64-8F5D-7D0F97264170}" type="slidenum">
+              <a:rPr lang="en-US" altLang="en-US" smtClean="0"/>
+              <a:pPr/>
+              <a:t>4</a:t>
+            </a:fld>
+            <a:endParaRPr lang="en-US" altLang="en-US"/>
+          </a:p>
+        </p:txBody>
+      </p:sp>
+      <p:pic>
+        <p:nvPicPr>
+          <p:cNvPr id="2050" name="Picture 2" descr="Corel gallery">
+            <a:extLst>
+              <a:ext uri="{FF2B5EF4-FFF2-40B4-BE49-F238E27FC236}">
+                <a16:creationId xmlns:a16="http://schemas.microsoft.com/office/drawing/2014/main" id="{F2DE2FAB-0C57-0240-A761-97D608A58530}"/>
+              </a:ext>
+            </a:extLst>
+          </p:cNvPr>
+          <p:cNvPicPr>
+            <a:picLocks noChangeAspect="1" noChangeArrowheads="1"/>
+          </p:cNvPicPr>
+          <p:nvPr/>
+        </p:nvPicPr>
+        <p:blipFill>
+          <a:blip r:embed="rId2">
+            <a:extLst>
+              <a:ext uri="{28A0092B-C50C-407E-A947-70E740481C1C}">
+                <a14:useLocalDpi xmlns:a14="http://schemas.microsoft.com/office/drawing/2010/main" val="0"/>
+              </a:ext>
+            </a:extLst>
+          </a:blip>
+          <a:srcRect/>
+          <a:stretch>
+            <a:fillRect/>
+          </a:stretch>
+        </p:blipFill>
+        <p:spPr bwMode="auto">
+          <a:xfrm>
+            <a:off x="568119" y="2930458"/>
+            <a:ext cx="1531924" cy="1120724"/>
+          </a:xfrm>
+          <a:prstGeom prst="rect">
+            <a:avLst/>
+          </a:prstGeom>
+          <a:noFill/>
+          <a:extLst>
+            <a:ext uri="{909E8E84-426E-40DD-AFC4-6F175D3DCCD1}">
+              <a14:hiddenFill xmlns:a14="http://schemas.microsoft.com/office/drawing/2010/main">
+                <a:solidFill>
+                  <a:srgbClr val="FFFFFF"/>
+                </a:solidFill>
+              </a14:hiddenFill>
+            </a:ext>
+          </a:extLst>
+        </p:spPr>
+      </p:pic>
+      <p:pic>
+        <p:nvPicPr>
+          <p:cNvPr id="8" name="Picture 2" descr="Corel gallery">
+            <a:extLst>
+              <a:ext uri="{FF2B5EF4-FFF2-40B4-BE49-F238E27FC236}">
+                <a16:creationId xmlns:a16="http://schemas.microsoft.com/office/drawing/2014/main" id="{5C250A3C-DA36-A15F-8855-F202637B70BA}"/>
+              </a:ext>
+            </a:extLst>
+          </p:cNvPr>
+          <p:cNvPicPr>
+            <a:picLocks noChangeAspect="1" noChangeArrowheads="1"/>
+          </p:cNvPicPr>
+          <p:nvPr/>
+        </p:nvPicPr>
+        <p:blipFill>
+          <a:blip r:embed="rId2">
+            <a:extLst>
+              <a:ext uri="{28A0092B-C50C-407E-A947-70E740481C1C}">
+                <a14:useLocalDpi xmlns:a14="http://schemas.microsoft.com/office/drawing/2010/main" val="0"/>
+              </a:ext>
+            </a:extLst>
+          </a:blip>
+          <a:srcRect/>
+          <a:stretch>
+            <a:fillRect/>
+          </a:stretch>
+        </p:blipFill>
+        <p:spPr bwMode="auto">
+          <a:xfrm flipH="1">
+            <a:off x="10125841" y="3754426"/>
+            <a:ext cx="1304759" cy="954535"/>
+          </a:xfrm>
+          <a:prstGeom prst="rect">
+            <a:avLst/>
+          </a:prstGeom>
+          <a:noFill/>
+          <a:extLst>
+            <a:ext uri="{909E8E84-426E-40DD-AFC4-6F175D3DCCD1}">
+              <a14:hiddenFill xmlns:a14="http://schemas.microsoft.com/office/drawing/2010/main">
+                <a:solidFill>
+                  <a:srgbClr val="FFFFFF"/>
+                </a:solidFill>
+              </a14:hiddenFill>
+            </a:ext>
+          </a:extLst>
+        </p:spPr>
+      </p:pic>
+      <p:sp>
+        <p:nvSpPr>
+          <p:cNvPr id="16" name="CasellaDiTesto 15">
+            <a:extLst>
+              <a:ext uri="{FF2B5EF4-FFF2-40B4-BE49-F238E27FC236}">
+                <a16:creationId xmlns:a16="http://schemas.microsoft.com/office/drawing/2014/main" id="{9B386F58-883B-CE7D-22F2-6E39AD271B67}"/>
+              </a:ext>
+            </a:extLst>
+          </p:cNvPr>
+          <p:cNvSpPr txBox="1"/>
+          <p:nvPr/>
+        </p:nvSpPr>
+        <p:spPr>
+          <a:xfrm>
+            <a:off x="414261" y="4739089"/>
+            <a:ext cx="2012592" cy="338554"/>
+          </a:xfrm>
+          <a:prstGeom prst="rect">
+            <a:avLst/>
+          </a:prstGeom>
+          <a:noFill/>
+        </p:spPr>
+        <p:txBody>
+          <a:bodyPr wrap="square">
+            <a:spAutoFit/>
+          </a:bodyPr>
+          <a:lstStyle/>
+          <a:p>
+            <a:r>
+              <a:rPr lang="en-US" sz="1600" b="1" dirty="0">
+                <a:solidFill>
+                  <a:srgbClr val="777777"/>
+                </a:solidFill>
+                <a:latin typeface="Inter"/>
+              </a:rPr>
+              <a:t>image: Flaticon.com</a:t>
+            </a:r>
+            <a:endParaRPr lang="en-US" sz="1600" b="1" dirty="0"/>
+          </a:p>
+        </p:txBody>
+      </p:sp>
+      <p:pic>
+        <p:nvPicPr>
+          <p:cNvPr id="18" name="Immagine 17">
+            <a:extLst>
+              <a:ext uri="{FF2B5EF4-FFF2-40B4-BE49-F238E27FC236}">
+                <a16:creationId xmlns:a16="http://schemas.microsoft.com/office/drawing/2014/main" id="{FBD7EC08-8D68-5757-93A2-28F5FCC4C48C}"/>
+              </a:ext>
+            </a:extLst>
+          </p:cNvPr>
+          <p:cNvPicPr>
+            <a:picLocks noChangeAspect="1"/>
+          </p:cNvPicPr>
+          <p:nvPr/>
+        </p:nvPicPr>
+        <p:blipFill>
+          <a:blip r:embed="rId3"/>
+          <a:stretch>
+            <a:fillRect/>
+          </a:stretch>
+        </p:blipFill>
+        <p:spPr>
+          <a:xfrm>
+            <a:off x="2090871" y="2878100"/>
+            <a:ext cx="1108365" cy="1108365"/>
+          </a:xfrm>
+          <a:prstGeom prst="rect">
+            <a:avLst/>
+          </a:prstGeom>
+        </p:spPr>
+      </p:pic>
+      <p:sp>
+        <p:nvSpPr>
+          <p:cNvPr id="19" name="CasellaDiTesto 18">
+            <a:extLst>
+              <a:ext uri="{FF2B5EF4-FFF2-40B4-BE49-F238E27FC236}">
+                <a16:creationId xmlns:a16="http://schemas.microsoft.com/office/drawing/2014/main" id="{E2A1B27E-7859-450C-1FF8-977ADEC2F711}"/>
+              </a:ext>
+            </a:extLst>
+          </p:cNvPr>
+          <p:cNvSpPr txBox="1"/>
+          <p:nvPr/>
+        </p:nvSpPr>
+        <p:spPr>
+          <a:xfrm>
+            <a:off x="1671688" y="4021312"/>
+            <a:ext cx="1896866" cy="379656"/>
+          </a:xfrm>
+          <a:prstGeom prst="rect">
+            <a:avLst/>
+          </a:prstGeom>
+          <a:noFill/>
+        </p:spPr>
+        <p:txBody>
+          <a:bodyPr wrap="none" rtlCol="0">
+            <a:spAutoFit/>
+          </a:bodyPr>
+          <a:lstStyle/>
+          <a:p>
+            <a:r>
+              <a:rPr lang="en-US" sz="1867" b="1" dirty="0" err="1"/>
+              <a:t>DiagnosticReport</a:t>
+            </a:r>
+            <a:endParaRPr lang="en-US" sz="1867" b="1" dirty="0"/>
+          </a:p>
+        </p:txBody>
+      </p:sp>
+      <p:sp>
+        <p:nvSpPr>
+          <p:cNvPr id="20" name="CasellaDiTesto 19">
+            <a:extLst>
+              <a:ext uri="{FF2B5EF4-FFF2-40B4-BE49-F238E27FC236}">
+                <a16:creationId xmlns:a16="http://schemas.microsoft.com/office/drawing/2014/main" id="{E62707B3-4EED-61B2-01DB-4B950158BB59}"/>
+              </a:ext>
+            </a:extLst>
+          </p:cNvPr>
+          <p:cNvSpPr txBox="1"/>
+          <p:nvPr/>
+        </p:nvSpPr>
+        <p:spPr>
+          <a:xfrm>
+            <a:off x="3399740" y="1743048"/>
+            <a:ext cx="1446230" cy="379656"/>
+          </a:xfrm>
+          <a:prstGeom prst="rect">
+            <a:avLst/>
+          </a:prstGeom>
+          <a:noFill/>
+        </p:spPr>
+        <p:txBody>
+          <a:bodyPr wrap="none" rtlCol="0">
+            <a:spAutoFit/>
+          </a:bodyPr>
+          <a:lstStyle/>
+          <a:p>
+            <a:r>
+              <a:rPr lang="en-US" sz="1867" b="1" dirty="0"/>
+              <a:t>Composition</a:t>
+            </a:r>
+          </a:p>
+        </p:txBody>
+      </p:sp>
+      <p:pic>
+        <p:nvPicPr>
+          <p:cNvPr id="22" name="Immagine 21">
+            <a:extLst>
+              <a:ext uri="{FF2B5EF4-FFF2-40B4-BE49-F238E27FC236}">
+                <a16:creationId xmlns:a16="http://schemas.microsoft.com/office/drawing/2014/main" id="{AFF66693-A4D4-0088-4987-6321C21A0173}"/>
+              </a:ext>
+            </a:extLst>
+          </p:cNvPr>
+          <p:cNvPicPr>
+            <a:picLocks noChangeAspect="1"/>
+          </p:cNvPicPr>
+          <p:nvPr/>
+        </p:nvPicPr>
+        <p:blipFill>
+          <a:blip r:embed="rId4"/>
+          <a:stretch>
+            <a:fillRect/>
+          </a:stretch>
+        </p:blipFill>
+        <p:spPr>
+          <a:xfrm>
+            <a:off x="4100236" y="3741850"/>
+            <a:ext cx="902681" cy="902681"/>
+          </a:xfrm>
+          <a:prstGeom prst="rect">
+            <a:avLst/>
+          </a:prstGeom>
+        </p:spPr>
+      </p:pic>
+      <p:sp>
+        <p:nvSpPr>
+          <p:cNvPr id="23" name="CasellaDiTesto 22">
+            <a:extLst>
+              <a:ext uri="{FF2B5EF4-FFF2-40B4-BE49-F238E27FC236}">
+                <a16:creationId xmlns:a16="http://schemas.microsoft.com/office/drawing/2014/main" id="{5468B17D-13D5-DB60-C321-5A0E5D8D8734}"/>
+              </a:ext>
+            </a:extLst>
+          </p:cNvPr>
+          <p:cNvSpPr txBox="1"/>
+          <p:nvPr/>
+        </p:nvSpPr>
+        <p:spPr>
+          <a:xfrm>
+            <a:off x="3553862" y="4698051"/>
+            <a:ext cx="1820819" cy="379656"/>
+          </a:xfrm>
+          <a:prstGeom prst="rect">
+            <a:avLst/>
+          </a:prstGeom>
+          <a:noFill/>
+        </p:spPr>
+        <p:txBody>
+          <a:bodyPr wrap="none" rtlCol="0">
+            <a:spAutoFit/>
+          </a:bodyPr>
+          <a:lstStyle/>
+          <a:p>
+            <a:r>
+              <a:rPr lang="en-US" sz="1867" b="1" dirty="0"/>
+              <a:t>Other Resources</a:t>
+            </a:r>
+          </a:p>
+        </p:txBody>
+      </p:sp>
+      <p:cxnSp>
+        <p:nvCxnSpPr>
+          <p:cNvPr id="25" name="Connettore 2 24">
+            <a:extLst>
+              <a:ext uri="{FF2B5EF4-FFF2-40B4-BE49-F238E27FC236}">
+                <a16:creationId xmlns:a16="http://schemas.microsoft.com/office/drawing/2014/main" id="{5BB0BFAE-12D7-7AE8-212A-C7099D8D613C}"/>
+              </a:ext>
+            </a:extLst>
+          </p:cNvPr>
+          <p:cNvCxnSpPr>
+            <a:cxnSpLocks/>
+            <a:stCxn id="18" idx="3"/>
+            <a:endCxn id="50" idx="1"/>
+          </p:cNvCxnSpPr>
+          <p:nvPr/>
+        </p:nvCxnSpPr>
+        <p:spPr>
+          <a:xfrm flipV="1">
+            <a:off x="3199237" y="2546256"/>
+            <a:ext cx="569244" cy="886027"/>
+          </a:xfrm>
+          <a:prstGeom prst="straightConnector1">
+            <a:avLst/>
+          </a:prstGeom>
+          <a:ln>
+            <a:tailEnd type="triangle"/>
+          </a:ln>
+        </p:spPr>
+        <p:style>
+          <a:lnRef idx="2">
+            <a:schemeClr val="accent1"/>
+          </a:lnRef>
+          <a:fillRef idx="0">
+            <a:schemeClr val="accent1"/>
+          </a:fillRef>
+          <a:effectRef idx="1">
+            <a:schemeClr val="accent1"/>
+          </a:effectRef>
+          <a:fontRef idx="minor">
+            <a:schemeClr val="tx1"/>
+          </a:fontRef>
+        </p:style>
+      </p:cxnSp>
+      <p:cxnSp>
+        <p:nvCxnSpPr>
+          <p:cNvPr id="26" name="Connettore 2 25">
+            <a:extLst>
+              <a:ext uri="{FF2B5EF4-FFF2-40B4-BE49-F238E27FC236}">
+                <a16:creationId xmlns:a16="http://schemas.microsoft.com/office/drawing/2014/main" id="{405414CB-215F-02D8-C2D8-D3AC541BDB82}"/>
+              </a:ext>
+            </a:extLst>
+          </p:cNvPr>
+          <p:cNvCxnSpPr>
+            <a:cxnSpLocks/>
+            <a:stCxn id="18" idx="3"/>
+            <a:endCxn id="22" idx="1"/>
+          </p:cNvCxnSpPr>
+          <p:nvPr/>
+        </p:nvCxnSpPr>
+        <p:spPr>
+          <a:xfrm>
+            <a:off x="3199237" y="3432283"/>
+            <a:ext cx="900999" cy="760908"/>
+          </a:xfrm>
+          <a:prstGeom prst="straightConnector1">
+            <a:avLst/>
+          </a:prstGeom>
+          <a:ln>
+            <a:tailEnd type="triangle"/>
+          </a:ln>
+        </p:spPr>
+        <p:style>
+          <a:lnRef idx="2">
+            <a:schemeClr val="accent1"/>
+          </a:lnRef>
+          <a:fillRef idx="0">
+            <a:schemeClr val="accent1"/>
+          </a:fillRef>
+          <a:effectRef idx="1">
+            <a:schemeClr val="accent1"/>
+          </a:effectRef>
+          <a:fontRef idx="minor">
+            <a:schemeClr val="tx1"/>
+          </a:fontRef>
+        </p:style>
+      </p:cxnSp>
+      <p:cxnSp>
+        <p:nvCxnSpPr>
+          <p:cNvPr id="29" name="Connettore 2 28">
+            <a:extLst>
+              <a:ext uri="{FF2B5EF4-FFF2-40B4-BE49-F238E27FC236}">
+                <a16:creationId xmlns:a16="http://schemas.microsoft.com/office/drawing/2014/main" id="{F8F8EC5D-350E-2563-3850-7D7B9EA72D71}"/>
+              </a:ext>
+            </a:extLst>
+          </p:cNvPr>
+          <p:cNvCxnSpPr>
+            <a:cxnSpLocks/>
+            <a:stCxn id="50" idx="2"/>
+            <a:endCxn id="22" idx="0"/>
+          </p:cNvCxnSpPr>
+          <p:nvPr/>
+        </p:nvCxnSpPr>
+        <p:spPr>
+          <a:xfrm>
+            <a:off x="4132757" y="2910534"/>
+            <a:ext cx="418819" cy="831316"/>
+          </a:xfrm>
+          <a:prstGeom prst="straightConnector1">
+            <a:avLst/>
+          </a:prstGeom>
+          <a:ln>
+            <a:prstDash val="sysDot"/>
+            <a:tailEnd type="triangle"/>
+          </a:ln>
+        </p:spPr>
+        <p:style>
+          <a:lnRef idx="2">
+            <a:schemeClr val="accent1"/>
+          </a:lnRef>
+          <a:fillRef idx="0">
+            <a:schemeClr val="accent1"/>
+          </a:fillRef>
+          <a:effectRef idx="1">
+            <a:schemeClr val="accent1"/>
+          </a:effectRef>
+          <a:fontRef idx="minor">
+            <a:schemeClr val="tx1"/>
+          </a:fontRef>
+        </p:style>
+      </p:cxnSp>
+      <p:pic>
+        <p:nvPicPr>
+          <p:cNvPr id="34" name="Immagine 33">
+            <a:extLst>
+              <a:ext uri="{FF2B5EF4-FFF2-40B4-BE49-F238E27FC236}">
+                <a16:creationId xmlns:a16="http://schemas.microsoft.com/office/drawing/2014/main" id="{42A80A6C-EED2-92D7-AA0B-B90F12052CA5}"/>
+              </a:ext>
+            </a:extLst>
+          </p:cNvPr>
+          <p:cNvPicPr>
+            <a:picLocks noChangeAspect="1"/>
+          </p:cNvPicPr>
+          <p:nvPr/>
+        </p:nvPicPr>
+        <p:blipFill>
+          <a:blip r:embed="rId5"/>
+          <a:stretch>
+            <a:fillRect/>
+          </a:stretch>
+        </p:blipFill>
+        <p:spPr>
+          <a:xfrm>
+            <a:off x="8189113" y="3603277"/>
+            <a:ext cx="1426984" cy="1426984"/>
+          </a:xfrm>
+          <a:prstGeom prst="rect">
+            <a:avLst/>
+          </a:prstGeom>
+        </p:spPr>
+      </p:pic>
+      <p:sp>
+        <p:nvSpPr>
+          <p:cNvPr id="35" name="CasellaDiTesto 34">
+            <a:extLst>
+              <a:ext uri="{FF2B5EF4-FFF2-40B4-BE49-F238E27FC236}">
+                <a16:creationId xmlns:a16="http://schemas.microsoft.com/office/drawing/2014/main" id="{198D531E-C7AE-EA0F-747D-44BB54FD5627}"/>
+              </a:ext>
+            </a:extLst>
+          </p:cNvPr>
+          <p:cNvSpPr txBox="1"/>
+          <p:nvPr/>
+        </p:nvSpPr>
+        <p:spPr>
+          <a:xfrm>
+            <a:off x="8050641" y="2997895"/>
+            <a:ext cx="1703928" cy="625877"/>
+          </a:xfrm>
+          <a:prstGeom prst="rect">
+            <a:avLst/>
+          </a:prstGeom>
+          <a:noFill/>
+        </p:spPr>
+        <p:txBody>
+          <a:bodyPr wrap="none" rtlCol="0">
+            <a:spAutoFit/>
+          </a:bodyPr>
+          <a:lstStyle/>
+          <a:p>
+            <a:pPr algn="ctr"/>
+            <a:r>
+              <a:rPr lang="en-US" sz="1867" b="1" dirty="0"/>
+              <a:t>Bundle</a:t>
+            </a:r>
+          </a:p>
+          <a:p>
+            <a:pPr algn="ctr"/>
+            <a:r>
+              <a:rPr lang="en-US" sz="1600" i="1" dirty="0"/>
+              <a:t>[type = document]</a:t>
+            </a:r>
+          </a:p>
+        </p:txBody>
+      </p:sp>
+      <p:sp>
+        <p:nvSpPr>
+          <p:cNvPr id="38" name="CasellaDiTesto 37">
+            <a:extLst>
+              <a:ext uri="{FF2B5EF4-FFF2-40B4-BE49-F238E27FC236}">
+                <a16:creationId xmlns:a16="http://schemas.microsoft.com/office/drawing/2014/main" id="{3BF72E60-B0C2-66F5-D2E5-08BFD8244E46}"/>
+              </a:ext>
+            </a:extLst>
+          </p:cNvPr>
+          <p:cNvSpPr txBox="1"/>
+          <p:nvPr/>
+        </p:nvSpPr>
+        <p:spPr>
+          <a:xfrm>
+            <a:off x="1759526" y="5535402"/>
+            <a:ext cx="2342308" cy="461665"/>
+          </a:xfrm>
+          <a:prstGeom prst="rect">
+            <a:avLst/>
+          </a:prstGeom>
+          <a:noFill/>
+        </p:spPr>
+        <p:txBody>
+          <a:bodyPr wrap="none" rtlCol="0">
+            <a:spAutoFit/>
+          </a:bodyPr>
+          <a:lstStyle/>
+          <a:p>
+            <a:r>
+              <a:rPr lang="en-US" sz="2400" b="1" dirty="0">
+                <a:solidFill>
+                  <a:srgbClr val="FF0000"/>
+                </a:solidFill>
+              </a:rPr>
+              <a:t>REST Perspective</a:t>
+            </a:r>
+          </a:p>
+        </p:txBody>
+      </p:sp>
+      <p:sp>
+        <p:nvSpPr>
+          <p:cNvPr id="39" name="CasellaDiTesto 38">
+            <a:extLst>
+              <a:ext uri="{FF2B5EF4-FFF2-40B4-BE49-F238E27FC236}">
+                <a16:creationId xmlns:a16="http://schemas.microsoft.com/office/drawing/2014/main" id="{B7FB04EE-1F1F-74C0-164F-243013D6CA97}"/>
+              </a:ext>
+            </a:extLst>
+          </p:cNvPr>
+          <p:cNvSpPr txBox="1"/>
+          <p:nvPr/>
+        </p:nvSpPr>
+        <p:spPr>
+          <a:xfrm>
+            <a:off x="7729973" y="5558933"/>
+            <a:ext cx="3053978" cy="461665"/>
+          </a:xfrm>
+          <a:prstGeom prst="rect">
+            <a:avLst/>
+          </a:prstGeom>
+          <a:noFill/>
+        </p:spPr>
+        <p:txBody>
+          <a:bodyPr wrap="none" rtlCol="0">
+            <a:spAutoFit/>
+          </a:bodyPr>
+          <a:lstStyle/>
+          <a:p>
+            <a:r>
+              <a:rPr lang="en-US" sz="2400" b="1" dirty="0">
+                <a:solidFill>
+                  <a:srgbClr val="FF0000"/>
+                </a:solidFill>
+              </a:rPr>
+              <a:t>Document Perspective</a:t>
+            </a:r>
+          </a:p>
+        </p:txBody>
+      </p:sp>
+      <p:pic>
+        <p:nvPicPr>
+          <p:cNvPr id="41" name="Immagine 40">
+            <a:extLst>
+              <a:ext uri="{FF2B5EF4-FFF2-40B4-BE49-F238E27FC236}">
+                <a16:creationId xmlns:a16="http://schemas.microsoft.com/office/drawing/2014/main" id="{70F60FFE-74A7-2438-6B85-B497B38D9775}"/>
+              </a:ext>
+            </a:extLst>
+          </p:cNvPr>
+          <p:cNvPicPr>
+            <a:picLocks noChangeAspect="1"/>
+          </p:cNvPicPr>
+          <p:nvPr/>
+        </p:nvPicPr>
+        <p:blipFill>
+          <a:blip r:embed="rId6"/>
+          <a:stretch>
+            <a:fillRect/>
+          </a:stretch>
+        </p:blipFill>
+        <p:spPr>
+          <a:xfrm rot="6395144">
+            <a:off x="5711628" y="2998131"/>
+            <a:ext cx="1857992" cy="1857992"/>
+          </a:xfrm>
+          <a:prstGeom prst="rect">
+            <a:avLst/>
+          </a:prstGeom>
+        </p:spPr>
+      </p:pic>
+      <p:pic>
+        <p:nvPicPr>
+          <p:cNvPr id="50" name="Immagine 49">
+            <a:extLst>
+              <a:ext uri="{FF2B5EF4-FFF2-40B4-BE49-F238E27FC236}">
+                <a16:creationId xmlns:a16="http://schemas.microsoft.com/office/drawing/2014/main" id="{34A6260C-5C27-2A9F-C46D-C5DDB4A59CDA}"/>
+              </a:ext>
+            </a:extLst>
+          </p:cNvPr>
+          <p:cNvPicPr>
+            <a:picLocks noChangeAspect="1"/>
+          </p:cNvPicPr>
+          <p:nvPr/>
+        </p:nvPicPr>
+        <p:blipFill>
+          <a:blip r:embed="rId7"/>
+          <a:stretch>
+            <a:fillRect/>
+          </a:stretch>
+        </p:blipFill>
+        <p:spPr>
+          <a:xfrm>
+            <a:off x="3768480" y="2181979"/>
+            <a:ext cx="728555" cy="728555"/>
+          </a:xfrm>
+          <a:prstGeom prst="rect">
+            <a:avLst/>
+          </a:prstGeom>
+        </p:spPr>
+      </p:pic>
+      <p:pic>
+        <p:nvPicPr>
+          <p:cNvPr id="54" name="Immagine 53">
+            <a:extLst>
+              <a:ext uri="{FF2B5EF4-FFF2-40B4-BE49-F238E27FC236}">
+                <a16:creationId xmlns:a16="http://schemas.microsoft.com/office/drawing/2014/main" id="{D1B83E85-E3C1-7D7D-E6CE-58F4300D2016}"/>
+              </a:ext>
+            </a:extLst>
+          </p:cNvPr>
+          <p:cNvPicPr>
+            <a:picLocks noChangeAspect="1"/>
+          </p:cNvPicPr>
+          <p:nvPr/>
+        </p:nvPicPr>
+        <p:blipFill>
+          <a:blip r:embed="rId8"/>
+          <a:stretch>
+            <a:fillRect/>
+          </a:stretch>
+        </p:blipFill>
+        <p:spPr>
+          <a:xfrm>
+            <a:off x="9218649" y="4657902"/>
+            <a:ext cx="702623" cy="702623"/>
+          </a:xfrm>
+          <a:prstGeom prst="rect">
+            <a:avLst/>
+          </a:prstGeom>
+        </p:spPr>
+      </p:pic>
+      <p:sp>
+        <p:nvSpPr>
+          <p:cNvPr id="9" name="Titolo 8">
+            <a:extLst>
+              <a:ext uri="{FF2B5EF4-FFF2-40B4-BE49-F238E27FC236}">
+                <a16:creationId xmlns:a16="http://schemas.microsoft.com/office/drawing/2014/main" id="{A7C6B5F7-5013-8662-B3B4-6B2B00FAB13E}"/>
+              </a:ext>
+            </a:extLst>
+          </p:cNvPr>
+          <p:cNvSpPr>
+            <a:spLocks noGrp="1"/>
+          </p:cNvSpPr>
+          <p:nvPr>
+            <p:ph type="title"/>
+          </p:nvPr>
+        </p:nvSpPr>
+        <p:spPr/>
+        <p:txBody>
+          <a:bodyPr/>
+          <a:lstStyle/>
+          <a:p>
+            <a:endParaRPr lang="en-US"/>
+          </a:p>
+        </p:txBody>
+      </p:sp>
+      <p:sp>
+        <p:nvSpPr>
+          <p:cNvPr id="10" name="CasellaDiTesto 9">
+            <a:extLst>
+              <a:ext uri="{FF2B5EF4-FFF2-40B4-BE49-F238E27FC236}">
+                <a16:creationId xmlns:a16="http://schemas.microsoft.com/office/drawing/2014/main" id="{ABB0C692-3CE9-B425-4F68-404F56AE721F}"/>
+              </a:ext>
+            </a:extLst>
+          </p:cNvPr>
+          <p:cNvSpPr txBox="1"/>
+          <p:nvPr/>
+        </p:nvSpPr>
+        <p:spPr>
+          <a:xfrm>
+            <a:off x="10009060" y="2972279"/>
+            <a:ext cx="2012592" cy="338554"/>
+          </a:xfrm>
+          <a:prstGeom prst="rect">
+            <a:avLst/>
+          </a:prstGeom>
+          <a:noFill/>
+        </p:spPr>
+        <p:txBody>
+          <a:bodyPr wrap="square">
+            <a:spAutoFit/>
+          </a:bodyPr>
+          <a:lstStyle/>
+          <a:p>
+            <a:r>
+              <a:rPr lang="en-US" sz="1600" b="1" dirty="0">
+                <a:solidFill>
+                  <a:srgbClr val="777777"/>
+                </a:solidFill>
+                <a:latin typeface="Inter"/>
+              </a:rPr>
+              <a:t>image: Flaticon.com</a:t>
+            </a:r>
+            <a:endParaRPr lang="en-US" sz="1600" b="1" dirty="0"/>
+          </a:p>
+        </p:txBody>
+      </p:sp>
+    </p:spTree>
+    <p:extLst>
+      <p:ext uri="{BB962C8B-B14F-4D97-AF65-F5344CB8AC3E}">
+        <p14:creationId xmlns:p14="http://schemas.microsoft.com/office/powerpoint/2010/main" val="3776432443"/>
+      </p:ext>
+    </p:extLst>
+  </p:cSld>
+  <p:clrMapOvr>
+    <a:masterClrMapping/>
+  </p:clrMapOvr>
+  <mc:AlternateContent xmlns:mc="http://schemas.openxmlformats.org/markup-compatibility/2006" xmlns:p159="http://schemas.microsoft.com/office/powerpoint/2015/09/main">
+    <mc:Choice Requires="p159">
+      <p:transition xmlns:p14="http://schemas.microsoft.com/office/powerpoint/2010/main" spd="slow" p14:dur="2000">
+        <p159:morph option="byObject"/>
+      </p:transition>
+    </mc:Choice>
+    <mc:Fallback xmlns="">
+      <p:transition spd="slow">
+        <p:fade/>
+      </p:transition>
+    </mc:Fallback>
+  </mc:AlternateContent>
+</p:sld>
+</file>
+
 <file path=ppt/theme/theme1.xml><?xml version="1.0" encoding="utf-8"?>
 <a:theme xmlns:a="http://schemas.openxmlformats.org/drawingml/2006/main" name="Office Theme">
   <a:themeElements>

--- a/input/images-source/LabReportModel.pptx
+++ b/input/images-source/LabReportModel.pptx
@@ -4,11 +4,17 @@
   <p:sldMasterIdLst>
     <p:sldMasterId id="2147483648" r:id="rId1"/>
   </p:sldMasterIdLst>
+  <p:notesMasterIdLst>
+    <p:notesMasterId r:id="rId9"/>
+  </p:notesMasterIdLst>
   <p:sldIdLst>
     <p:sldId id="256" r:id="rId2"/>
     <p:sldId id="258" r:id="rId3"/>
     <p:sldId id="259" r:id="rId4"/>
     <p:sldId id="2146846867" r:id="rId5"/>
+    <p:sldId id="2145706674" r:id="rId6"/>
+    <p:sldId id="2145706765" r:id="rId7"/>
+    <p:sldId id="2145706794" r:id="rId8"/>
   </p:sldIdLst>
   <p:sldSz cx="12192000" cy="6858000"/>
   <p:notesSz cx="6858000" cy="9144000"/>
@@ -115,6 +121,450 @@
 </p:presentation>
 </file>
 
+<file path=ppt/notesMasters/notesMaster1.xml><?xml version="1.0" encoding="utf-8"?>
+<p:notesMaster xmlns:a="http://schemas.openxmlformats.org/drawingml/2006/main" xmlns:r="http://schemas.openxmlformats.org/officeDocument/2006/relationships" xmlns:p="http://schemas.openxmlformats.org/presentationml/2006/main">
+  <p:cSld>
+    <p:bg>
+      <p:bgRef idx="1001">
+        <a:schemeClr val="bg1"/>
+      </p:bgRef>
+    </p:bg>
+    <p:spTree>
+      <p:nvGrpSpPr>
+        <p:cNvPr id="1" name=""/>
+        <p:cNvGrpSpPr/>
+        <p:nvPr/>
+      </p:nvGrpSpPr>
+      <p:grpSpPr>
+        <a:xfrm>
+          <a:off x="0" y="0"/>
+          <a:ext cx="0" cy="0"/>
+          <a:chOff x="0" y="0"/>
+          <a:chExt cx="0" cy="0"/>
+        </a:xfrm>
+      </p:grpSpPr>
+      <p:sp>
+        <p:nvSpPr>
+          <p:cNvPr id="2" name="Segnaposto intestazione 1"/>
+          <p:cNvSpPr>
+            <a:spLocks noGrp="1"/>
+          </p:cNvSpPr>
+          <p:nvPr>
+            <p:ph type="hdr" sz="quarter"/>
+          </p:nvPr>
+        </p:nvSpPr>
+        <p:spPr>
+          <a:xfrm>
+            <a:off x="0" y="0"/>
+            <a:ext cx="2971800" cy="458788"/>
+          </a:xfrm>
+          <a:prstGeom prst="rect">
+            <a:avLst/>
+          </a:prstGeom>
+        </p:spPr>
+        <p:txBody>
+          <a:bodyPr vert="horz" lIns="91440" tIns="45720" rIns="91440" bIns="45720" rtlCol="0"/>
+          <a:lstStyle>
+            <a:lvl1pPr algn="l">
+              <a:defRPr sz="1200"/>
+            </a:lvl1pPr>
+          </a:lstStyle>
+          <a:p>
+            <a:endParaRPr lang="en-US"/>
+          </a:p>
+        </p:txBody>
+      </p:sp>
+      <p:sp>
+        <p:nvSpPr>
+          <p:cNvPr id="3" name="Segnaposto data 2"/>
+          <p:cNvSpPr>
+            <a:spLocks noGrp="1"/>
+          </p:cNvSpPr>
+          <p:nvPr>
+            <p:ph type="dt" idx="1"/>
+          </p:nvPr>
+        </p:nvSpPr>
+        <p:spPr>
+          <a:xfrm>
+            <a:off x="3884613" y="0"/>
+            <a:ext cx="2971800" cy="458788"/>
+          </a:xfrm>
+          <a:prstGeom prst="rect">
+            <a:avLst/>
+          </a:prstGeom>
+        </p:spPr>
+        <p:txBody>
+          <a:bodyPr vert="horz" lIns="91440" tIns="45720" rIns="91440" bIns="45720" rtlCol="0"/>
+          <a:lstStyle>
+            <a:lvl1pPr algn="r">
+              <a:defRPr sz="1200"/>
+            </a:lvl1pPr>
+          </a:lstStyle>
+          <a:p>
+            <a:fld id="{59B02677-872F-471A-8D37-9FE53750CD03}" type="datetimeFigureOut">
+              <a:rPr lang="en-US" smtClean="0"/>
+              <a:t>2/5/2024</a:t>
+            </a:fld>
+            <a:endParaRPr lang="en-US"/>
+          </a:p>
+        </p:txBody>
+      </p:sp>
+      <p:sp>
+        <p:nvSpPr>
+          <p:cNvPr id="4" name="Segnaposto immagine diapositiva 3"/>
+          <p:cNvSpPr>
+            <a:spLocks noGrp="1" noRot="1" noChangeAspect="1"/>
+          </p:cNvSpPr>
+          <p:nvPr>
+            <p:ph type="sldImg" idx="2"/>
+          </p:nvPr>
+        </p:nvSpPr>
+        <p:spPr>
+          <a:xfrm>
+            <a:off x="685800" y="1143000"/>
+            <a:ext cx="5486400" cy="3086100"/>
+          </a:xfrm>
+          <a:prstGeom prst="rect">
+            <a:avLst/>
+          </a:prstGeom>
+          <a:noFill/>
+          <a:ln w="12700">
+            <a:solidFill>
+              <a:prstClr val="black"/>
+            </a:solidFill>
+          </a:ln>
+        </p:spPr>
+        <p:txBody>
+          <a:bodyPr vert="horz" lIns="91440" tIns="45720" rIns="91440" bIns="45720" rtlCol="0" anchor="ctr"/>
+          <a:lstStyle/>
+          <a:p>
+            <a:endParaRPr lang="en-US"/>
+          </a:p>
+        </p:txBody>
+      </p:sp>
+      <p:sp>
+        <p:nvSpPr>
+          <p:cNvPr id="5" name="Segnaposto note 4"/>
+          <p:cNvSpPr>
+            <a:spLocks noGrp="1"/>
+          </p:cNvSpPr>
+          <p:nvPr>
+            <p:ph type="body" sz="quarter" idx="3"/>
+          </p:nvPr>
+        </p:nvSpPr>
+        <p:spPr>
+          <a:xfrm>
+            <a:off x="685800" y="4400550"/>
+            <a:ext cx="5486400" cy="3600450"/>
+          </a:xfrm>
+          <a:prstGeom prst="rect">
+            <a:avLst/>
+          </a:prstGeom>
+        </p:spPr>
+        <p:txBody>
+          <a:bodyPr vert="horz" lIns="91440" tIns="45720" rIns="91440" bIns="45720" rtlCol="0"/>
+          <a:lstStyle/>
+          <a:p>
+            <a:pPr lvl="0"/>
+            <a:r>
+              <a:rPr lang="it-IT"/>
+              <a:t>Fare clic per modificare gli stili del testo dello schema</a:t>
+            </a:r>
+          </a:p>
+          <a:p>
+            <a:pPr lvl="1"/>
+            <a:r>
+              <a:rPr lang="it-IT"/>
+              <a:t>Secondo livello</a:t>
+            </a:r>
+          </a:p>
+          <a:p>
+            <a:pPr lvl="2"/>
+            <a:r>
+              <a:rPr lang="it-IT"/>
+              <a:t>Terzo livello</a:t>
+            </a:r>
+          </a:p>
+          <a:p>
+            <a:pPr lvl="3"/>
+            <a:r>
+              <a:rPr lang="it-IT"/>
+              <a:t>Quarto livello</a:t>
+            </a:r>
+          </a:p>
+          <a:p>
+            <a:pPr lvl="4"/>
+            <a:r>
+              <a:rPr lang="it-IT"/>
+              <a:t>Quinto livello</a:t>
+            </a:r>
+            <a:endParaRPr lang="en-US"/>
+          </a:p>
+        </p:txBody>
+      </p:sp>
+      <p:sp>
+        <p:nvSpPr>
+          <p:cNvPr id="6" name="Segnaposto piè di pagina 5"/>
+          <p:cNvSpPr>
+            <a:spLocks noGrp="1"/>
+          </p:cNvSpPr>
+          <p:nvPr>
+            <p:ph type="ftr" sz="quarter" idx="4"/>
+          </p:nvPr>
+        </p:nvSpPr>
+        <p:spPr>
+          <a:xfrm>
+            <a:off x="0" y="8685213"/>
+            <a:ext cx="2971800" cy="458787"/>
+          </a:xfrm>
+          <a:prstGeom prst="rect">
+            <a:avLst/>
+          </a:prstGeom>
+        </p:spPr>
+        <p:txBody>
+          <a:bodyPr vert="horz" lIns="91440" tIns="45720" rIns="91440" bIns="45720" rtlCol="0" anchor="b"/>
+          <a:lstStyle>
+            <a:lvl1pPr algn="l">
+              <a:defRPr sz="1200"/>
+            </a:lvl1pPr>
+          </a:lstStyle>
+          <a:p>
+            <a:endParaRPr lang="en-US"/>
+          </a:p>
+        </p:txBody>
+      </p:sp>
+      <p:sp>
+        <p:nvSpPr>
+          <p:cNvPr id="7" name="Segnaposto numero diapositiva 6"/>
+          <p:cNvSpPr>
+            <a:spLocks noGrp="1"/>
+          </p:cNvSpPr>
+          <p:nvPr>
+            <p:ph type="sldNum" sz="quarter" idx="5"/>
+          </p:nvPr>
+        </p:nvSpPr>
+        <p:spPr>
+          <a:xfrm>
+            <a:off x="3884613" y="8685213"/>
+            <a:ext cx="2971800" cy="458787"/>
+          </a:xfrm>
+          <a:prstGeom prst="rect">
+            <a:avLst/>
+          </a:prstGeom>
+        </p:spPr>
+        <p:txBody>
+          <a:bodyPr vert="horz" lIns="91440" tIns="45720" rIns="91440" bIns="45720" rtlCol="0" anchor="b"/>
+          <a:lstStyle>
+            <a:lvl1pPr algn="r">
+              <a:defRPr sz="1200"/>
+            </a:lvl1pPr>
+          </a:lstStyle>
+          <a:p>
+            <a:fld id="{CF02F794-091F-4E30-B4A7-4F884FA9DADE}" type="slidenum">
+              <a:rPr lang="en-US" smtClean="0"/>
+              <a:t>‹N›</a:t>
+            </a:fld>
+            <a:endParaRPr lang="en-US"/>
+          </a:p>
+        </p:txBody>
+      </p:sp>
+    </p:spTree>
+    <p:extLst>
+      <p:ext uri="{BB962C8B-B14F-4D97-AF65-F5344CB8AC3E}">
+        <p14:creationId xmlns:p14="http://schemas.microsoft.com/office/powerpoint/2010/main" val="2288620947"/>
+      </p:ext>
+    </p:extLst>
+  </p:cSld>
+  <p:clrMap bg1="lt1" tx1="dk1" bg2="lt2" tx2="dk2" accent1="accent1" accent2="accent2" accent3="accent3" accent4="accent4" accent5="accent5" accent6="accent6" hlink="hlink" folHlink="folHlink"/>
+  <p:notesStyle>
+    <a:lvl1pPr marL="0" algn="l" defTabSz="914400" rtl="0" eaLnBrk="1" latinLnBrk="0" hangingPunct="1">
+      <a:defRPr sz="1200" kern="1200">
+        <a:solidFill>
+          <a:schemeClr val="tx1"/>
+        </a:solidFill>
+        <a:latin typeface="+mn-lt"/>
+        <a:ea typeface="+mn-ea"/>
+        <a:cs typeface="+mn-cs"/>
+      </a:defRPr>
+    </a:lvl1pPr>
+    <a:lvl2pPr marL="457200" algn="l" defTabSz="914400" rtl="0" eaLnBrk="1" latinLnBrk="0" hangingPunct="1">
+      <a:defRPr sz="1200" kern="1200">
+        <a:solidFill>
+          <a:schemeClr val="tx1"/>
+        </a:solidFill>
+        <a:latin typeface="+mn-lt"/>
+        <a:ea typeface="+mn-ea"/>
+        <a:cs typeface="+mn-cs"/>
+      </a:defRPr>
+    </a:lvl2pPr>
+    <a:lvl3pPr marL="914400" algn="l" defTabSz="914400" rtl="0" eaLnBrk="1" latinLnBrk="0" hangingPunct="1">
+      <a:defRPr sz="1200" kern="1200">
+        <a:solidFill>
+          <a:schemeClr val="tx1"/>
+        </a:solidFill>
+        <a:latin typeface="+mn-lt"/>
+        <a:ea typeface="+mn-ea"/>
+        <a:cs typeface="+mn-cs"/>
+      </a:defRPr>
+    </a:lvl3pPr>
+    <a:lvl4pPr marL="1371600" algn="l" defTabSz="914400" rtl="0" eaLnBrk="1" latinLnBrk="0" hangingPunct="1">
+      <a:defRPr sz="1200" kern="1200">
+        <a:solidFill>
+          <a:schemeClr val="tx1"/>
+        </a:solidFill>
+        <a:latin typeface="+mn-lt"/>
+        <a:ea typeface="+mn-ea"/>
+        <a:cs typeface="+mn-cs"/>
+      </a:defRPr>
+    </a:lvl4pPr>
+    <a:lvl5pPr marL="1828800" algn="l" defTabSz="914400" rtl="0" eaLnBrk="1" latinLnBrk="0" hangingPunct="1">
+      <a:defRPr sz="1200" kern="1200">
+        <a:solidFill>
+          <a:schemeClr val="tx1"/>
+        </a:solidFill>
+        <a:latin typeface="+mn-lt"/>
+        <a:ea typeface="+mn-ea"/>
+        <a:cs typeface="+mn-cs"/>
+      </a:defRPr>
+    </a:lvl5pPr>
+    <a:lvl6pPr marL="2286000" algn="l" defTabSz="914400" rtl="0" eaLnBrk="1" latinLnBrk="0" hangingPunct="1">
+      <a:defRPr sz="1200" kern="1200">
+        <a:solidFill>
+          <a:schemeClr val="tx1"/>
+        </a:solidFill>
+        <a:latin typeface="+mn-lt"/>
+        <a:ea typeface="+mn-ea"/>
+        <a:cs typeface="+mn-cs"/>
+      </a:defRPr>
+    </a:lvl6pPr>
+    <a:lvl7pPr marL="2743200" algn="l" defTabSz="914400" rtl="0" eaLnBrk="1" latinLnBrk="0" hangingPunct="1">
+      <a:defRPr sz="1200" kern="1200">
+        <a:solidFill>
+          <a:schemeClr val="tx1"/>
+        </a:solidFill>
+        <a:latin typeface="+mn-lt"/>
+        <a:ea typeface="+mn-ea"/>
+        <a:cs typeface="+mn-cs"/>
+      </a:defRPr>
+    </a:lvl7pPr>
+    <a:lvl8pPr marL="3200400" algn="l" defTabSz="914400" rtl="0" eaLnBrk="1" latinLnBrk="0" hangingPunct="1">
+      <a:defRPr sz="1200" kern="1200">
+        <a:solidFill>
+          <a:schemeClr val="tx1"/>
+        </a:solidFill>
+        <a:latin typeface="+mn-lt"/>
+        <a:ea typeface="+mn-ea"/>
+        <a:cs typeface="+mn-cs"/>
+      </a:defRPr>
+    </a:lvl8pPr>
+    <a:lvl9pPr marL="3657600" algn="l" defTabSz="914400" rtl="0" eaLnBrk="1" latinLnBrk="0" hangingPunct="1">
+      <a:defRPr sz="1200" kern="1200">
+        <a:solidFill>
+          <a:schemeClr val="tx1"/>
+        </a:solidFill>
+        <a:latin typeface="+mn-lt"/>
+        <a:ea typeface="+mn-ea"/>
+        <a:cs typeface="+mn-cs"/>
+      </a:defRPr>
+    </a:lvl9pPr>
+  </p:notesStyle>
+</p:notesMaster>
+</file>
+
+<file path=ppt/notesSlides/notesSlide1.xml><?xml version="1.0" encoding="utf-8"?>
+<p:notes xmlns:a="http://schemas.openxmlformats.org/drawingml/2006/main" xmlns:r="http://schemas.openxmlformats.org/officeDocument/2006/relationships" xmlns:p="http://schemas.openxmlformats.org/presentationml/2006/main">
+  <p:cSld>
+    <p:spTree>
+      <p:nvGrpSpPr>
+        <p:cNvPr id="1" name=""/>
+        <p:cNvGrpSpPr/>
+        <p:nvPr/>
+      </p:nvGrpSpPr>
+      <p:grpSpPr>
+        <a:xfrm>
+          <a:off x="0" y="0"/>
+          <a:ext cx="0" cy="0"/>
+          <a:chOff x="0" y="0"/>
+          <a:chExt cx="0" cy="0"/>
+        </a:xfrm>
+      </p:grpSpPr>
+      <p:sp>
+        <p:nvSpPr>
+          <p:cNvPr id="2" name="Segnaposto immagine diapositiva 1"/>
+          <p:cNvSpPr>
+            <a:spLocks noGrp="1" noRot="1" noChangeAspect="1"/>
+          </p:cNvSpPr>
+          <p:nvPr>
+            <p:ph type="sldImg"/>
+          </p:nvPr>
+        </p:nvSpPr>
+        <p:spPr/>
+      </p:sp>
+      <p:sp>
+        <p:nvSpPr>
+          <p:cNvPr id="3" name="Segnaposto note 2"/>
+          <p:cNvSpPr>
+            <a:spLocks noGrp="1"/>
+          </p:cNvSpPr>
+          <p:nvPr>
+            <p:ph type="body" idx="1"/>
+          </p:nvPr>
+        </p:nvSpPr>
+        <p:spPr/>
+        <p:txBody>
+          <a:bodyPr/>
+          <a:lstStyle/>
+          <a:p>
+            <a:r>
+              <a:rPr lang="en-US" dirty="0"/>
+              <a:t>EHDS regulation approved by the </a:t>
+            </a:r>
+          </a:p>
+          <a:p>
+            <a:r>
+              <a:rPr lang="en-US" dirty="0"/>
+              <a:t>The objective to try to keep all of them together </a:t>
+            </a:r>
+          </a:p>
+        </p:txBody>
+      </p:sp>
+      <p:sp>
+        <p:nvSpPr>
+          <p:cNvPr id="4" name="Segnaposto numero diapositiva 3"/>
+          <p:cNvSpPr>
+            <a:spLocks noGrp="1"/>
+          </p:cNvSpPr>
+          <p:nvPr>
+            <p:ph type="sldNum" sz="quarter" idx="5"/>
+          </p:nvPr>
+        </p:nvSpPr>
+        <p:spPr/>
+        <p:txBody>
+          <a:bodyPr/>
+          <a:lstStyle/>
+          <a:p>
+            <a:fld id="{CF4A7F80-F256-4EC8-A9CC-1A842C6C5143}" type="slidenum">
+              <a:rPr lang="en-US" altLang="en-US" smtClean="0"/>
+              <a:pPr/>
+              <a:t>5</a:t>
+            </a:fld>
+            <a:endParaRPr lang="en-US" altLang="en-US"/>
+          </a:p>
+        </p:txBody>
+      </p:sp>
+    </p:spTree>
+    <p:extLst>
+      <p:ext uri="{BB962C8B-B14F-4D97-AF65-F5344CB8AC3E}">
+        <p14:creationId xmlns:p14="http://schemas.microsoft.com/office/powerpoint/2010/main" val="1918596125"/>
+      </p:ext>
+    </p:extLst>
+  </p:cSld>
+  <p:clrMapOvr>
+    <a:masterClrMapping/>
+  </p:clrMapOvr>
+</p:notes>
+</file>
+
 <file path=ppt/slideLayouts/slideLayout1.xml><?xml version="1.0" encoding="utf-8"?>
 <p:sldLayout xmlns:a="http://schemas.openxmlformats.org/drawingml/2006/main" xmlns:r="http://schemas.openxmlformats.org/officeDocument/2006/relationships" xmlns:p="http://schemas.openxmlformats.org/presentationml/2006/main" type="title" preserve="1">
   <p:cSld name="Title Slide">
@@ -1133,6 +1583,297 @@
     <p:extLst>
       <p:ext uri="{BB962C8B-B14F-4D97-AF65-F5344CB8AC3E}">
         <p14:creationId xmlns:p14="http://schemas.microsoft.com/office/powerpoint/2010/main" val="3258555288"/>
+      </p:ext>
+    </p:extLst>
+  </p:cSld>
+  <p:clrMapOvr>
+    <a:masterClrMapping/>
+  </p:clrMapOvr>
+</p:sldLayout>
+</file>
+
+<file path=ppt/slideLayouts/slideLayout13.xml><?xml version="1.0" encoding="utf-8"?>
+<p:sldLayout xmlns:a="http://schemas.openxmlformats.org/drawingml/2006/main" xmlns:r="http://schemas.openxmlformats.org/officeDocument/2006/relationships" xmlns:p="http://schemas.openxmlformats.org/presentationml/2006/main" userDrawn="1">
+  <p:cSld name="1_1-Column Text">
+    <p:spTree>
+      <p:nvGrpSpPr>
+        <p:cNvPr id="1" name=""/>
+        <p:cNvGrpSpPr/>
+        <p:nvPr/>
+      </p:nvGrpSpPr>
+      <p:grpSpPr>
+        <a:xfrm>
+          <a:off x="0" y="0"/>
+          <a:ext cx="0" cy="0"/>
+          <a:chOff x="0" y="0"/>
+          <a:chExt cx="0" cy="0"/>
+        </a:xfrm>
+      </p:grpSpPr>
+      <p:cxnSp>
+        <p:nvCxnSpPr>
+          <p:cNvPr id="4" name="Straight Connector 3">
+            <a:extLst>
+              <a:ext uri="{FF2B5EF4-FFF2-40B4-BE49-F238E27FC236}">
+                <a16:creationId xmlns:a16="http://schemas.microsoft.com/office/drawing/2014/main" id="{61290EC1-56E5-41AA-BB51-B0967C010B48}"/>
+              </a:ext>
+            </a:extLst>
+          </p:cNvPr>
+          <p:cNvCxnSpPr/>
+          <p:nvPr/>
+        </p:nvCxnSpPr>
+        <p:spPr>
+          <a:xfrm>
+            <a:off x="1305984" y="6184900"/>
+            <a:ext cx="0" cy="510117"/>
+          </a:xfrm>
+          <a:prstGeom prst="line">
+            <a:avLst/>
+          </a:prstGeom>
+          <a:ln w="6350">
+            <a:solidFill>
+              <a:srgbClr val="3D3029"/>
+            </a:solidFill>
+          </a:ln>
+          <a:effectLst/>
+        </p:spPr>
+        <p:style>
+          <a:lnRef idx="2">
+            <a:schemeClr val="accent1"/>
+          </a:lnRef>
+          <a:fillRef idx="0">
+            <a:schemeClr val="accent1"/>
+          </a:fillRef>
+          <a:effectRef idx="1">
+            <a:schemeClr val="accent1"/>
+          </a:effectRef>
+          <a:fontRef idx="minor">
+            <a:schemeClr val="tx1"/>
+          </a:fontRef>
+        </p:style>
+      </p:cxnSp>
+      <p:cxnSp>
+        <p:nvCxnSpPr>
+          <p:cNvPr id="5" name="Straight Connector 4">
+            <a:extLst>
+              <a:ext uri="{FF2B5EF4-FFF2-40B4-BE49-F238E27FC236}">
+                <a16:creationId xmlns:a16="http://schemas.microsoft.com/office/drawing/2014/main" id="{FAAB74B0-5CB2-4BBC-8203-6628B3DCB920}"/>
+              </a:ext>
+            </a:extLst>
+          </p:cNvPr>
+          <p:cNvCxnSpPr/>
+          <p:nvPr/>
+        </p:nvCxnSpPr>
+        <p:spPr>
+          <a:xfrm>
+            <a:off x="11252200" y="6383867"/>
+            <a:ext cx="459317" cy="0"/>
+          </a:xfrm>
+          <a:prstGeom prst="line">
+            <a:avLst/>
+          </a:prstGeom>
+          <a:ln>
+            <a:solidFill>
+              <a:srgbClr val="000000"/>
+            </a:solidFill>
+          </a:ln>
+          <a:effectLst/>
+        </p:spPr>
+        <p:style>
+          <a:lnRef idx="2">
+            <a:schemeClr val="accent1"/>
+          </a:lnRef>
+          <a:fillRef idx="0">
+            <a:schemeClr val="accent1"/>
+          </a:fillRef>
+          <a:effectRef idx="1">
+            <a:schemeClr val="accent1"/>
+          </a:effectRef>
+          <a:fontRef idx="minor">
+            <a:schemeClr val="tx1"/>
+          </a:fontRef>
+        </p:style>
+      </p:cxnSp>
+      <p:cxnSp>
+        <p:nvCxnSpPr>
+          <p:cNvPr id="6" name="Straight Connector 5">
+            <a:extLst>
+              <a:ext uri="{FF2B5EF4-FFF2-40B4-BE49-F238E27FC236}">
+                <a16:creationId xmlns:a16="http://schemas.microsoft.com/office/drawing/2014/main" id="{9E222CE2-2441-4806-BD21-3C89814DB123}"/>
+              </a:ext>
+            </a:extLst>
+          </p:cNvPr>
+          <p:cNvCxnSpPr/>
+          <p:nvPr/>
+        </p:nvCxnSpPr>
+        <p:spPr>
+          <a:xfrm>
+            <a:off x="609600" y="275167"/>
+            <a:ext cx="0" cy="1043517"/>
+          </a:xfrm>
+          <a:prstGeom prst="line">
+            <a:avLst/>
+          </a:prstGeom>
+          <a:ln w="41275">
+            <a:solidFill>
+              <a:srgbClr val="000000"/>
+            </a:solidFill>
+          </a:ln>
+          <a:effectLst/>
+        </p:spPr>
+        <p:style>
+          <a:lnRef idx="2">
+            <a:schemeClr val="accent1"/>
+          </a:lnRef>
+          <a:fillRef idx="0">
+            <a:schemeClr val="accent1"/>
+          </a:fillRef>
+          <a:effectRef idx="1">
+            <a:schemeClr val="accent1"/>
+          </a:effectRef>
+          <a:fontRef idx="minor">
+            <a:schemeClr val="tx1"/>
+          </a:fontRef>
+        </p:style>
+      </p:cxnSp>
+      <p:sp>
+        <p:nvSpPr>
+          <p:cNvPr id="2" name="Title 1"/>
+          <p:cNvSpPr>
+            <a:spLocks noGrp="1"/>
+          </p:cNvSpPr>
+          <p:nvPr>
+            <p:ph type="title"/>
+          </p:nvPr>
+        </p:nvSpPr>
+        <p:spPr>
+          <a:xfrm>
+            <a:off x="818196" y="274639"/>
+            <a:ext cx="10972800" cy="1043103"/>
+          </a:xfrm>
+        </p:spPr>
+        <p:txBody>
+          <a:bodyPr>
+            <a:noAutofit/>
+          </a:bodyPr>
+          <a:lstStyle>
+            <a:lvl1pPr algn="l">
+              <a:defRPr sz="4000" b="1">
+                <a:solidFill>
+                  <a:srgbClr val="EC2227"/>
+                </a:solidFill>
+              </a:defRPr>
+            </a:lvl1pPr>
+          </a:lstStyle>
+          <a:p>
+            <a:r>
+              <a:rPr lang="en-US"/>
+              <a:t>Click to edit Master title style</a:t>
+            </a:r>
+          </a:p>
+        </p:txBody>
+      </p:sp>
+      <p:sp>
+        <p:nvSpPr>
+          <p:cNvPr id="8" name="Footer Placeholder 7">
+            <a:extLst>
+              <a:ext uri="{FF2B5EF4-FFF2-40B4-BE49-F238E27FC236}">
+                <a16:creationId xmlns:a16="http://schemas.microsoft.com/office/drawing/2014/main" id="{BF824C8E-8610-4338-8475-7343988CB865}"/>
+              </a:ext>
+            </a:extLst>
+          </p:cNvPr>
+          <p:cNvSpPr>
+            <a:spLocks noGrp="1"/>
+          </p:cNvSpPr>
+          <p:nvPr>
+            <p:ph type="ftr" sz="quarter" idx="14"/>
+          </p:nvPr>
+        </p:nvSpPr>
+        <p:spPr/>
+        <p:txBody>
+          <a:bodyPr>
+            <a:noAutofit/>
+          </a:bodyPr>
+          <a:lstStyle>
+            <a:lvl1pPr>
+              <a:defRPr/>
+            </a:lvl1pPr>
+          </a:lstStyle>
+          <a:p>
+            <a:r>
+              <a:rPr lang="en-US" altLang="en-US"/>
+              <a:t>® Health Level Seven and HL7 are registered trademarks of Health Level Seven International, registered with the United States Patent and Trademark Office.</a:t>
+            </a:r>
+          </a:p>
+        </p:txBody>
+      </p:sp>
+      <p:sp>
+        <p:nvSpPr>
+          <p:cNvPr id="9" name="Slide Number Placeholder 8">
+            <a:extLst>
+              <a:ext uri="{FF2B5EF4-FFF2-40B4-BE49-F238E27FC236}">
+                <a16:creationId xmlns:a16="http://schemas.microsoft.com/office/drawing/2014/main" id="{4AE94CCA-0C38-4E82-B227-0A17C9436527}"/>
+              </a:ext>
+            </a:extLst>
+          </p:cNvPr>
+          <p:cNvSpPr>
+            <a:spLocks noGrp="1"/>
+          </p:cNvSpPr>
+          <p:nvPr>
+            <p:ph type="sldNum" sz="quarter" idx="15"/>
+          </p:nvPr>
+        </p:nvSpPr>
+        <p:spPr/>
+        <p:txBody>
+          <a:bodyPr/>
+          <a:lstStyle>
+            <a:lvl1pPr>
+              <a:defRPr/>
+            </a:lvl1pPr>
+          </a:lstStyle>
+          <a:p>
+            <a:fld id="{73B22ABC-0FED-4D64-8F5D-7D0F97264170}" type="slidenum">
+              <a:rPr lang="en-US" altLang="en-US"/>
+              <a:pPr/>
+              <a:t>‹N›</a:t>
+            </a:fld>
+            <a:endParaRPr lang="en-US" altLang="en-US"/>
+          </a:p>
+        </p:txBody>
+      </p:sp>
+      <p:pic>
+        <p:nvPicPr>
+          <p:cNvPr id="10" name="Picture 9" descr="Logo&#10;&#10;Description automatically generated">
+            <a:extLst>
+              <a:ext uri="{FF2B5EF4-FFF2-40B4-BE49-F238E27FC236}">
+                <a16:creationId xmlns:a16="http://schemas.microsoft.com/office/drawing/2014/main" id="{B02AAAE1-59E9-453D-985D-67C5631F339F}"/>
+              </a:ext>
+            </a:extLst>
+          </p:cNvPr>
+          <p:cNvPicPr>
+            <a:picLocks noChangeAspect="1"/>
+          </p:cNvPicPr>
+          <p:nvPr userDrawn="1"/>
+        </p:nvPicPr>
+        <p:blipFill>
+          <a:blip r:embed="rId2"/>
+          <a:stretch>
+            <a:fillRect/>
+          </a:stretch>
+        </p:blipFill>
+        <p:spPr>
+          <a:xfrm>
+            <a:off x="267080" y="6290157"/>
+            <a:ext cx="675891" cy="440231"/>
+          </a:xfrm>
+          <a:prstGeom prst="rect">
+            <a:avLst/>
+          </a:prstGeom>
+        </p:spPr>
+      </p:pic>
+    </p:spTree>
+    <p:extLst>
+      <p:ext uri="{BB962C8B-B14F-4D97-AF65-F5344CB8AC3E}">
+        <p14:creationId xmlns:p14="http://schemas.microsoft.com/office/powerpoint/2010/main" val="463022404"/>
       </p:ext>
     </p:extLst>
   </p:cSld>
@@ -3445,6 +4186,7 @@
     <p:sldLayoutId id="2147483658" r:id="rId10"/>
     <p:sldLayoutId id="2147483659" r:id="rId11"/>
     <p:sldLayoutId id="2147483660" r:id="rId12"/>
+    <p:sldLayoutId id="2147483661" r:id="rId13"/>
   </p:sldLayoutIdLst>
   <p:txStyles>
     <p:titleStyle>
@@ -8187,6 +8929,5544 @@
     <p:extLst>
       <p:ext uri="{BB962C8B-B14F-4D97-AF65-F5344CB8AC3E}">
         <p14:creationId xmlns:p14="http://schemas.microsoft.com/office/powerpoint/2010/main" val="3776432443"/>
+      </p:ext>
+    </p:extLst>
+  </p:cSld>
+  <p:clrMapOvr>
+    <a:masterClrMapping/>
+  </p:clrMapOvr>
+  <mc:AlternateContent xmlns:mc="http://schemas.openxmlformats.org/markup-compatibility/2006" xmlns:p159="http://schemas.microsoft.com/office/powerpoint/2015/09/main">
+    <mc:Choice Requires="p159">
+      <p:transition xmlns:p14="http://schemas.microsoft.com/office/powerpoint/2010/main" spd="slow" p14:dur="2000">
+        <p159:morph option="byObject"/>
+      </p:transition>
+    </mc:Choice>
+    <mc:Fallback xmlns="">
+      <p:transition spd="slow">
+        <p:fade/>
+      </p:transition>
+    </mc:Fallback>
+  </mc:AlternateContent>
+</p:sld>
+</file>
+
+<file path=ppt/slides/slide5.xml><?xml version="1.0" encoding="utf-8"?>
+<p:sld xmlns:a="http://schemas.openxmlformats.org/drawingml/2006/main" xmlns:r="http://schemas.openxmlformats.org/officeDocument/2006/relationships" xmlns:p="http://schemas.openxmlformats.org/presentationml/2006/main">
+  <p:cSld>
+    <p:spTree>
+      <p:nvGrpSpPr>
+        <p:cNvPr id="1" name=""/>
+        <p:cNvGrpSpPr/>
+        <p:nvPr/>
+      </p:nvGrpSpPr>
+      <p:grpSpPr>
+        <a:xfrm>
+          <a:off x="0" y="0"/>
+          <a:ext cx="0" cy="0"/>
+          <a:chOff x="0" y="0"/>
+          <a:chExt cx="0" cy="0"/>
+        </a:xfrm>
+      </p:grpSpPr>
+      <p:sp>
+        <p:nvSpPr>
+          <p:cNvPr id="28" name="TextBox 27">
+            <a:extLst>
+              <a:ext uri="{FF2B5EF4-FFF2-40B4-BE49-F238E27FC236}">
+                <a16:creationId xmlns:a16="http://schemas.microsoft.com/office/drawing/2014/main" id="{31D70C41-BBC1-AA2E-391D-C4533D2DAD94}"/>
+              </a:ext>
+            </a:extLst>
+          </p:cNvPr>
+          <p:cNvSpPr txBox="1"/>
+          <p:nvPr/>
+        </p:nvSpPr>
+        <p:spPr>
+          <a:xfrm>
+            <a:off x="9170029" y="672623"/>
+            <a:ext cx="2878464" cy="5544765"/>
+          </a:xfrm>
+          <a:prstGeom prst="rect">
+            <a:avLst/>
+          </a:prstGeom>
+          <a:solidFill>
+            <a:srgbClr val="D3E8F9"/>
+          </a:solidFill>
+        </p:spPr>
+        <p:txBody>
+          <a:bodyPr wrap="square" rtlCol="0">
+            <a:noAutofit/>
+          </a:bodyPr>
+          <a:lstStyle/>
+          <a:p>
+            <a:pPr algn="ctr" defTabSz="914377">
+              <a:defRPr/>
+            </a:pPr>
+            <a:endParaRPr lang="en-GB" sz="8000" kern="0">
+              <a:solidFill>
+                <a:prstClr val="black"/>
+              </a:solidFill>
+              <a:latin typeface="Candara" panose="020E0502030303020204" pitchFamily="34" charset="0"/>
+            </a:endParaRPr>
+          </a:p>
+          <a:p>
+            <a:pPr algn="ctr" defTabSz="914377">
+              <a:defRPr/>
+            </a:pPr>
+            <a:endParaRPr lang="en-IE" sz="8000" kern="0">
+              <a:solidFill>
+                <a:prstClr val="black"/>
+              </a:solidFill>
+              <a:latin typeface="Candara" panose="020E0502030303020204" pitchFamily="34" charset="0"/>
+            </a:endParaRPr>
+          </a:p>
+          <a:p>
+            <a:pPr algn="ctr" defTabSz="914377">
+              <a:defRPr/>
+            </a:pPr>
+            <a:endParaRPr lang="en-IE" sz="8000" kern="0">
+              <a:solidFill>
+                <a:prstClr val="black"/>
+              </a:solidFill>
+              <a:latin typeface="Candara" panose="020E0502030303020204" pitchFamily="34" charset="0"/>
+            </a:endParaRPr>
+          </a:p>
+          <a:p>
+            <a:pPr algn="ctr" defTabSz="914377">
+              <a:defRPr/>
+            </a:pPr>
+            <a:endParaRPr lang="en-IE" sz="8000" kern="0">
+              <a:solidFill>
+                <a:prstClr val="black"/>
+              </a:solidFill>
+              <a:latin typeface="Candara" panose="020E0502030303020204" pitchFamily="34" charset="0"/>
+            </a:endParaRPr>
+          </a:p>
+        </p:txBody>
+      </p:sp>
+      <p:sp>
+        <p:nvSpPr>
+          <p:cNvPr id="29" name="TextBox 28">
+            <a:extLst>
+              <a:ext uri="{FF2B5EF4-FFF2-40B4-BE49-F238E27FC236}">
+                <a16:creationId xmlns:a16="http://schemas.microsoft.com/office/drawing/2014/main" id="{91C939AD-83E9-4D6D-764E-01F5AE50EF13}"/>
+              </a:ext>
+            </a:extLst>
+          </p:cNvPr>
+          <p:cNvSpPr txBox="1"/>
+          <p:nvPr/>
+        </p:nvSpPr>
+        <p:spPr>
+          <a:xfrm>
+            <a:off x="6168928" y="676167"/>
+            <a:ext cx="2878464" cy="5553989"/>
+          </a:xfrm>
+          <a:prstGeom prst="rect">
+            <a:avLst/>
+          </a:prstGeom>
+          <a:solidFill>
+            <a:srgbClr val="D3E8F9"/>
+          </a:solidFill>
+        </p:spPr>
+        <p:txBody>
+          <a:bodyPr wrap="square" rtlCol="0">
+            <a:noAutofit/>
+          </a:bodyPr>
+          <a:lstStyle/>
+          <a:p>
+            <a:pPr algn="ctr" defTabSz="914377">
+              <a:defRPr/>
+            </a:pPr>
+            <a:endParaRPr lang="en-GB" sz="8000" kern="0">
+              <a:solidFill>
+                <a:prstClr val="black"/>
+              </a:solidFill>
+              <a:latin typeface="Candara" panose="020E0502030303020204" pitchFamily="34" charset="0"/>
+            </a:endParaRPr>
+          </a:p>
+          <a:p>
+            <a:pPr algn="ctr" defTabSz="914377">
+              <a:defRPr/>
+            </a:pPr>
+            <a:endParaRPr lang="en-IE" sz="8000" kern="0">
+              <a:solidFill>
+                <a:prstClr val="black"/>
+              </a:solidFill>
+              <a:latin typeface="Candara" panose="020E0502030303020204" pitchFamily="34" charset="0"/>
+            </a:endParaRPr>
+          </a:p>
+          <a:p>
+            <a:pPr algn="ctr" defTabSz="914377">
+              <a:defRPr/>
+            </a:pPr>
+            <a:endParaRPr lang="en-IE" sz="8000" kern="0">
+              <a:solidFill>
+                <a:prstClr val="black"/>
+              </a:solidFill>
+              <a:latin typeface="Candara" panose="020E0502030303020204" pitchFamily="34" charset="0"/>
+            </a:endParaRPr>
+          </a:p>
+          <a:p>
+            <a:pPr algn="ctr" defTabSz="914377">
+              <a:defRPr/>
+            </a:pPr>
+            <a:endParaRPr lang="en-IE" sz="8000" kern="0">
+              <a:solidFill>
+                <a:prstClr val="black"/>
+              </a:solidFill>
+              <a:latin typeface="Candara" panose="020E0502030303020204" pitchFamily="34" charset="0"/>
+            </a:endParaRPr>
+          </a:p>
+        </p:txBody>
+      </p:sp>
+      <p:sp>
+        <p:nvSpPr>
+          <p:cNvPr id="30" name="TextBox 29">
+            <a:extLst>
+              <a:ext uri="{FF2B5EF4-FFF2-40B4-BE49-F238E27FC236}">
+                <a16:creationId xmlns:a16="http://schemas.microsoft.com/office/drawing/2014/main" id="{698107FD-7AB1-FCDC-EBDF-DEF9E054C12C}"/>
+              </a:ext>
+            </a:extLst>
+          </p:cNvPr>
+          <p:cNvSpPr txBox="1"/>
+          <p:nvPr/>
+        </p:nvSpPr>
+        <p:spPr>
+          <a:xfrm>
+            <a:off x="3167827" y="670690"/>
+            <a:ext cx="2878464" cy="5553989"/>
+          </a:xfrm>
+          <a:prstGeom prst="rect">
+            <a:avLst/>
+          </a:prstGeom>
+          <a:solidFill>
+            <a:srgbClr val="D3E8F9"/>
+          </a:solidFill>
+        </p:spPr>
+        <p:txBody>
+          <a:bodyPr wrap="square" rtlCol="0">
+            <a:noAutofit/>
+          </a:bodyPr>
+          <a:lstStyle/>
+          <a:p>
+            <a:pPr algn="ctr" defTabSz="914377">
+              <a:defRPr/>
+            </a:pPr>
+            <a:endParaRPr lang="en-GB" sz="8000" kern="0">
+              <a:solidFill>
+                <a:prstClr val="black"/>
+              </a:solidFill>
+              <a:latin typeface="Candara" panose="020E0502030303020204" pitchFamily="34" charset="0"/>
+            </a:endParaRPr>
+          </a:p>
+          <a:p>
+            <a:pPr algn="ctr" defTabSz="914377">
+              <a:defRPr/>
+            </a:pPr>
+            <a:endParaRPr lang="en-IE" sz="8000" kern="0">
+              <a:solidFill>
+                <a:prstClr val="black"/>
+              </a:solidFill>
+              <a:latin typeface="Candara" panose="020E0502030303020204" pitchFamily="34" charset="0"/>
+            </a:endParaRPr>
+          </a:p>
+          <a:p>
+            <a:pPr algn="ctr" defTabSz="914377">
+              <a:defRPr/>
+            </a:pPr>
+            <a:endParaRPr lang="en-IE" sz="8000" kern="0">
+              <a:solidFill>
+                <a:prstClr val="black"/>
+              </a:solidFill>
+              <a:latin typeface="Candara" panose="020E0502030303020204" pitchFamily="34" charset="0"/>
+            </a:endParaRPr>
+          </a:p>
+          <a:p>
+            <a:pPr algn="ctr" defTabSz="914377">
+              <a:defRPr/>
+            </a:pPr>
+            <a:endParaRPr lang="en-IE" sz="8000" kern="0">
+              <a:solidFill>
+                <a:prstClr val="black"/>
+              </a:solidFill>
+              <a:latin typeface="Candara" panose="020E0502030303020204" pitchFamily="34" charset="0"/>
+            </a:endParaRPr>
+          </a:p>
+        </p:txBody>
+      </p:sp>
+      <p:sp>
+        <p:nvSpPr>
+          <p:cNvPr id="31" name="TextBox 30">
+            <a:extLst>
+              <a:ext uri="{FF2B5EF4-FFF2-40B4-BE49-F238E27FC236}">
+                <a16:creationId xmlns:a16="http://schemas.microsoft.com/office/drawing/2014/main" id="{21A35F0E-6A2E-2058-44A0-70B4C3ACBDAD}"/>
+              </a:ext>
+            </a:extLst>
+          </p:cNvPr>
+          <p:cNvSpPr txBox="1"/>
+          <p:nvPr/>
+        </p:nvSpPr>
+        <p:spPr>
+          <a:xfrm>
+            <a:off x="126717" y="674094"/>
+            <a:ext cx="2921284" cy="5549007"/>
+          </a:xfrm>
+          <a:prstGeom prst="rect">
+            <a:avLst/>
+          </a:prstGeom>
+          <a:solidFill>
+            <a:srgbClr val="D3E8F9"/>
+          </a:solidFill>
+        </p:spPr>
+        <p:txBody>
+          <a:bodyPr wrap="square" rtlCol="0">
+            <a:noAutofit/>
+          </a:bodyPr>
+          <a:lstStyle/>
+          <a:p>
+            <a:pPr algn="ctr" defTabSz="914377">
+              <a:defRPr/>
+            </a:pPr>
+            <a:endParaRPr lang="en-GB" sz="8000" kern="0">
+              <a:solidFill>
+                <a:prstClr val="black"/>
+              </a:solidFill>
+              <a:latin typeface="Candara" panose="020E0502030303020204" pitchFamily="34" charset="0"/>
+            </a:endParaRPr>
+          </a:p>
+          <a:p>
+            <a:pPr algn="ctr" defTabSz="914377">
+              <a:defRPr/>
+            </a:pPr>
+            <a:endParaRPr lang="en-IE" sz="8000" kern="0">
+              <a:solidFill>
+                <a:prstClr val="black"/>
+              </a:solidFill>
+              <a:latin typeface="Candara" panose="020E0502030303020204" pitchFamily="34" charset="0"/>
+            </a:endParaRPr>
+          </a:p>
+          <a:p>
+            <a:pPr algn="ctr" defTabSz="914377">
+              <a:defRPr/>
+            </a:pPr>
+            <a:endParaRPr lang="en-IE" sz="8000" kern="0">
+              <a:solidFill>
+                <a:prstClr val="black"/>
+              </a:solidFill>
+              <a:latin typeface="Candara" panose="020E0502030303020204" pitchFamily="34" charset="0"/>
+            </a:endParaRPr>
+          </a:p>
+          <a:p>
+            <a:pPr algn="ctr" defTabSz="914377">
+              <a:defRPr/>
+            </a:pPr>
+            <a:endParaRPr lang="en-IE" sz="8000" kern="0">
+              <a:solidFill>
+                <a:prstClr val="black"/>
+              </a:solidFill>
+              <a:latin typeface="Candara" panose="020E0502030303020204" pitchFamily="34" charset="0"/>
+            </a:endParaRPr>
+          </a:p>
+        </p:txBody>
+      </p:sp>
+      <p:sp>
+        <p:nvSpPr>
+          <p:cNvPr id="2" name="Slide Number Placeholder 1">
+            <a:extLst>
+              <a:ext uri="{FF2B5EF4-FFF2-40B4-BE49-F238E27FC236}">
+                <a16:creationId xmlns:a16="http://schemas.microsoft.com/office/drawing/2014/main" id="{D84DF3CD-8908-BC0F-86B9-544535DF62FD}"/>
+              </a:ext>
+            </a:extLst>
+          </p:cNvPr>
+          <p:cNvSpPr>
+            <a:spLocks noGrp="1"/>
+          </p:cNvSpPr>
+          <p:nvPr>
+            <p:ph type="sldNum" idx="12"/>
+          </p:nvPr>
+        </p:nvSpPr>
+        <p:spPr>
+          <a:xfrm>
+            <a:off x="14855793" y="8314601"/>
+            <a:ext cx="975467" cy="699733"/>
+          </a:xfrm>
+          <a:prstGeom prst="rect">
+            <a:avLst/>
+          </a:prstGeom>
+          <a:noFill/>
+          <a:ln>
+            <a:noFill/>
+          </a:ln>
+        </p:spPr>
+        <p:txBody>
+          <a:bodyPr spcFirstLastPara="1" vert="horz" wrap="square" lIns="121900" tIns="121900" rIns="121900" bIns="121900" rtlCol="0" anchor="t" anchorCtr="0">
+            <a:noAutofit/>
+          </a:bodyPr>
+          <a:lstStyle>
+            <a:defPPr>
+              <a:defRPr lang="pt-PT"/>
+            </a:defPPr>
+            <a:lvl1pPr marL="0" lvl="0" algn="r" defTabSz="1219170" rtl="0" eaLnBrk="1" latinLnBrk="0" hangingPunct="1">
+              <a:buNone/>
+              <a:defRPr sz="1777" kern="1200">
+                <a:solidFill>
+                  <a:schemeClr val="dk2"/>
+                </a:solidFill>
+                <a:latin typeface="DM Sans"/>
+                <a:ea typeface="DM Sans"/>
+                <a:cs typeface="DM Sans"/>
+                <a:sym typeface="DM Sans"/>
+              </a:defRPr>
+            </a:lvl1pPr>
+            <a:lvl2pPr marL="609585" lvl="1" algn="r" defTabSz="1219170" rtl="0" eaLnBrk="1" latinLnBrk="0" hangingPunct="1">
+              <a:buNone/>
+              <a:defRPr sz="1777" kern="1200">
+                <a:solidFill>
+                  <a:schemeClr val="dk2"/>
+                </a:solidFill>
+                <a:latin typeface="DM Sans"/>
+                <a:ea typeface="DM Sans"/>
+                <a:cs typeface="DM Sans"/>
+                <a:sym typeface="DM Sans"/>
+              </a:defRPr>
+            </a:lvl2pPr>
+            <a:lvl3pPr marL="1219170" lvl="2" algn="r" defTabSz="1219170" rtl="0" eaLnBrk="1" latinLnBrk="0" hangingPunct="1">
+              <a:buNone/>
+              <a:defRPr sz="1777" kern="1200">
+                <a:solidFill>
+                  <a:schemeClr val="dk2"/>
+                </a:solidFill>
+                <a:latin typeface="DM Sans"/>
+                <a:ea typeface="DM Sans"/>
+                <a:cs typeface="DM Sans"/>
+                <a:sym typeface="DM Sans"/>
+              </a:defRPr>
+            </a:lvl3pPr>
+            <a:lvl4pPr marL="1828754" lvl="3" algn="r" defTabSz="1219170" rtl="0" eaLnBrk="1" latinLnBrk="0" hangingPunct="1">
+              <a:buNone/>
+              <a:defRPr sz="1777" kern="1200">
+                <a:solidFill>
+                  <a:schemeClr val="dk2"/>
+                </a:solidFill>
+                <a:latin typeface="DM Sans"/>
+                <a:ea typeface="DM Sans"/>
+                <a:cs typeface="DM Sans"/>
+                <a:sym typeface="DM Sans"/>
+              </a:defRPr>
+            </a:lvl4pPr>
+            <a:lvl5pPr marL="2438339" lvl="4" algn="r" defTabSz="1219170" rtl="0" eaLnBrk="1" latinLnBrk="0" hangingPunct="1">
+              <a:buNone/>
+              <a:defRPr sz="1777" kern="1200">
+                <a:solidFill>
+                  <a:schemeClr val="dk2"/>
+                </a:solidFill>
+                <a:latin typeface="DM Sans"/>
+                <a:ea typeface="DM Sans"/>
+                <a:cs typeface="DM Sans"/>
+                <a:sym typeface="DM Sans"/>
+              </a:defRPr>
+            </a:lvl5pPr>
+            <a:lvl6pPr marL="3047924" lvl="5" algn="r" defTabSz="1219170" rtl="0" eaLnBrk="1" latinLnBrk="0" hangingPunct="1">
+              <a:buNone/>
+              <a:defRPr sz="1777" kern="1200">
+                <a:solidFill>
+                  <a:schemeClr val="dk2"/>
+                </a:solidFill>
+                <a:latin typeface="DM Sans"/>
+                <a:ea typeface="DM Sans"/>
+                <a:cs typeface="DM Sans"/>
+                <a:sym typeface="DM Sans"/>
+              </a:defRPr>
+            </a:lvl6pPr>
+            <a:lvl7pPr marL="3657509" lvl="6" algn="r" defTabSz="1219170" rtl="0" eaLnBrk="1" latinLnBrk="0" hangingPunct="1">
+              <a:buNone/>
+              <a:defRPr sz="1777" kern="1200">
+                <a:solidFill>
+                  <a:schemeClr val="dk2"/>
+                </a:solidFill>
+                <a:latin typeface="DM Sans"/>
+                <a:ea typeface="DM Sans"/>
+                <a:cs typeface="DM Sans"/>
+                <a:sym typeface="DM Sans"/>
+              </a:defRPr>
+            </a:lvl7pPr>
+            <a:lvl8pPr marL="4267093" lvl="7" algn="r" defTabSz="1219170" rtl="0" eaLnBrk="1" latinLnBrk="0" hangingPunct="1">
+              <a:buNone/>
+              <a:defRPr sz="1777" kern="1200">
+                <a:solidFill>
+                  <a:schemeClr val="dk2"/>
+                </a:solidFill>
+                <a:latin typeface="DM Sans"/>
+                <a:ea typeface="DM Sans"/>
+                <a:cs typeface="DM Sans"/>
+                <a:sym typeface="DM Sans"/>
+              </a:defRPr>
+            </a:lvl8pPr>
+            <a:lvl9pPr marL="4876678" lvl="8" algn="r" defTabSz="1219170" rtl="0" eaLnBrk="1" latinLnBrk="0" hangingPunct="1">
+              <a:buNone/>
+              <a:defRPr sz="1777" kern="1200">
+                <a:solidFill>
+                  <a:schemeClr val="dk2"/>
+                </a:solidFill>
+                <a:latin typeface="DM Sans"/>
+                <a:ea typeface="DM Sans"/>
+                <a:cs typeface="DM Sans"/>
+                <a:sym typeface="DM Sans"/>
+              </a:defRPr>
+            </a:lvl9pPr>
+          </a:lstStyle>
+          <a:p>
+            <a:fld id="{00000000-1234-1234-1234-123412341234}" type="slidenum">
+              <a:rPr lang="en" smtClean="0"/>
+              <a:pPr/>
+              <a:t>5</a:t>
+            </a:fld>
+            <a:endParaRPr lang="en"/>
+          </a:p>
+        </p:txBody>
+      </p:sp>
+      <p:sp>
+        <p:nvSpPr>
+          <p:cNvPr id="32" name="Rectangle 31">
+            <a:extLst>
+              <a:ext uri="{FF2B5EF4-FFF2-40B4-BE49-F238E27FC236}">
+                <a16:creationId xmlns:a16="http://schemas.microsoft.com/office/drawing/2014/main" id="{FCB8C5E7-6830-FB7E-B375-6B7892A242E7}"/>
+              </a:ext>
+            </a:extLst>
+          </p:cNvPr>
+          <p:cNvSpPr/>
+          <p:nvPr/>
+        </p:nvSpPr>
+        <p:spPr>
+          <a:xfrm>
+            <a:off x="36774" y="662994"/>
+            <a:ext cx="12118453" cy="1163277"/>
+          </a:xfrm>
+          <a:prstGeom prst="rect">
+            <a:avLst/>
+          </a:prstGeom>
+          <a:solidFill>
+            <a:srgbClr val="ED8D2F">
+              <a:lumMod val="20000"/>
+              <a:lumOff val="80000"/>
+              <a:alpha val="40000"/>
+            </a:srgbClr>
+          </a:solidFill>
+          <a:ln w="6350" cap="flat" cmpd="sng" algn="ctr">
+            <a:solidFill>
+              <a:srgbClr val="1E858B">
+                <a:shade val="50000"/>
+              </a:srgbClr>
+            </a:solidFill>
+            <a:prstDash val="solid"/>
+            <a:miter lim="800000"/>
+          </a:ln>
+          <a:effectLst/>
+        </p:spPr>
+        <p:txBody>
+          <a:bodyPr rtlCol="0" anchor="t"/>
+          <a:lstStyle/>
+          <a:p>
+            <a:pPr defTabSz="914377">
+              <a:defRPr/>
+            </a:pPr>
+            <a:r>
+              <a:rPr lang="en-IE" sz="1600" b="1" kern="0">
+                <a:solidFill>
+                  <a:srgbClr val="4D4D4D"/>
+                </a:solidFill>
+                <a:latin typeface="Candara" panose="020E0502030303020204" pitchFamily="34" charset="0"/>
+              </a:rPr>
+              <a:t>Laboratory results and reports</a:t>
+            </a:r>
+          </a:p>
+        </p:txBody>
+      </p:sp>
+      <p:sp>
+        <p:nvSpPr>
+          <p:cNvPr id="33" name="TextBox 32">
+            <a:extLst>
+              <a:ext uri="{FF2B5EF4-FFF2-40B4-BE49-F238E27FC236}">
+                <a16:creationId xmlns:a16="http://schemas.microsoft.com/office/drawing/2014/main" id="{0A66C362-7CDB-6349-C8A6-6E1AFD147056}"/>
+              </a:ext>
+            </a:extLst>
+          </p:cNvPr>
+          <p:cNvSpPr txBox="1"/>
+          <p:nvPr/>
+        </p:nvSpPr>
+        <p:spPr>
+          <a:xfrm>
+            <a:off x="126717" y="116632"/>
+            <a:ext cx="2921284" cy="461665"/>
+          </a:xfrm>
+          <a:prstGeom prst="rect">
+            <a:avLst/>
+          </a:prstGeom>
+          <a:solidFill>
+            <a:srgbClr val="FFC000"/>
+          </a:solidFill>
+        </p:spPr>
+        <p:txBody>
+          <a:bodyPr wrap="square" rtlCol="0">
+            <a:spAutoFit/>
+          </a:bodyPr>
+          <a:lstStyle/>
+          <a:p>
+            <a:pPr algn="ctr" fontAlgn="base">
+              <a:spcBef>
+                <a:spcPct val="0"/>
+              </a:spcBef>
+              <a:spcAft>
+                <a:spcPct val="0"/>
+              </a:spcAft>
+              <a:defRPr/>
+            </a:pPr>
+            <a:r>
+              <a:rPr lang="en-GB" sz="2400" b="1">
+                <a:solidFill>
+                  <a:prstClr val="black"/>
+                </a:solidFill>
+                <a:latin typeface="Candara" panose="020E0502030303020204" pitchFamily="34" charset="0"/>
+              </a:rPr>
+              <a:t>2022</a:t>
+            </a:r>
+            <a:endParaRPr lang="en-IE" sz="8000" b="1">
+              <a:solidFill>
+                <a:prstClr val="black"/>
+              </a:solidFill>
+              <a:latin typeface="Candara" panose="020E0502030303020204" pitchFamily="34" charset="0"/>
+            </a:endParaRPr>
+          </a:p>
+        </p:txBody>
+      </p:sp>
+      <p:sp>
+        <p:nvSpPr>
+          <p:cNvPr id="34" name="TextBox 33">
+            <a:extLst>
+              <a:ext uri="{FF2B5EF4-FFF2-40B4-BE49-F238E27FC236}">
+                <a16:creationId xmlns:a16="http://schemas.microsoft.com/office/drawing/2014/main" id="{3A74BBA4-0901-3495-89FF-694C2D8EC68D}"/>
+              </a:ext>
+            </a:extLst>
+          </p:cNvPr>
+          <p:cNvSpPr txBox="1"/>
+          <p:nvPr/>
+        </p:nvSpPr>
+        <p:spPr>
+          <a:xfrm>
+            <a:off x="3167827" y="116632"/>
+            <a:ext cx="2878464" cy="461665"/>
+          </a:xfrm>
+          <a:prstGeom prst="rect">
+            <a:avLst/>
+          </a:prstGeom>
+          <a:solidFill>
+            <a:srgbClr val="FF9900"/>
+          </a:solidFill>
+        </p:spPr>
+        <p:txBody>
+          <a:bodyPr wrap="square" rtlCol="0">
+            <a:spAutoFit/>
+          </a:bodyPr>
+          <a:lstStyle/>
+          <a:p>
+            <a:pPr algn="ctr" fontAlgn="base">
+              <a:spcBef>
+                <a:spcPct val="0"/>
+              </a:spcBef>
+              <a:spcAft>
+                <a:spcPct val="0"/>
+              </a:spcAft>
+              <a:defRPr/>
+            </a:pPr>
+            <a:r>
+              <a:rPr lang="en-GB" sz="2400" b="1">
+                <a:solidFill>
+                  <a:prstClr val="black"/>
+                </a:solidFill>
+                <a:latin typeface="Candara" panose="020E0502030303020204" pitchFamily="34" charset="0"/>
+              </a:rPr>
+              <a:t>2023</a:t>
+            </a:r>
+            <a:endParaRPr lang="en-IE" sz="8000" b="1">
+              <a:solidFill>
+                <a:prstClr val="black"/>
+              </a:solidFill>
+              <a:latin typeface="Candara" panose="020E0502030303020204" pitchFamily="34" charset="0"/>
+            </a:endParaRPr>
+          </a:p>
+        </p:txBody>
+      </p:sp>
+      <p:sp>
+        <p:nvSpPr>
+          <p:cNvPr id="35" name="TextBox 34">
+            <a:extLst>
+              <a:ext uri="{FF2B5EF4-FFF2-40B4-BE49-F238E27FC236}">
+                <a16:creationId xmlns:a16="http://schemas.microsoft.com/office/drawing/2014/main" id="{6585B655-55D0-1572-6372-8C24550D569D}"/>
+              </a:ext>
+            </a:extLst>
+          </p:cNvPr>
+          <p:cNvSpPr txBox="1"/>
+          <p:nvPr/>
+        </p:nvSpPr>
+        <p:spPr>
+          <a:xfrm>
+            <a:off x="6168928" y="123449"/>
+            <a:ext cx="2878464" cy="461665"/>
+          </a:xfrm>
+          <a:prstGeom prst="rect">
+            <a:avLst/>
+          </a:prstGeom>
+          <a:solidFill>
+            <a:srgbClr val="FFC000"/>
+          </a:solidFill>
+        </p:spPr>
+        <p:txBody>
+          <a:bodyPr wrap="square" rtlCol="0">
+            <a:spAutoFit/>
+          </a:bodyPr>
+          <a:lstStyle/>
+          <a:p>
+            <a:pPr algn="ctr" fontAlgn="base">
+              <a:spcBef>
+                <a:spcPct val="0"/>
+              </a:spcBef>
+              <a:spcAft>
+                <a:spcPct val="0"/>
+              </a:spcAft>
+              <a:defRPr/>
+            </a:pPr>
+            <a:r>
+              <a:rPr lang="en-GB" sz="2400" b="1">
+                <a:solidFill>
+                  <a:prstClr val="black"/>
+                </a:solidFill>
+                <a:latin typeface="Candara" panose="020E0502030303020204" pitchFamily="34" charset="0"/>
+              </a:rPr>
+              <a:t>2024</a:t>
+            </a:r>
+            <a:endParaRPr lang="en-IE" sz="8000" b="1">
+              <a:solidFill>
+                <a:prstClr val="black"/>
+              </a:solidFill>
+              <a:latin typeface="Candara" panose="020E0502030303020204" pitchFamily="34" charset="0"/>
+            </a:endParaRPr>
+          </a:p>
+        </p:txBody>
+      </p:sp>
+      <p:sp>
+        <p:nvSpPr>
+          <p:cNvPr id="36" name="TextBox 35">
+            <a:extLst>
+              <a:ext uri="{FF2B5EF4-FFF2-40B4-BE49-F238E27FC236}">
+                <a16:creationId xmlns:a16="http://schemas.microsoft.com/office/drawing/2014/main" id="{04B857B1-BC2B-27B5-070D-406FA9EE2123}"/>
+              </a:ext>
+            </a:extLst>
+          </p:cNvPr>
+          <p:cNvSpPr txBox="1"/>
+          <p:nvPr/>
+        </p:nvSpPr>
+        <p:spPr>
+          <a:xfrm>
+            <a:off x="9170029" y="123451"/>
+            <a:ext cx="2878464" cy="461665"/>
+          </a:xfrm>
+          <a:prstGeom prst="rect">
+            <a:avLst/>
+          </a:prstGeom>
+          <a:solidFill>
+            <a:srgbClr val="FF9933"/>
+          </a:solidFill>
+        </p:spPr>
+        <p:txBody>
+          <a:bodyPr wrap="square" rtlCol="0">
+            <a:spAutoFit/>
+          </a:bodyPr>
+          <a:lstStyle/>
+          <a:p>
+            <a:pPr algn="ctr" fontAlgn="base">
+              <a:spcBef>
+                <a:spcPct val="0"/>
+              </a:spcBef>
+              <a:spcAft>
+                <a:spcPct val="0"/>
+              </a:spcAft>
+              <a:defRPr/>
+            </a:pPr>
+            <a:r>
+              <a:rPr lang="en-GB" sz="2400" b="1">
+                <a:solidFill>
+                  <a:prstClr val="black"/>
+                </a:solidFill>
+                <a:latin typeface="Candara" panose="020E0502030303020204" pitchFamily="34" charset="0"/>
+              </a:rPr>
+              <a:t>2025</a:t>
+            </a:r>
+            <a:endParaRPr lang="en-IE" sz="8000" b="1">
+              <a:solidFill>
+                <a:prstClr val="black"/>
+              </a:solidFill>
+              <a:latin typeface="Candara" panose="020E0502030303020204" pitchFamily="34" charset="0"/>
+            </a:endParaRPr>
+          </a:p>
+        </p:txBody>
+      </p:sp>
+      <p:sp>
+        <p:nvSpPr>
+          <p:cNvPr id="38" name="TextBox 37">
+            <a:extLst>
+              <a:ext uri="{FF2B5EF4-FFF2-40B4-BE49-F238E27FC236}">
+                <a16:creationId xmlns:a16="http://schemas.microsoft.com/office/drawing/2014/main" id="{37758E2C-BBCF-2D33-A57D-57848B624D4F}"/>
+              </a:ext>
+            </a:extLst>
+          </p:cNvPr>
+          <p:cNvSpPr txBox="1"/>
+          <p:nvPr/>
+        </p:nvSpPr>
+        <p:spPr>
+          <a:xfrm>
+            <a:off x="4085137" y="1408971"/>
+            <a:ext cx="4121151" cy="369332"/>
+          </a:xfrm>
+          <a:prstGeom prst="rect">
+            <a:avLst/>
+          </a:prstGeom>
+          <a:gradFill flip="none" rotWithShape="1">
+            <a:gsLst>
+              <a:gs pos="0">
+                <a:schemeClr val="accent2">
+                  <a:lumMod val="67000"/>
+                </a:schemeClr>
+              </a:gs>
+              <a:gs pos="48000">
+                <a:schemeClr val="accent2">
+                  <a:lumMod val="97000"/>
+                  <a:lumOff val="3000"/>
+                </a:schemeClr>
+              </a:gs>
+              <a:gs pos="100000">
+                <a:schemeClr val="accent2">
+                  <a:lumMod val="60000"/>
+                  <a:lumOff val="40000"/>
+                </a:schemeClr>
+              </a:gs>
+            </a:gsLst>
+            <a:lin ang="16200000" scaled="1"/>
+            <a:tileRect/>
+          </a:gradFill>
+          <a:ln>
+            <a:noFill/>
+          </a:ln>
+        </p:spPr>
+        <p:style>
+          <a:lnRef idx="0">
+            <a:scrgbClr r="0" g="0" b="0"/>
+          </a:lnRef>
+          <a:fillRef idx="0">
+            <a:scrgbClr r="0" g="0" b="0"/>
+          </a:fillRef>
+          <a:effectRef idx="0">
+            <a:scrgbClr r="0" g="0" b="0"/>
+          </a:effectRef>
+          <a:fontRef idx="minor">
+            <a:schemeClr val="lt1"/>
+          </a:fontRef>
+        </p:style>
+        <p:txBody>
+          <a:bodyPr wrap="square" rtlCol="0">
+            <a:spAutoFit/>
+          </a:bodyPr>
+          <a:lstStyle>
+            <a:defPPr>
+              <a:defRPr lang="en-CZ"/>
+            </a:defPPr>
+            <a:lvl1pPr algn="ctr" fontAlgn="base">
+              <a:spcBef>
+                <a:spcPct val="0"/>
+              </a:spcBef>
+              <a:spcAft>
+                <a:spcPct val="0"/>
+              </a:spcAft>
+              <a:defRPr sz="1200" b="1"/>
+            </a:lvl1pPr>
+          </a:lstStyle>
+          <a:p>
+            <a:r>
+              <a:rPr lang="en-GB" sz="1800" dirty="0"/>
+              <a:t>Implementation (Wave 8)</a:t>
+            </a:r>
+            <a:endParaRPr lang="en-IE" sz="1800" dirty="0"/>
+          </a:p>
+        </p:txBody>
+      </p:sp>
+      <p:sp>
+        <p:nvSpPr>
+          <p:cNvPr id="40" name="Rectangle 39">
+            <a:extLst>
+              <a:ext uri="{FF2B5EF4-FFF2-40B4-BE49-F238E27FC236}">
+                <a16:creationId xmlns:a16="http://schemas.microsoft.com/office/drawing/2014/main" id="{2606A59F-5FEE-5405-A8CE-DA4F34B0FCA0}"/>
+              </a:ext>
+            </a:extLst>
+          </p:cNvPr>
+          <p:cNvSpPr/>
+          <p:nvPr/>
+        </p:nvSpPr>
+        <p:spPr>
+          <a:xfrm>
+            <a:off x="36774" y="1905972"/>
+            <a:ext cx="12118453" cy="1444803"/>
+          </a:xfrm>
+          <a:prstGeom prst="rect">
+            <a:avLst/>
+          </a:prstGeom>
+          <a:solidFill>
+            <a:srgbClr val="ED8D2F">
+              <a:lumMod val="20000"/>
+              <a:lumOff val="80000"/>
+              <a:alpha val="40000"/>
+            </a:srgbClr>
+          </a:solidFill>
+          <a:ln w="6350" cap="flat" cmpd="sng" algn="ctr">
+            <a:solidFill>
+              <a:srgbClr val="1E858B">
+                <a:shade val="50000"/>
+              </a:srgbClr>
+            </a:solidFill>
+            <a:prstDash val="solid"/>
+            <a:miter lim="800000"/>
+          </a:ln>
+          <a:effectLst/>
+        </p:spPr>
+        <p:txBody>
+          <a:bodyPr rtlCol="0" anchor="t"/>
+          <a:lstStyle/>
+          <a:p>
+            <a:pPr defTabSz="914377">
+              <a:defRPr/>
+            </a:pPr>
+            <a:r>
+              <a:rPr lang="en-IE" sz="1600" b="1" kern="0" dirty="0">
+                <a:solidFill>
+                  <a:srgbClr val="4D4D4D"/>
+                </a:solidFill>
+                <a:latin typeface="Candara" panose="020E0502030303020204" pitchFamily="34" charset="0"/>
+              </a:rPr>
+              <a:t>(Hospital) discharge reports and Medical images </a:t>
+            </a:r>
+            <a:r>
+              <a:rPr lang="en-IE" sz="1600" b="1" u="sng" kern="0" dirty="0">
+                <a:solidFill>
+                  <a:srgbClr val="4D4D4D"/>
+                </a:solidFill>
+                <a:latin typeface="Candara" panose="020E0502030303020204" pitchFamily="34" charset="0"/>
+              </a:rPr>
+              <a:t>and</a:t>
+            </a:r>
+            <a:r>
+              <a:rPr lang="en-IE" sz="1600" b="1" kern="0" dirty="0">
+                <a:solidFill>
+                  <a:srgbClr val="4D4D4D"/>
+                </a:solidFill>
+                <a:latin typeface="Candara" panose="020E0502030303020204" pitchFamily="34" charset="0"/>
+              </a:rPr>
+              <a:t> image reports</a:t>
+            </a:r>
+          </a:p>
+          <a:p>
+            <a:pPr defTabSz="914377">
+              <a:defRPr/>
+            </a:pPr>
+            <a:r>
+              <a:rPr lang="en-IE" sz="1600" b="1" kern="0" dirty="0">
+                <a:solidFill>
+                  <a:srgbClr val="4D4D4D"/>
+                </a:solidFill>
+                <a:latin typeface="Candara" panose="020E0502030303020204" pitchFamily="34" charset="0"/>
+              </a:rPr>
+              <a:t> </a:t>
+            </a:r>
+          </a:p>
+        </p:txBody>
+      </p:sp>
+      <p:sp>
+        <p:nvSpPr>
+          <p:cNvPr id="42" name="TextBox 41">
+            <a:extLst>
+              <a:ext uri="{FF2B5EF4-FFF2-40B4-BE49-F238E27FC236}">
+                <a16:creationId xmlns:a16="http://schemas.microsoft.com/office/drawing/2014/main" id="{B70EB5CB-D1D3-65FF-34B7-81C6B5B9B742}"/>
+              </a:ext>
+            </a:extLst>
+          </p:cNvPr>
+          <p:cNvSpPr txBox="1"/>
+          <p:nvPr/>
+        </p:nvSpPr>
+        <p:spPr>
+          <a:xfrm>
+            <a:off x="6046291" y="2831847"/>
+            <a:ext cx="5379499" cy="369332"/>
+          </a:xfrm>
+          <a:prstGeom prst="rect">
+            <a:avLst/>
+          </a:prstGeom>
+          <a:gradFill flip="none" rotWithShape="1">
+            <a:gsLst>
+              <a:gs pos="0">
+                <a:schemeClr val="accent2">
+                  <a:lumMod val="67000"/>
+                </a:schemeClr>
+              </a:gs>
+              <a:gs pos="48000">
+                <a:schemeClr val="accent2">
+                  <a:lumMod val="97000"/>
+                  <a:lumOff val="3000"/>
+                </a:schemeClr>
+              </a:gs>
+              <a:gs pos="100000">
+                <a:schemeClr val="accent2">
+                  <a:lumMod val="60000"/>
+                  <a:lumOff val="40000"/>
+                </a:schemeClr>
+              </a:gs>
+            </a:gsLst>
+            <a:lin ang="16200000" scaled="1"/>
+            <a:tileRect/>
+          </a:gradFill>
+          <a:ln>
+            <a:noFill/>
+          </a:ln>
+        </p:spPr>
+        <p:style>
+          <a:lnRef idx="0">
+            <a:scrgbClr r="0" g="0" b="0"/>
+          </a:lnRef>
+          <a:fillRef idx="0">
+            <a:scrgbClr r="0" g="0" b="0"/>
+          </a:fillRef>
+          <a:effectRef idx="0">
+            <a:scrgbClr r="0" g="0" b="0"/>
+          </a:effectRef>
+          <a:fontRef idx="minor">
+            <a:schemeClr val="lt1"/>
+          </a:fontRef>
+        </p:style>
+        <p:txBody>
+          <a:bodyPr wrap="square" rtlCol="0">
+            <a:spAutoFit/>
+          </a:bodyPr>
+          <a:lstStyle>
+            <a:defPPr>
+              <a:defRPr lang="en-CZ"/>
+            </a:defPPr>
+            <a:lvl1pPr algn="ctr" fontAlgn="base">
+              <a:spcBef>
+                <a:spcPct val="0"/>
+              </a:spcBef>
+              <a:spcAft>
+                <a:spcPct val="0"/>
+              </a:spcAft>
+              <a:defRPr sz="1200" b="1"/>
+            </a:lvl1pPr>
+            <a:lvl2pPr>
+              <a:defRPr>
+                <a:solidFill>
+                  <a:schemeClr val="lt1"/>
+                </a:solidFill>
+                <a:latin typeface="+mn-lt"/>
+                <a:ea typeface="+mn-ea"/>
+              </a:defRPr>
+            </a:lvl2pPr>
+            <a:lvl3pPr>
+              <a:defRPr>
+                <a:solidFill>
+                  <a:schemeClr val="lt1"/>
+                </a:solidFill>
+                <a:latin typeface="+mn-lt"/>
+                <a:ea typeface="+mn-ea"/>
+              </a:defRPr>
+            </a:lvl3pPr>
+            <a:lvl4pPr>
+              <a:defRPr>
+                <a:solidFill>
+                  <a:schemeClr val="lt1"/>
+                </a:solidFill>
+                <a:latin typeface="+mn-lt"/>
+                <a:ea typeface="+mn-ea"/>
+              </a:defRPr>
+            </a:lvl4pPr>
+            <a:lvl5pPr>
+              <a:defRPr>
+                <a:solidFill>
+                  <a:schemeClr val="lt1"/>
+                </a:solidFill>
+                <a:latin typeface="+mn-lt"/>
+                <a:ea typeface="+mn-ea"/>
+              </a:defRPr>
+            </a:lvl5pPr>
+            <a:lvl6pPr>
+              <a:defRPr>
+                <a:solidFill>
+                  <a:schemeClr val="lt1"/>
+                </a:solidFill>
+                <a:latin typeface="+mn-lt"/>
+                <a:ea typeface="+mn-ea"/>
+              </a:defRPr>
+            </a:lvl6pPr>
+            <a:lvl7pPr>
+              <a:defRPr>
+                <a:solidFill>
+                  <a:schemeClr val="lt1"/>
+                </a:solidFill>
+                <a:latin typeface="+mn-lt"/>
+                <a:ea typeface="+mn-ea"/>
+              </a:defRPr>
+            </a:lvl7pPr>
+            <a:lvl8pPr>
+              <a:defRPr>
+                <a:solidFill>
+                  <a:schemeClr val="lt1"/>
+                </a:solidFill>
+                <a:latin typeface="+mn-lt"/>
+                <a:ea typeface="+mn-ea"/>
+              </a:defRPr>
+            </a:lvl8pPr>
+            <a:lvl9pPr>
+              <a:defRPr>
+                <a:solidFill>
+                  <a:schemeClr val="lt1"/>
+                </a:solidFill>
+                <a:latin typeface="+mn-lt"/>
+                <a:ea typeface="+mn-ea"/>
+              </a:defRPr>
+            </a:lvl9pPr>
+          </a:lstStyle>
+          <a:p>
+            <a:r>
+              <a:rPr lang="en-GB" sz="1800" dirty="0"/>
+              <a:t>Implementation in </a:t>
+            </a:r>
+            <a:r>
+              <a:rPr lang="en-GB" sz="1800" dirty="0" err="1"/>
+              <a:t>MyHealth@EU</a:t>
+            </a:r>
+            <a:r>
+              <a:rPr lang="en-GB" sz="1800" dirty="0"/>
+              <a:t> (Wave 9)</a:t>
+            </a:r>
+            <a:endParaRPr lang="en-IE" sz="1800" dirty="0"/>
+          </a:p>
+        </p:txBody>
+      </p:sp>
+      <p:pic>
+        <p:nvPicPr>
+          <p:cNvPr id="3" name="Immagine 2">
+            <a:extLst>
+              <a:ext uri="{FF2B5EF4-FFF2-40B4-BE49-F238E27FC236}">
+                <a16:creationId xmlns:a16="http://schemas.microsoft.com/office/drawing/2014/main" id="{EED233BB-586D-61B7-7267-6704120772E9}"/>
+              </a:ext>
+            </a:extLst>
+          </p:cNvPr>
+          <p:cNvPicPr>
+            <a:picLocks noChangeAspect="1"/>
+          </p:cNvPicPr>
+          <p:nvPr/>
+        </p:nvPicPr>
+        <p:blipFill>
+          <a:blip r:embed="rId3"/>
+          <a:stretch>
+            <a:fillRect/>
+          </a:stretch>
+        </p:blipFill>
+        <p:spPr>
+          <a:xfrm>
+            <a:off x="1392640" y="2351691"/>
+            <a:ext cx="703699" cy="815317"/>
+          </a:xfrm>
+          <a:prstGeom prst="rect">
+            <a:avLst/>
+          </a:prstGeom>
+        </p:spPr>
+      </p:pic>
+      <p:pic>
+        <p:nvPicPr>
+          <p:cNvPr id="4" name="Immagine 3">
+            <a:extLst>
+              <a:ext uri="{FF2B5EF4-FFF2-40B4-BE49-F238E27FC236}">
+                <a16:creationId xmlns:a16="http://schemas.microsoft.com/office/drawing/2014/main" id="{735CCB4D-BD9B-01B4-BDA3-D44BE0EEB510}"/>
+              </a:ext>
+            </a:extLst>
+          </p:cNvPr>
+          <p:cNvPicPr>
+            <a:picLocks noChangeAspect="1"/>
+          </p:cNvPicPr>
+          <p:nvPr/>
+        </p:nvPicPr>
+        <p:blipFill>
+          <a:blip r:embed="rId4"/>
+          <a:stretch>
+            <a:fillRect/>
+          </a:stretch>
+        </p:blipFill>
+        <p:spPr>
+          <a:xfrm>
+            <a:off x="680339" y="1014947"/>
+            <a:ext cx="799959" cy="794589"/>
+          </a:xfrm>
+          <a:prstGeom prst="rect">
+            <a:avLst/>
+          </a:prstGeom>
+        </p:spPr>
+      </p:pic>
+      <p:pic>
+        <p:nvPicPr>
+          <p:cNvPr id="5" name="Immagine 4">
+            <a:extLst>
+              <a:ext uri="{FF2B5EF4-FFF2-40B4-BE49-F238E27FC236}">
+                <a16:creationId xmlns:a16="http://schemas.microsoft.com/office/drawing/2014/main" id="{45EFC5D9-37EF-0595-B829-02F8FFADDE8B}"/>
+              </a:ext>
+            </a:extLst>
+          </p:cNvPr>
+          <p:cNvPicPr>
+            <a:picLocks noChangeAspect="1"/>
+          </p:cNvPicPr>
+          <p:nvPr/>
+        </p:nvPicPr>
+        <p:blipFill>
+          <a:blip r:embed="rId5"/>
+          <a:stretch>
+            <a:fillRect/>
+          </a:stretch>
+        </p:blipFill>
+        <p:spPr>
+          <a:xfrm>
+            <a:off x="447547" y="2356942"/>
+            <a:ext cx="747720" cy="823719"/>
+          </a:xfrm>
+          <a:prstGeom prst="rect">
+            <a:avLst/>
+          </a:prstGeom>
+        </p:spPr>
+      </p:pic>
+      <p:sp>
+        <p:nvSpPr>
+          <p:cNvPr id="8" name="TextBox 68">
+            <a:extLst>
+              <a:ext uri="{FF2B5EF4-FFF2-40B4-BE49-F238E27FC236}">
+                <a16:creationId xmlns:a16="http://schemas.microsoft.com/office/drawing/2014/main" id="{77BF479C-0B13-0A36-725E-4ECEA5D198B4}"/>
+              </a:ext>
+            </a:extLst>
+          </p:cNvPr>
+          <p:cNvSpPr txBox="1"/>
+          <p:nvPr/>
+        </p:nvSpPr>
+        <p:spPr>
+          <a:xfrm>
+            <a:off x="100570" y="3451996"/>
+            <a:ext cx="2483319" cy="400110"/>
+          </a:xfrm>
+          <a:prstGeom prst="rect">
+            <a:avLst/>
+          </a:prstGeom>
+        </p:spPr>
+        <p:style>
+          <a:lnRef idx="1">
+            <a:schemeClr val="accent3"/>
+          </a:lnRef>
+          <a:fillRef idx="3">
+            <a:schemeClr val="accent3"/>
+          </a:fillRef>
+          <a:effectRef idx="2">
+            <a:schemeClr val="accent3"/>
+          </a:effectRef>
+          <a:fontRef idx="minor">
+            <a:schemeClr val="lt1"/>
+          </a:fontRef>
+        </p:style>
+        <p:txBody>
+          <a:bodyPr wrap="square" rtlCol="0">
+            <a:spAutoFit/>
+          </a:bodyPr>
+          <a:lstStyle/>
+          <a:p>
+            <a:pPr algn="ctr" fontAlgn="base">
+              <a:spcBef>
+                <a:spcPct val="0"/>
+              </a:spcBef>
+              <a:spcAft>
+                <a:spcPct val="0"/>
+              </a:spcAft>
+              <a:defRPr/>
+            </a:pPr>
+            <a:r>
+              <a:rPr lang="en-GB" sz="2000" b="1" dirty="0"/>
+              <a:t>X-eHealth</a:t>
+            </a:r>
+            <a:endParaRPr lang="en-IE" sz="2000" b="1" dirty="0"/>
+          </a:p>
+        </p:txBody>
+      </p:sp>
+      <p:sp>
+        <p:nvSpPr>
+          <p:cNvPr id="9" name="TextBox 69">
+            <a:extLst>
+              <a:ext uri="{FF2B5EF4-FFF2-40B4-BE49-F238E27FC236}">
+                <a16:creationId xmlns:a16="http://schemas.microsoft.com/office/drawing/2014/main" id="{ACFE6463-FADB-3353-52C9-DF717E972CB7}"/>
+              </a:ext>
+            </a:extLst>
+          </p:cNvPr>
+          <p:cNvSpPr txBox="1"/>
+          <p:nvPr/>
+        </p:nvSpPr>
+        <p:spPr>
+          <a:xfrm>
+            <a:off x="5869461" y="3480672"/>
+            <a:ext cx="6285767" cy="400110"/>
+          </a:xfrm>
+          <a:prstGeom prst="rect">
+            <a:avLst/>
+          </a:prstGeom>
+        </p:spPr>
+        <p:style>
+          <a:lnRef idx="1">
+            <a:schemeClr val="accent3"/>
+          </a:lnRef>
+          <a:fillRef idx="3">
+            <a:schemeClr val="accent3"/>
+          </a:fillRef>
+          <a:effectRef idx="2">
+            <a:schemeClr val="accent3"/>
+          </a:effectRef>
+          <a:fontRef idx="minor">
+            <a:schemeClr val="lt1"/>
+          </a:fontRef>
+        </p:style>
+        <p:txBody>
+          <a:bodyPr wrap="square" rtlCol="0">
+            <a:spAutoFit/>
+          </a:bodyPr>
+          <a:lstStyle>
+            <a:defPPr>
+              <a:defRPr lang="en-US"/>
+            </a:defPPr>
+            <a:lvl1pPr algn="ctr">
+              <a:defRPr sz="1200" b="1"/>
+            </a:lvl1pPr>
+          </a:lstStyle>
+          <a:p>
+            <a:r>
+              <a:rPr lang="en-GB" sz="2000" dirty="0" err="1"/>
+              <a:t>xShare</a:t>
+            </a:r>
+            <a:endParaRPr lang="en-IE" sz="2000" dirty="0"/>
+          </a:p>
+        </p:txBody>
+      </p:sp>
+      <p:sp>
+        <p:nvSpPr>
+          <p:cNvPr id="10" name="TextBox 70">
+            <a:extLst>
+              <a:ext uri="{FF2B5EF4-FFF2-40B4-BE49-F238E27FC236}">
+                <a16:creationId xmlns:a16="http://schemas.microsoft.com/office/drawing/2014/main" id="{468B23EA-F779-BE43-2AA0-4664460FDA92}"/>
+              </a:ext>
+            </a:extLst>
+          </p:cNvPr>
+          <p:cNvSpPr txBox="1"/>
+          <p:nvPr/>
+        </p:nvSpPr>
+        <p:spPr>
+          <a:xfrm>
+            <a:off x="3179813" y="3928352"/>
+            <a:ext cx="5867579" cy="400110"/>
+          </a:xfrm>
+          <a:prstGeom prst="rect">
+            <a:avLst/>
+          </a:prstGeom>
+        </p:spPr>
+        <p:style>
+          <a:lnRef idx="1">
+            <a:schemeClr val="accent3"/>
+          </a:lnRef>
+          <a:fillRef idx="3">
+            <a:schemeClr val="accent3"/>
+          </a:fillRef>
+          <a:effectRef idx="2">
+            <a:schemeClr val="accent3"/>
+          </a:effectRef>
+          <a:fontRef idx="minor">
+            <a:schemeClr val="lt1"/>
+          </a:fontRef>
+        </p:style>
+        <p:txBody>
+          <a:bodyPr wrap="square" rtlCol="0">
+            <a:spAutoFit/>
+          </a:bodyPr>
+          <a:lstStyle>
+            <a:defPPr>
+              <a:defRPr lang="en-US"/>
+            </a:defPPr>
+            <a:lvl1pPr algn="ctr">
+              <a:defRPr sz="1200" b="1"/>
+            </a:lvl1pPr>
+          </a:lstStyle>
+          <a:p>
+            <a:r>
+              <a:rPr lang="en-GB" sz="2000"/>
+              <a:t>XpanDH</a:t>
+            </a:r>
+            <a:endParaRPr lang="en-IE" sz="2000"/>
+          </a:p>
+        </p:txBody>
+      </p:sp>
+      <p:sp>
+        <p:nvSpPr>
+          <p:cNvPr id="11" name="Rettangolo 10">
+            <a:extLst>
+              <a:ext uri="{FF2B5EF4-FFF2-40B4-BE49-F238E27FC236}">
+                <a16:creationId xmlns:a16="http://schemas.microsoft.com/office/drawing/2014/main" id="{1100F797-1FA4-5940-81D7-7CDAC3CA48A1}"/>
+              </a:ext>
+            </a:extLst>
+          </p:cNvPr>
+          <p:cNvSpPr/>
+          <p:nvPr/>
+        </p:nvSpPr>
+        <p:spPr>
+          <a:xfrm>
+            <a:off x="386689" y="5389832"/>
+            <a:ext cx="11805311" cy="346264"/>
+          </a:xfrm>
+          <a:prstGeom prst="rect">
+            <a:avLst/>
+          </a:prstGeom>
+        </p:spPr>
+        <p:style>
+          <a:lnRef idx="1">
+            <a:schemeClr val="accent1"/>
+          </a:lnRef>
+          <a:fillRef idx="3">
+            <a:schemeClr val="accent1"/>
+          </a:fillRef>
+          <a:effectRef idx="2">
+            <a:schemeClr val="accent1"/>
+          </a:effectRef>
+          <a:fontRef idx="minor">
+            <a:schemeClr val="lt1"/>
+          </a:fontRef>
+        </p:style>
+        <p:txBody>
+          <a:bodyPr rtlCol="0" anchor="ctr"/>
+          <a:lstStyle/>
+          <a:p>
+            <a:pPr algn="ctr"/>
+            <a:r>
+              <a:rPr lang="en-US" sz="2400" b="1"/>
+              <a:t>National Initiatives</a:t>
+            </a:r>
+          </a:p>
+        </p:txBody>
+      </p:sp>
+      <p:sp>
+        <p:nvSpPr>
+          <p:cNvPr id="13" name="Rettangolo 12">
+            <a:extLst>
+              <a:ext uri="{FF2B5EF4-FFF2-40B4-BE49-F238E27FC236}">
+                <a16:creationId xmlns:a16="http://schemas.microsoft.com/office/drawing/2014/main" id="{68E670AD-C105-5CFD-8B7F-F8DBD5B88C20}"/>
+              </a:ext>
+            </a:extLst>
+          </p:cNvPr>
+          <p:cNvSpPr/>
+          <p:nvPr/>
+        </p:nvSpPr>
+        <p:spPr>
+          <a:xfrm>
+            <a:off x="3921211" y="5860385"/>
+            <a:ext cx="8270789" cy="346264"/>
+          </a:xfrm>
+          <a:prstGeom prst="rect">
+            <a:avLst/>
+          </a:prstGeom>
+          <a:solidFill>
+            <a:schemeClr val="accent2">
+              <a:alpha val="50000"/>
+            </a:schemeClr>
+          </a:solidFill>
+          <a:ln>
+            <a:noFill/>
+          </a:ln>
+        </p:spPr>
+        <p:style>
+          <a:lnRef idx="0">
+            <a:scrgbClr r="0" g="0" b="0"/>
+          </a:lnRef>
+          <a:fillRef idx="0">
+            <a:scrgbClr r="0" g="0" b="0"/>
+          </a:fillRef>
+          <a:effectRef idx="0">
+            <a:scrgbClr r="0" g="0" b="0"/>
+          </a:effectRef>
+          <a:fontRef idx="minor">
+            <a:schemeClr val="lt1"/>
+          </a:fontRef>
+        </p:style>
+        <p:txBody>
+          <a:bodyPr rtlCol="0" anchor="ctr"/>
+          <a:lstStyle/>
+          <a:p>
+            <a:pPr algn="ctr"/>
+            <a:r>
+              <a:rPr lang="en-US" sz="2400" b="1" dirty="0"/>
+              <a:t>This project</a:t>
+            </a:r>
+          </a:p>
+        </p:txBody>
+      </p:sp>
+      <p:sp>
+        <p:nvSpPr>
+          <p:cNvPr id="15" name="TextBox 37">
+            <a:extLst>
+              <a:ext uri="{FF2B5EF4-FFF2-40B4-BE49-F238E27FC236}">
+                <a16:creationId xmlns:a16="http://schemas.microsoft.com/office/drawing/2014/main" id="{6E71176B-EFBB-B1E1-4561-45CCAC6E79AF}"/>
+              </a:ext>
+            </a:extLst>
+          </p:cNvPr>
+          <p:cNvSpPr txBox="1"/>
+          <p:nvPr/>
+        </p:nvSpPr>
+        <p:spPr>
+          <a:xfrm>
+            <a:off x="3167827" y="855575"/>
+            <a:ext cx="2878463" cy="369332"/>
+          </a:xfrm>
+          <a:prstGeom prst="rect">
+            <a:avLst/>
+          </a:prstGeom>
+          <a:gradFill flip="none" rotWithShape="1">
+            <a:gsLst>
+              <a:gs pos="0">
+                <a:schemeClr val="accent2">
+                  <a:lumMod val="67000"/>
+                </a:schemeClr>
+              </a:gs>
+              <a:gs pos="48000">
+                <a:schemeClr val="accent2">
+                  <a:lumMod val="97000"/>
+                  <a:lumOff val="3000"/>
+                </a:schemeClr>
+              </a:gs>
+              <a:gs pos="100000">
+                <a:schemeClr val="accent2">
+                  <a:lumMod val="60000"/>
+                  <a:lumOff val="40000"/>
+                </a:schemeClr>
+              </a:gs>
+            </a:gsLst>
+            <a:lin ang="16200000" scaled="1"/>
+            <a:tileRect/>
+          </a:gradFill>
+          <a:ln>
+            <a:noFill/>
+          </a:ln>
+        </p:spPr>
+        <p:style>
+          <a:lnRef idx="0">
+            <a:scrgbClr r="0" g="0" b="0"/>
+          </a:lnRef>
+          <a:fillRef idx="0">
+            <a:scrgbClr r="0" g="0" b="0"/>
+          </a:fillRef>
+          <a:effectRef idx="0">
+            <a:scrgbClr r="0" g="0" b="0"/>
+          </a:effectRef>
+          <a:fontRef idx="minor">
+            <a:schemeClr val="lt1"/>
+          </a:fontRef>
+        </p:style>
+        <p:txBody>
+          <a:bodyPr wrap="square" rtlCol="0">
+            <a:spAutoFit/>
+          </a:bodyPr>
+          <a:lstStyle/>
+          <a:p>
+            <a:pPr algn="ctr" fontAlgn="base">
+              <a:spcBef>
+                <a:spcPct val="0"/>
+              </a:spcBef>
+              <a:spcAft>
+                <a:spcPct val="0"/>
+              </a:spcAft>
+              <a:defRPr/>
+            </a:pPr>
+            <a:r>
+              <a:rPr lang="en-GB" b="1" dirty="0"/>
+              <a:t>Proof of Concept</a:t>
+            </a:r>
+            <a:endParaRPr lang="en-IE" b="1" dirty="0"/>
+          </a:p>
+        </p:txBody>
+      </p:sp>
+      <p:sp>
+        <p:nvSpPr>
+          <p:cNvPr id="16" name="TextBox 70">
+            <a:extLst>
+              <a:ext uri="{FF2B5EF4-FFF2-40B4-BE49-F238E27FC236}">
+                <a16:creationId xmlns:a16="http://schemas.microsoft.com/office/drawing/2014/main" id="{708E727C-6335-7A54-8D95-0EB3BF989908}"/>
+              </a:ext>
+            </a:extLst>
+          </p:cNvPr>
+          <p:cNvSpPr txBox="1"/>
+          <p:nvPr/>
+        </p:nvSpPr>
+        <p:spPr>
+          <a:xfrm>
+            <a:off x="5777289" y="4589410"/>
+            <a:ext cx="6377937" cy="400110"/>
+          </a:xfrm>
+          <a:prstGeom prst="rect">
+            <a:avLst/>
+          </a:prstGeom>
+        </p:spPr>
+        <p:style>
+          <a:lnRef idx="1">
+            <a:schemeClr val="dk1"/>
+          </a:lnRef>
+          <a:fillRef idx="3">
+            <a:schemeClr val="dk1"/>
+          </a:fillRef>
+          <a:effectRef idx="2">
+            <a:schemeClr val="dk1"/>
+          </a:effectRef>
+          <a:fontRef idx="minor">
+            <a:schemeClr val="lt1"/>
+          </a:fontRef>
+        </p:style>
+        <p:txBody>
+          <a:bodyPr wrap="square" rtlCol="0">
+            <a:spAutoFit/>
+          </a:bodyPr>
+          <a:lstStyle>
+            <a:defPPr>
+              <a:defRPr lang="en-US"/>
+            </a:defPPr>
+            <a:lvl1pPr algn="ctr">
+              <a:defRPr sz="1200" b="1"/>
+            </a:lvl1pPr>
+          </a:lstStyle>
+          <a:p>
+            <a:r>
+              <a:rPr lang="en-GB" sz="2000" err="1"/>
+              <a:t>Xt</a:t>
+            </a:r>
+            <a:r>
+              <a:rPr lang="en-GB" sz="2000"/>
+              <a:t>-EHR (JA-09)</a:t>
+            </a:r>
+            <a:endParaRPr lang="en-IE" sz="2000"/>
+          </a:p>
+        </p:txBody>
+      </p:sp>
+    </p:spTree>
+    <p:extLst>
+      <p:ext uri="{BB962C8B-B14F-4D97-AF65-F5344CB8AC3E}">
+        <p14:creationId xmlns:p14="http://schemas.microsoft.com/office/powerpoint/2010/main" val="1795019305"/>
+      </p:ext>
+    </p:extLst>
+  </p:cSld>
+  <p:clrMapOvr>
+    <a:masterClrMapping/>
+  </p:clrMapOvr>
+  <mc:AlternateContent xmlns:mc="http://schemas.openxmlformats.org/markup-compatibility/2006" xmlns:p159="http://schemas.microsoft.com/office/powerpoint/2015/09/main">
+    <mc:Choice Requires="p159">
+      <p:transition xmlns:p14="http://schemas.microsoft.com/office/powerpoint/2010/main" spd="slow" p14:dur="2000">
+        <p159:morph option="byObject"/>
+      </p:transition>
+    </mc:Choice>
+    <mc:Fallback xmlns="">
+      <p:transition spd="slow">
+        <p:fade/>
+      </p:transition>
+    </mc:Fallback>
+  </mc:AlternateContent>
+</p:sld>
+</file>
+
+<file path=ppt/slides/slide6.xml><?xml version="1.0" encoding="utf-8"?>
+<p:sld xmlns:a="http://schemas.openxmlformats.org/drawingml/2006/main" xmlns:r="http://schemas.openxmlformats.org/officeDocument/2006/relationships" xmlns:p="http://schemas.openxmlformats.org/presentationml/2006/main">
+  <p:cSld>
+    <p:spTree>
+      <p:nvGrpSpPr>
+        <p:cNvPr id="1" name=""/>
+        <p:cNvGrpSpPr/>
+        <p:nvPr/>
+      </p:nvGrpSpPr>
+      <p:grpSpPr>
+        <a:xfrm>
+          <a:off x="0" y="0"/>
+          <a:ext cx="0" cy="0"/>
+          <a:chOff x="0" y="0"/>
+          <a:chExt cx="0" cy="0"/>
+        </a:xfrm>
+      </p:grpSpPr>
+      <p:sp>
+        <p:nvSpPr>
+          <p:cNvPr id="14" name="Rettangolo con angoli arrotondati 13">
+            <a:extLst>
+              <a:ext uri="{FF2B5EF4-FFF2-40B4-BE49-F238E27FC236}">
+                <a16:creationId xmlns:a16="http://schemas.microsoft.com/office/drawing/2014/main" id="{F8363186-FEC1-C8FF-EA16-DF30210FC626}"/>
+              </a:ext>
+            </a:extLst>
+          </p:cNvPr>
+          <p:cNvSpPr/>
+          <p:nvPr/>
+        </p:nvSpPr>
+        <p:spPr>
+          <a:xfrm>
+            <a:off x="2757851" y="3828269"/>
+            <a:ext cx="2575816" cy="1066916"/>
+          </a:xfrm>
+          <a:prstGeom prst="roundRect">
+            <a:avLst/>
+          </a:prstGeom>
+          <a:ln>
+            <a:prstDash val="sysDash"/>
+            <a:headEnd type="none" w="med" len="med"/>
+            <a:tailEnd type="none" w="med" len="med"/>
+          </a:ln>
+        </p:spPr>
+        <p:style>
+          <a:lnRef idx="2">
+            <a:schemeClr val="accent4"/>
+          </a:lnRef>
+          <a:fillRef idx="1">
+            <a:schemeClr val="lt1"/>
+          </a:fillRef>
+          <a:effectRef idx="0">
+            <a:schemeClr val="accent4"/>
+          </a:effectRef>
+          <a:fontRef idx="minor">
+            <a:schemeClr val="dk1"/>
+          </a:fontRef>
+        </p:style>
+        <p:txBody>
+          <a:bodyPr lIns="121920" tIns="60960" rIns="121920" bIns="60960" rtlCol="0" anchor="t"/>
+          <a:lstStyle/>
+          <a:p>
+            <a:r>
+              <a:rPr lang="en-US" sz="1200" b="1"/>
+              <a:t>EHRxF FHIR IG</a:t>
+            </a:r>
+          </a:p>
+        </p:txBody>
+      </p:sp>
+      <p:sp>
+        <p:nvSpPr>
+          <p:cNvPr id="6" name="Rettangolo con angoli arrotondati 5">
+            <a:extLst>
+              <a:ext uri="{FF2B5EF4-FFF2-40B4-BE49-F238E27FC236}">
+                <a16:creationId xmlns:a16="http://schemas.microsoft.com/office/drawing/2014/main" id="{4D5A866E-B136-3A0F-47A7-D2F959EFECA6}"/>
+              </a:ext>
+            </a:extLst>
+          </p:cNvPr>
+          <p:cNvSpPr/>
+          <p:nvPr/>
+        </p:nvSpPr>
+        <p:spPr>
+          <a:xfrm>
+            <a:off x="3229757" y="2838487"/>
+            <a:ext cx="1632000" cy="624000"/>
+          </a:xfrm>
+          <a:prstGeom prst="roundRect">
+            <a:avLst/>
+          </a:prstGeom>
+          <a:ln>
+            <a:headEnd type="none" w="med" len="med"/>
+            <a:tailEnd type="none" w="med" len="med"/>
+          </a:ln>
+        </p:spPr>
+        <p:style>
+          <a:lnRef idx="2">
+            <a:schemeClr val="accent6"/>
+          </a:lnRef>
+          <a:fillRef idx="1">
+            <a:schemeClr val="lt1"/>
+          </a:fillRef>
+          <a:effectRef idx="0">
+            <a:schemeClr val="accent6"/>
+          </a:effectRef>
+          <a:fontRef idx="minor">
+            <a:schemeClr val="dk1"/>
+          </a:fontRef>
+        </p:style>
+        <p:txBody>
+          <a:bodyPr lIns="121920" tIns="60960" rIns="121920" bIns="60960" rtlCol="0" anchor="ctr"/>
+          <a:lstStyle/>
+          <a:p>
+            <a:pPr algn="ctr"/>
+            <a:r>
+              <a:rPr lang="en-US" sz="1200" b="1"/>
+              <a:t>European FHIR IG</a:t>
+            </a:r>
+          </a:p>
+        </p:txBody>
+      </p:sp>
+      <p:sp>
+        <p:nvSpPr>
+          <p:cNvPr id="7" name="Rettangolo con angoli arrotondati 6">
+            <a:extLst>
+              <a:ext uri="{FF2B5EF4-FFF2-40B4-BE49-F238E27FC236}">
+                <a16:creationId xmlns:a16="http://schemas.microsoft.com/office/drawing/2014/main" id="{9996E1FF-660E-1679-7769-7FC684EC7606}"/>
+              </a:ext>
+            </a:extLst>
+          </p:cNvPr>
+          <p:cNvSpPr/>
+          <p:nvPr/>
+        </p:nvSpPr>
+        <p:spPr>
+          <a:xfrm>
+            <a:off x="5037304" y="5222188"/>
+            <a:ext cx="1632000" cy="624000"/>
+          </a:xfrm>
+          <a:prstGeom prst="roundRect">
+            <a:avLst/>
+          </a:prstGeom>
+          <a:noFill/>
+          <a:ln w="28575" cap="flat" cmpd="sng" algn="ctr">
+            <a:solidFill>
+              <a:schemeClr val="accent1"/>
+            </a:solidFill>
+            <a:prstDash val="solid"/>
+            <a:round/>
+            <a:headEnd type="none" w="med" len="med"/>
+            <a:tailEnd type="none" w="med" len="med"/>
+          </a:ln>
+        </p:spPr>
+        <p:style>
+          <a:lnRef idx="0">
+            <a:scrgbClr r="0" g="0" b="0"/>
+          </a:lnRef>
+          <a:fillRef idx="0">
+            <a:scrgbClr r="0" g="0" b="0"/>
+          </a:fillRef>
+          <a:effectRef idx="0">
+            <a:scrgbClr r="0" g="0" b="0"/>
+          </a:effectRef>
+          <a:fontRef idx="minor">
+            <a:schemeClr val="accent1"/>
+          </a:fontRef>
+        </p:style>
+        <p:txBody>
+          <a:bodyPr rtlCol="0" anchor="ctr"/>
+          <a:lstStyle/>
+          <a:p>
+            <a:pPr algn="ctr"/>
+            <a:r>
+              <a:rPr lang="en-US" sz="1200" b="1"/>
+              <a:t>Project B FHIR IG</a:t>
+            </a:r>
+          </a:p>
+        </p:txBody>
+      </p:sp>
+      <p:sp>
+        <p:nvSpPr>
+          <p:cNvPr id="9" name="Rettangolo con angoli arrotondati 8">
+            <a:extLst>
+              <a:ext uri="{FF2B5EF4-FFF2-40B4-BE49-F238E27FC236}">
+                <a16:creationId xmlns:a16="http://schemas.microsoft.com/office/drawing/2014/main" id="{5FFD1AEA-0CD9-A56F-2821-FF79FE31FA6D}"/>
+              </a:ext>
+            </a:extLst>
+          </p:cNvPr>
+          <p:cNvSpPr/>
+          <p:nvPr/>
+        </p:nvSpPr>
+        <p:spPr>
+          <a:xfrm>
+            <a:off x="3825971" y="4209884"/>
+            <a:ext cx="1374840" cy="560523"/>
+          </a:xfrm>
+          <a:prstGeom prst="roundRect">
+            <a:avLst/>
+          </a:prstGeom>
+          <a:ln>
+            <a:headEnd type="none" w="med" len="med"/>
+            <a:tailEnd type="none" w="med" len="med"/>
+          </a:ln>
+        </p:spPr>
+        <p:style>
+          <a:lnRef idx="2">
+            <a:schemeClr val="accent4"/>
+          </a:lnRef>
+          <a:fillRef idx="1">
+            <a:schemeClr val="lt1"/>
+          </a:fillRef>
+          <a:effectRef idx="0">
+            <a:schemeClr val="accent4"/>
+          </a:effectRef>
+          <a:fontRef idx="minor">
+            <a:schemeClr val="dk1"/>
+          </a:fontRef>
+        </p:style>
+        <p:txBody>
+          <a:bodyPr lIns="121920" tIns="60960" rIns="121920" bIns="60960" rtlCol="0" anchor="ctr"/>
+          <a:lstStyle/>
+          <a:p>
+            <a:pPr algn="ctr"/>
+            <a:r>
+              <a:rPr lang="en-US" sz="1200" b="1" err="1"/>
+              <a:t>MyHealth@EU</a:t>
+            </a:r>
+            <a:endParaRPr lang="en-US" sz="1200" b="1"/>
+          </a:p>
+          <a:p>
+            <a:pPr algn="ctr"/>
+            <a:r>
+              <a:rPr lang="en-US" sz="1200" b="1"/>
+              <a:t> FHIR IG</a:t>
+            </a:r>
+          </a:p>
+        </p:txBody>
+      </p:sp>
+      <p:sp>
+        <p:nvSpPr>
+          <p:cNvPr id="10" name="Rettangolo con angoli arrotondati 9">
+            <a:extLst>
+              <a:ext uri="{FF2B5EF4-FFF2-40B4-BE49-F238E27FC236}">
+                <a16:creationId xmlns:a16="http://schemas.microsoft.com/office/drawing/2014/main" id="{65D12E92-81EB-051B-D0BD-BA8E6FC161C2}"/>
+              </a:ext>
+            </a:extLst>
+          </p:cNvPr>
+          <p:cNvSpPr/>
+          <p:nvPr/>
+        </p:nvSpPr>
+        <p:spPr>
+          <a:xfrm>
+            <a:off x="7616752" y="4006147"/>
+            <a:ext cx="1632000" cy="624000"/>
+          </a:xfrm>
+          <a:prstGeom prst="roundRect">
+            <a:avLst/>
+          </a:prstGeom>
+          <a:ln>
+            <a:headEnd type="none" w="med" len="med"/>
+            <a:tailEnd type="none" w="med" len="med"/>
+          </a:ln>
+        </p:spPr>
+        <p:style>
+          <a:lnRef idx="2">
+            <a:schemeClr val="accent3"/>
+          </a:lnRef>
+          <a:fillRef idx="1">
+            <a:schemeClr val="lt1"/>
+          </a:fillRef>
+          <a:effectRef idx="0">
+            <a:schemeClr val="accent3"/>
+          </a:effectRef>
+          <a:fontRef idx="minor">
+            <a:schemeClr val="dk1"/>
+          </a:fontRef>
+        </p:style>
+        <p:txBody>
+          <a:bodyPr lIns="121920" tIns="60960" rIns="121920" bIns="60960" rtlCol="0" anchor="ctr"/>
+          <a:lstStyle/>
+          <a:p>
+            <a:pPr algn="ctr"/>
+            <a:r>
+              <a:rPr lang="en-US" sz="1200" b="1"/>
+              <a:t>National FHIR IG</a:t>
+            </a:r>
+          </a:p>
+        </p:txBody>
+      </p:sp>
+      <p:cxnSp>
+        <p:nvCxnSpPr>
+          <p:cNvPr id="15" name="Connettore a gomito 14">
+            <a:extLst>
+              <a:ext uri="{FF2B5EF4-FFF2-40B4-BE49-F238E27FC236}">
+                <a16:creationId xmlns:a16="http://schemas.microsoft.com/office/drawing/2014/main" id="{DA404E85-16BB-BEE8-D1C9-14C955D074D7}"/>
+              </a:ext>
+            </a:extLst>
+          </p:cNvPr>
+          <p:cNvCxnSpPr>
+            <a:cxnSpLocks/>
+            <a:stCxn id="6" idx="2"/>
+            <a:endCxn id="14" idx="0"/>
+          </p:cNvCxnSpPr>
+          <p:nvPr/>
+        </p:nvCxnSpPr>
+        <p:spPr>
+          <a:xfrm rot="16200000" flipH="1">
+            <a:off x="3862867" y="3645377"/>
+            <a:ext cx="365781" cy="1"/>
+          </a:xfrm>
+          <a:prstGeom prst="bentConnector3">
+            <a:avLst>
+              <a:gd name="adj1" fmla="val 50000"/>
+            </a:avLst>
+          </a:prstGeom>
+          <a:ln>
+            <a:prstDash val="dash"/>
+            <a:tailEnd type="triangle"/>
+          </a:ln>
+        </p:spPr>
+        <p:style>
+          <a:lnRef idx="2">
+            <a:schemeClr val="accent4"/>
+          </a:lnRef>
+          <a:fillRef idx="0">
+            <a:schemeClr val="accent4"/>
+          </a:fillRef>
+          <a:effectRef idx="1">
+            <a:schemeClr val="accent4"/>
+          </a:effectRef>
+          <a:fontRef idx="minor">
+            <a:schemeClr val="tx1"/>
+          </a:fontRef>
+        </p:style>
+      </p:cxnSp>
+      <p:sp>
+        <p:nvSpPr>
+          <p:cNvPr id="18" name="Rettangolo con angoli arrotondati 17">
+            <a:extLst>
+              <a:ext uri="{FF2B5EF4-FFF2-40B4-BE49-F238E27FC236}">
+                <a16:creationId xmlns:a16="http://schemas.microsoft.com/office/drawing/2014/main" id="{53660A43-0791-5A21-F9B3-348E80A5DB07}"/>
+              </a:ext>
+            </a:extLst>
+          </p:cNvPr>
+          <p:cNvSpPr/>
+          <p:nvPr/>
+        </p:nvSpPr>
+        <p:spPr>
+          <a:xfrm>
+            <a:off x="3229757" y="1779089"/>
+            <a:ext cx="1632000" cy="624000"/>
+          </a:xfrm>
+          <a:prstGeom prst="roundRect">
+            <a:avLst/>
+          </a:prstGeom>
+          <a:ln>
+            <a:prstDash val="sysDash"/>
+            <a:headEnd type="none" w="med" len="med"/>
+            <a:tailEnd type="none" w="med" len="med"/>
+          </a:ln>
+        </p:spPr>
+        <p:style>
+          <a:lnRef idx="2">
+            <a:schemeClr val="accent6"/>
+          </a:lnRef>
+          <a:fillRef idx="1">
+            <a:schemeClr val="lt1"/>
+          </a:fillRef>
+          <a:effectRef idx="0">
+            <a:schemeClr val="accent6"/>
+          </a:effectRef>
+          <a:fontRef idx="minor">
+            <a:schemeClr val="dk1"/>
+          </a:fontRef>
+        </p:style>
+        <p:txBody>
+          <a:bodyPr lIns="121920" tIns="60960" rIns="121920" bIns="60960" rtlCol="0" anchor="ctr"/>
+          <a:lstStyle/>
+          <a:p>
+            <a:pPr algn="ctr"/>
+            <a:r>
+              <a:rPr lang="en-US" sz="1200" b="1"/>
+              <a:t>Global FHIR Profiles</a:t>
+            </a:r>
+          </a:p>
+        </p:txBody>
+      </p:sp>
+      <p:sp>
+        <p:nvSpPr>
+          <p:cNvPr id="20" name="Rettangolo ad angolo ripiegato 19">
+            <a:extLst>
+              <a:ext uri="{FF2B5EF4-FFF2-40B4-BE49-F238E27FC236}">
+                <a16:creationId xmlns:a16="http://schemas.microsoft.com/office/drawing/2014/main" id="{9DAD4945-00B0-E65C-BB6C-04727C204A40}"/>
+              </a:ext>
+            </a:extLst>
+          </p:cNvPr>
+          <p:cNvSpPr/>
+          <p:nvPr/>
+        </p:nvSpPr>
+        <p:spPr>
+          <a:xfrm>
+            <a:off x="421699" y="1606851"/>
+            <a:ext cx="1831973" cy="626007"/>
+          </a:xfrm>
+          <a:prstGeom prst="foldedCorner">
+            <a:avLst/>
+          </a:prstGeom>
+        </p:spPr>
+        <p:style>
+          <a:lnRef idx="2">
+            <a:schemeClr val="accent6">
+              <a:shade val="50000"/>
+            </a:schemeClr>
+          </a:lnRef>
+          <a:fillRef idx="1">
+            <a:schemeClr val="accent6"/>
+          </a:fillRef>
+          <a:effectRef idx="0">
+            <a:schemeClr val="accent6"/>
+          </a:effectRef>
+          <a:fontRef idx="minor">
+            <a:schemeClr val="lt1"/>
+          </a:fontRef>
+        </p:style>
+        <p:txBody>
+          <a:bodyPr bIns="0" rtlCol="0" anchor="ctr" anchorCtr="0"/>
+          <a:lstStyle/>
+          <a:p>
+            <a:r>
+              <a:rPr lang="en-US" sz="1400" b="1"/>
+              <a:t>Global / EU Standard</a:t>
+            </a:r>
+          </a:p>
+        </p:txBody>
+      </p:sp>
+      <p:sp>
+        <p:nvSpPr>
+          <p:cNvPr id="21" name="Rettangolo ad angolo ripiegato 20">
+            <a:extLst>
+              <a:ext uri="{FF2B5EF4-FFF2-40B4-BE49-F238E27FC236}">
+                <a16:creationId xmlns:a16="http://schemas.microsoft.com/office/drawing/2014/main" id="{94EE94F4-4C0A-0662-1DA8-2A6D9F8B2078}"/>
+              </a:ext>
+            </a:extLst>
+          </p:cNvPr>
+          <p:cNvSpPr/>
+          <p:nvPr/>
+        </p:nvSpPr>
+        <p:spPr>
+          <a:xfrm>
+            <a:off x="9744834" y="4895185"/>
+            <a:ext cx="1165228" cy="470967"/>
+          </a:xfrm>
+          <a:prstGeom prst="foldedCorner">
+            <a:avLst/>
+          </a:prstGeom>
+        </p:spPr>
+        <p:style>
+          <a:lnRef idx="2">
+            <a:schemeClr val="accent3">
+              <a:shade val="50000"/>
+            </a:schemeClr>
+          </a:lnRef>
+          <a:fillRef idx="1">
+            <a:schemeClr val="accent3"/>
+          </a:fillRef>
+          <a:effectRef idx="0">
+            <a:schemeClr val="accent3"/>
+          </a:effectRef>
+          <a:fontRef idx="minor">
+            <a:schemeClr val="lt1"/>
+          </a:fontRef>
+        </p:style>
+        <p:txBody>
+          <a:bodyPr rtlCol="0" anchor="ctr"/>
+          <a:lstStyle/>
+          <a:p>
+            <a:r>
+              <a:rPr lang="en-US" sz="1400" b="1"/>
+              <a:t>National</a:t>
+            </a:r>
+          </a:p>
+        </p:txBody>
+      </p:sp>
+      <p:pic>
+        <p:nvPicPr>
+          <p:cNvPr id="22" name="Immagine 21">
+            <a:extLst>
+              <a:ext uri="{FF2B5EF4-FFF2-40B4-BE49-F238E27FC236}">
+                <a16:creationId xmlns:a16="http://schemas.microsoft.com/office/drawing/2014/main" id="{49E5A02D-502B-7AC2-62BD-337C35965B44}"/>
+              </a:ext>
+            </a:extLst>
+          </p:cNvPr>
+          <p:cNvPicPr>
+            <a:picLocks noChangeAspect="1"/>
+          </p:cNvPicPr>
+          <p:nvPr/>
+        </p:nvPicPr>
+        <p:blipFill>
+          <a:blip r:embed="rId2"/>
+          <a:stretch>
+            <a:fillRect/>
+          </a:stretch>
+        </p:blipFill>
+        <p:spPr>
+          <a:xfrm>
+            <a:off x="9479413" y="1622677"/>
+            <a:ext cx="1571371" cy="1560824"/>
+          </a:xfrm>
+          <a:prstGeom prst="rect">
+            <a:avLst/>
+          </a:prstGeom>
+        </p:spPr>
+      </p:pic>
+      <p:sp>
+        <p:nvSpPr>
+          <p:cNvPr id="31" name="Rettangolo con angoli arrotondati 30">
+            <a:extLst>
+              <a:ext uri="{FF2B5EF4-FFF2-40B4-BE49-F238E27FC236}">
+                <a16:creationId xmlns:a16="http://schemas.microsoft.com/office/drawing/2014/main" id="{13300A31-1053-6C22-25BF-1D88BADD0AB4}"/>
+              </a:ext>
+            </a:extLst>
+          </p:cNvPr>
+          <p:cNvSpPr/>
+          <p:nvPr/>
+        </p:nvSpPr>
+        <p:spPr>
+          <a:xfrm>
+            <a:off x="9511448" y="4006147"/>
+            <a:ext cx="1632000" cy="624000"/>
+          </a:xfrm>
+          <a:prstGeom prst="roundRect">
+            <a:avLst/>
+          </a:prstGeom>
+          <a:ln>
+            <a:headEnd type="none" w="med" len="med"/>
+            <a:tailEnd type="none" w="med" len="med"/>
+          </a:ln>
+        </p:spPr>
+        <p:style>
+          <a:lnRef idx="2">
+            <a:schemeClr val="accent3"/>
+          </a:lnRef>
+          <a:fillRef idx="1">
+            <a:schemeClr val="lt1"/>
+          </a:fillRef>
+          <a:effectRef idx="0">
+            <a:schemeClr val="accent3"/>
+          </a:effectRef>
+          <a:fontRef idx="minor">
+            <a:schemeClr val="dk1"/>
+          </a:fontRef>
+        </p:style>
+        <p:txBody>
+          <a:bodyPr lIns="121920" tIns="60960" rIns="121920" bIns="60960" rtlCol="0" anchor="ctr"/>
+          <a:lstStyle/>
+          <a:p>
+            <a:pPr algn="ctr"/>
+            <a:r>
+              <a:rPr lang="en-US" sz="1200" b="1"/>
+              <a:t>National FHIR Profile</a:t>
+            </a:r>
+          </a:p>
+        </p:txBody>
+      </p:sp>
+      <p:sp>
+        <p:nvSpPr>
+          <p:cNvPr id="36" name="Rettangolo ad angolo ripiegato 35">
+            <a:extLst>
+              <a:ext uri="{FF2B5EF4-FFF2-40B4-BE49-F238E27FC236}">
+                <a16:creationId xmlns:a16="http://schemas.microsoft.com/office/drawing/2014/main" id="{DE6C6976-D913-E65A-EBA9-40BA96C466E2}"/>
+              </a:ext>
+            </a:extLst>
+          </p:cNvPr>
+          <p:cNvSpPr/>
+          <p:nvPr/>
+        </p:nvSpPr>
+        <p:spPr>
+          <a:xfrm>
+            <a:off x="379379" y="4140222"/>
+            <a:ext cx="1831975" cy="470967"/>
+          </a:xfrm>
+          <a:prstGeom prst="foldedCorner">
+            <a:avLst/>
+          </a:prstGeom>
+        </p:spPr>
+        <p:style>
+          <a:lnRef idx="2">
+            <a:schemeClr val="accent4">
+              <a:shade val="50000"/>
+            </a:schemeClr>
+          </a:lnRef>
+          <a:fillRef idx="1">
+            <a:schemeClr val="accent4"/>
+          </a:fillRef>
+          <a:effectRef idx="0">
+            <a:schemeClr val="accent4"/>
+          </a:effectRef>
+          <a:fontRef idx="minor">
+            <a:schemeClr val="lt1"/>
+          </a:fontRef>
+        </p:style>
+        <p:txBody>
+          <a:bodyPr rtlCol="0" anchor="ctr"/>
+          <a:lstStyle/>
+          <a:p>
+            <a:r>
+              <a:rPr lang="en-US" sz="1200" b="1"/>
+              <a:t>EHDS/</a:t>
+            </a:r>
+            <a:r>
+              <a:rPr lang="en-US" sz="1200" b="1" err="1"/>
+              <a:t>MyHealth@EU</a:t>
+            </a:r>
+            <a:endParaRPr lang="en-US" sz="1200" b="1"/>
+          </a:p>
+        </p:txBody>
+      </p:sp>
+      <p:sp>
+        <p:nvSpPr>
+          <p:cNvPr id="37" name="Rettangolo ad angolo ripiegato 36">
+            <a:extLst>
+              <a:ext uri="{FF2B5EF4-FFF2-40B4-BE49-F238E27FC236}">
+                <a16:creationId xmlns:a16="http://schemas.microsoft.com/office/drawing/2014/main" id="{55780AAD-120E-EDB2-AF3C-86BBDBE6E754}"/>
+              </a:ext>
+            </a:extLst>
+          </p:cNvPr>
+          <p:cNvSpPr/>
+          <p:nvPr/>
+        </p:nvSpPr>
+        <p:spPr>
+          <a:xfrm>
+            <a:off x="466706" y="5213301"/>
+            <a:ext cx="1573423" cy="574803"/>
+          </a:xfrm>
+          <a:prstGeom prst="foldedCorner">
+            <a:avLst/>
+          </a:prstGeom>
+        </p:spPr>
+        <p:style>
+          <a:lnRef idx="2">
+            <a:schemeClr val="accent1">
+              <a:shade val="50000"/>
+            </a:schemeClr>
+          </a:lnRef>
+          <a:fillRef idx="1">
+            <a:schemeClr val="accent1"/>
+          </a:fillRef>
+          <a:effectRef idx="0">
+            <a:schemeClr val="accent1"/>
+          </a:effectRef>
+          <a:fontRef idx="minor">
+            <a:schemeClr val="lt1"/>
+          </a:fontRef>
+        </p:style>
+        <p:txBody>
+          <a:bodyPr rtlCol="0" anchor="ctr"/>
+          <a:lstStyle/>
+          <a:p>
+            <a:r>
+              <a:rPr lang="en-US" sz="1400" b="1"/>
+              <a:t>Supporting EU Project</a:t>
+            </a:r>
+          </a:p>
+        </p:txBody>
+      </p:sp>
+      <p:sp>
+        <p:nvSpPr>
+          <p:cNvPr id="43" name="Rettangolo con angoli arrotondati 42">
+            <a:extLst>
+              <a:ext uri="{FF2B5EF4-FFF2-40B4-BE49-F238E27FC236}">
+                <a16:creationId xmlns:a16="http://schemas.microsoft.com/office/drawing/2014/main" id="{42D1C07B-7C71-CD77-8E7A-4DE731704233}"/>
+              </a:ext>
+            </a:extLst>
+          </p:cNvPr>
+          <p:cNvSpPr/>
+          <p:nvPr/>
+        </p:nvSpPr>
+        <p:spPr>
+          <a:xfrm>
+            <a:off x="3229757" y="5222188"/>
+            <a:ext cx="1632000" cy="624000"/>
+          </a:xfrm>
+          <a:prstGeom prst="roundRect">
+            <a:avLst/>
+          </a:prstGeom>
+          <a:noFill/>
+          <a:ln w="28575" cap="flat" cmpd="sng" algn="ctr">
+            <a:solidFill>
+              <a:schemeClr val="accent1"/>
+            </a:solidFill>
+            <a:prstDash val="sysDash"/>
+            <a:round/>
+            <a:headEnd type="none" w="med" len="med"/>
+            <a:tailEnd type="none" w="med" len="med"/>
+          </a:ln>
+        </p:spPr>
+        <p:style>
+          <a:lnRef idx="0">
+            <a:scrgbClr r="0" g="0" b="0"/>
+          </a:lnRef>
+          <a:fillRef idx="0">
+            <a:scrgbClr r="0" g="0" b="0"/>
+          </a:fillRef>
+          <a:effectRef idx="0">
+            <a:scrgbClr r="0" g="0" b="0"/>
+          </a:effectRef>
+          <a:fontRef idx="minor">
+            <a:schemeClr val="accent1"/>
+          </a:fontRef>
+        </p:style>
+        <p:txBody>
+          <a:bodyPr rtlCol="0" anchor="ctr"/>
+          <a:lstStyle/>
+          <a:p>
+            <a:pPr algn="ctr"/>
+            <a:r>
+              <a:rPr lang="en-US" sz="1200" b="1"/>
+              <a:t>Project A FHIR IG</a:t>
+            </a:r>
+          </a:p>
+        </p:txBody>
+      </p:sp>
+      <p:cxnSp>
+        <p:nvCxnSpPr>
+          <p:cNvPr id="46" name="Connettore 2 45">
+            <a:extLst>
+              <a:ext uri="{FF2B5EF4-FFF2-40B4-BE49-F238E27FC236}">
+                <a16:creationId xmlns:a16="http://schemas.microsoft.com/office/drawing/2014/main" id="{74A3E422-ED4E-97ED-43A6-13BC4BA50B32}"/>
+              </a:ext>
+            </a:extLst>
+          </p:cNvPr>
+          <p:cNvCxnSpPr>
+            <a:cxnSpLocks/>
+            <a:stCxn id="6" idx="2"/>
+            <a:endCxn id="9" idx="0"/>
+          </p:cNvCxnSpPr>
+          <p:nvPr/>
+        </p:nvCxnSpPr>
+        <p:spPr>
+          <a:xfrm>
+            <a:off x="4045758" y="3462487"/>
+            <a:ext cx="467633" cy="747397"/>
+          </a:xfrm>
+          <a:prstGeom prst="straightConnector1">
+            <a:avLst/>
+          </a:prstGeom>
+          <a:ln>
+            <a:prstDash val="dash"/>
+            <a:tailEnd type="triangle"/>
+          </a:ln>
+        </p:spPr>
+        <p:style>
+          <a:lnRef idx="2">
+            <a:schemeClr val="accent4"/>
+          </a:lnRef>
+          <a:fillRef idx="0">
+            <a:schemeClr val="accent4"/>
+          </a:fillRef>
+          <a:effectRef idx="1">
+            <a:schemeClr val="accent4"/>
+          </a:effectRef>
+          <a:fontRef idx="minor">
+            <a:schemeClr val="tx1"/>
+          </a:fontRef>
+        </p:style>
+      </p:cxnSp>
+      <p:cxnSp>
+        <p:nvCxnSpPr>
+          <p:cNvPr id="48" name="Connettore 2 47">
+            <a:extLst>
+              <a:ext uri="{FF2B5EF4-FFF2-40B4-BE49-F238E27FC236}">
+                <a16:creationId xmlns:a16="http://schemas.microsoft.com/office/drawing/2014/main" id="{4EA46D40-7082-39BA-F151-FEE91BF6A67D}"/>
+              </a:ext>
+            </a:extLst>
+          </p:cNvPr>
+          <p:cNvCxnSpPr>
+            <a:cxnSpLocks/>
+            <a:stCxn id="9" idx="3"/>
+          </p:cNvCxnSpPr>
+          <p:nvPr/>
+        </p:nvCxnSpPr>
+        <p:spPr>
+          <a:xfrm>
+            <a:off x="5200811" y="4490146"/>
+            <a:ext cx="652493" cy="732044"/>
+          </a:xfrm>
+          <a:prstGeom prst="bentConnector2">
+            <a:avLst/>
+          </a:prstGeom>
+          <a:ln>
+            <a:tailEnd type="triangle"/>
+          </a:ln>
+        </p:spPr>
+        <p:style>
+          <a:lnRef idx="2">
+            <a:schemeClr val="accent1"/>
+          </a:lnRef>
+          <a:fillRef idx="0">
+            <a:schemeClr val="accent1"/>
+          </a:fillRef>
+          <a:effectRef idx="1">
+            <a:schemeClr val="accent1"/>
+          </a:effectRef>
+          <a:fontRef idx="minor">
+            <a:schemeClr val="tx1"/>
+          </a:fontRef>
+        </p:style>
+      </p:cxnSp>
+      <p:cxnSp>
+        <p:nvCxnSpPr>
+          <p:cNvPr id="50" name="Connettore a gomito 49">
+            <a:extLst>
+              <a:ext uri="{FF2B5EF4-FFF2-40B4-BE49-F238E27FC236}">
+                <a16:creationId xmlns:a16="http://schemas.microsoft.com/office/drawing/2014/main" id="{9AA768FB-0CA3-772F-6A48-67311A645C11}"/>
+              </a:ext>
+            </a:extLst>
+          </p:cNvPr>
+          <p:cNvCxnSpPr>
+            <a:cxnSpLocks/>
+            <a:stCxn id="6" idx="3"/>
+            <a:endCxn id="10" idx="0"/>
+          </p:cNvCxnSpPr>
+          <p:nvPr/>
+        </p:nvCxnSpPr>
+        <p:spPr>
+          <a:xfrm>
+            <a:off x="4861759" y="3150487"/>
+            <a:ext cx="3570995" cy="855660"/>
+          </a:xfrm>
+          <a:prstGeom prst="bentConnector2">
+            <a:avLst/>
+          </a:prstGeom>
+          <a:ln>
+            <a:prstDash val="dash"/>
+            <a:tailEnd type="triangle"/>
+          </a:ln>
+        </p:spPr>
+        <p:style>
+          <a:lnRef idx="2">
+            <a:schemeClr val="accent3"/>
+          </a:lnRef>
+          <a:fillRef idx="0">
+            <a:schemeClr val="accent3"/>
+          </a:fillRef>
+          <a:effectRef idx="1">
+            <a:schemeClr val="accent3"/>
+          </a:effectRef>
+          <a:fontRef idx="minor">
+            <a:schemeClr val="tx1"/>
+          </a:fontRef>
+        </p:style>
+      </p:cxnSp>
+      <p:cxnSp>
+        <p:nvCxnSpPr>
+          <p:cNvPr id="52" name="Connettore 2 51">
+            <a:extLst>
+              <a:ext uri="{FF2B5EF4-FFF2-40B4-BE49-F238E27FC236}">
+                <a16:creationId xmlns:a16="http://schemas.microsoft.com/office/drawing/2014/main" id="{CC6501CD-4B33-71EA-5999-F2D6D4290ED6}"/>
+              </a:ext>
+            </a:extLst>
+          </p:cNvPr>
+          <p:cNvCxnSpPr>
+            <a:cxnSpLocks/>
+          </p:cNvCxnSpPr>
+          <p:nvPr/>
+        </p:nvCxnSpPr>
+        <p:spPr>
+          <a:xfrm flipH="1">
+            <a:off x="9248752" y="4318147"/>
+            <a:ext cx="262696" cy="0"/>
+          </a:xfrm>
+          <a:prstGeom prst="straightConnector1">
+            <a:avLst/>
+          </a:prstGeom>
+          <a:ln>
+            <a:tailEnd type="triangle"/>
+          </a:ln>
+        </p:spPr>
+        <p:style>
+          <a:lnRef idx="2">
+            <a:schemeClr val="accent3"/>
+          </a:lnRef>
+          <a:fillRef idx="0">
+            <a:schemeClr val="accent3"/>
+          </a:fillRef>
+          <a:effectRef idx="1">
+            <a:schemeClr val="accent3"/>
+          </a:effectRef>
+          <a:fontRef idx="minor">
+            <a:schemeClr val="tx1"/>
+          </a:fontRef>
+        </p:style>
+      </p:cxnSp>
+      <p:sp>
+        <p:nvSpPr>
+          <p:cNvPr id="65" name="Freccia a sinistra 64">
+            <a:extLst>
+              <a:ext uri="{FF2B5EF4-FFF2-40B4-BE49-F238E27FC236}">
+                <a16:creationId xmlns:a16="http://schemas.microsoft.com/office/drawing/2014/main" id="{98926F3C-4F25-CB7B-D795-BFBD29E0DDCD}"/>
+              </a:ext>
+            </a:extLst>
+          </p:cNvPr>
+          <p:cNvSpPr/>
+          <p:nvPr/>
+        </p:nvSpPr>
+        <p:spPr>
+          <a:xfrm>
+            <a:off x="6832811" y="4114223"/>
+            <a:ext cx="529984" cy="407851"/>
+          </a:xfrm>
+          <a:custGeom>
+            <a:avLst/>
+            <a:gdLst>
+              <a:gd name="connsiteX0" fmla="*/ 0 w 529984"/>
+              <a:gd name="connsiteY0" fmla="*/ 203926 h 407851"/>
+              <a:gd name="connsiteX1" fmla="*/ 203926 w 529984"/>
+              <a:gd name="connsiteY1" fmla="*/ 0 h 407851"/>
+              <a:gd name="connsiteX2" fmla="*/ 203926 w 529984"/>
+              <a:gd name="connsiteY2" fmla="*/ 101963 h 407851"/>
+              <a:gd name="connsiteX3" fmla="*/ 529984 w 529984"/>
+              <a:gd name="connsiteY3" fmla="*/ 101963 h 407851"/>
+              <a:gd name="connsiteX4" fmla="*/ 529984 w 529984"/>
+              <a:gd name="connsiteY4" fmla="*/ 305888 h 407851"/>
+              <a:gd name="connsiteX5" fmla="*/ 203926 w 529984"/>
+              <a:gd name="connsiteY5" fmla="*/ 305888 h 407851"/>
+              <a:gd name="connsiteX6" fmla="*/ 203926 w 529984"/>
+              <a:gd name="connsiteY6" fmla="*/ 407851 h 407851"/>
+              <a:gd name="connsiteX7" fmla="*/ 0 w 529984"/>
+              <a:gd name="connsiteY7" fmla="*/ 203926 h 407851"/>
+            </a:gdLst>
+            <a:ahLst/>
+            <a:cxnLst>
+              <a:cxn ang="0">
+                <a:pos x="connsiteX0" y="connsiteY0"/>
+              </a:cxn>
+              <a:cxn ang="0">
+                <a:pos x="connsiteX1" y="connsiteY1"/>
+              </a:cxn>
+              <a:cxn ang="0">
+                <a:pos x="connsiteX2" y="connsiteY2"/>
+              </a:cxn>
+              <a:cxn ang="0">
+                <a:pos x="connsiteX3" y="connsiteY3"/>
+              </a:cxn>
+              <a:cxn ang="0">
+                <a:pos x="connsiteX4" y="connsiteY4"/>
+              </a:cxn>
+              <a:cxn ang="0">
+                <a:pos x="connsiteX5" y="connsiteY5"/>
+              </a:cxn>
+              <a:cxn ang="0">
+                <a:pos x="connsiteX6" y="connsiteY6"/>
+              </a:cxn>
+              <a:cxn ang="0">
+                <a:pos x="connsiteX7" y="connsiteY7"/>
+              </a:cxn>
+            </a:cxnLst>
+            <a:rect l="l" t="t" r="r" b="b"/>
+            <a:pathLst>
+              <a:path w="529984" h="407851" extrusionOk="0">
+                <a:moveTo>
+                  <a:pt x="0" y="203926"/>
+                </a:moveTo>
+                <a:cubicBezTo>
+                  <a:pt x="64118" y="131044"/>
+                  <a:pt x="159428" y="77657"/>
+                  <a:pt x="203926" y="0"/>
+                </a:cubicBezTo>
+                <a:cubicBezTo>
+                  <a:pt x="210363" y="20622"/>
+                  <a:pt x="200731" y="62358"/>
+                  <a:pt x="203926" y="101963"/>
+                </a:cubicBezTo>
+                <a:cubicBezTo>
+                  <a:pt x="363518" y="88138"/>
+                  <a:pt x="455244" y="111465"/>
+                  <a:pt x="529984" y="101963"/>
+                </a:cubicBezTo>
+                <a:cubicBezTo>
+                  <a:pt x="532458" y="153132"/>
+                  <a:pt x="513611" y="205745"/>
+                  <a:pt x="529984" y="305888"/>
+                </a:cubicBezTo>
+                <a:cubicBezTo>
+                  <a:pt x="374414" y="320819"/>
+                  <a:pt x="351645" y="284505"/>
+                  <a:pt x="203926" y="305888"/>
+                </a:cubicBezTo>
+                <a:cubicBezTo>
+                  <a:pt x="204840" y="347339"/>
+                  <a:pt x="194810" y="361527"/>
+                  <a:pt x="203926" y="407851"/>
+                </a:cubicBezTo>
+                <a:cubicBezTo>
+                  <a:pt x="94049" y="332207"/>
+                  <a:pt x="62647" y="239127"/>
+                  <a:pt x="0" y="203926"/>
+                </a:cubicBezTo>
+                <a:close/>
+              </a:path>
+            </a:pathLst>
+          </a:custGeom>
+          <a:noFill/>
+          <a:ln w="9525" cap="flat" cmpd="sng" algn="ctr">
+            <a:solidFill>
+              <a:schemeClr val="dk1"/>
+            </a:solidFill>
+            <a:prstDash val="sysDash"/>
+            <a:round/>
+            <a:headEnd type="none" w="med" len="med"/>
+            <a:tailEnd type="none" w="med" len="med"/>
+            <a:extLst>
+              <a:ext uri="{C807C97D-BFC1-408E-A445-0C87EB9F89A2}">
+                <ask:lineSketchStyleProps xmlns:ask="http://schemas.microsoft.com/office/drawing/2018/sketchyshapes" sd="1730249358">
+                  <a:prstGeom prst="leftArrow">
+                    <a:avLst/>
+                  </a:prstGeom>
+                  <ask:type>
+                    <ask:lineSketchScribble/>
+                  </ask:type>
+                </ask:lineSketchStyleProps>
+              </a:ext>
+            </a:extLst>
+          </a:ln>
+        </p:spPr>
+        <p:style>
+          <a:lnRef idx="0">
+            <a:scrgbClr r="0" g="0" b="0"/>
+          </a:lnRef>
+          <a:fillRef idx="0">
+            <a:scrgbClr r="0" g="0" b="0"/>
+          </a:fillRef>
+          <a:effectRef idx="0">
+            <a:scrgbClr r="0" g="0" b="0"/>
+          </a:effectRef>
+          <a:fontRef idx="minor">
+            <a:schemeClr val="dk1"/>
+          </a:fontRef>
+        </p:style>
+        <p:txBody>
+          <a:bodyPr rtlCol="0" anchor="ctr"/>
+          <a:lstStyle/>
+          <a:p>
+            <a:pPr algn="ctr"/>
+            <a:endParaRPr lang="en-US" sz="2400"/>
+          </a:p>
+        </p:txBody>
+      </p:sp>
+      <p:cxnSp>
+        <p:nvCxnSpPr>
+          <p:cNvPr id="8" name="Connettore 2 7">
+            <a:extLst>
+              <a:ext uri="{FF2B5EF4-FFF2-40B4-BE49-F238E27FC236}">
+                <a16:creationId xmlns:a16="http://schemas.microsoft.com/office/drawing/2014/main" id="{ACD8C768-DF0B-B929-33C8-63FB5BE39B09}"/>
+              </a:ext>
+            </a:extLst>
+          </p:cNvPr>
+          <p:cNvCxnSpPr>
+            <a:stCxn id="18" idx="2"/>
+            <a:endCxn id="6" idx="0"/>
+          </p:cNvCxnSpPr>
+          <p:nvPr/>
+        </p:nvCxnSpPr>
+        <p:spPr>
+          <a:xfrm>
+            <a:off x="4045757" y="2403091"/>
+            <a:ext cx="0" cy="435397"/>
+          </a:xfrm>
+          <a:prstGeom prst="straightConnector1">
+            <a:avLst/>
+          </a:prstGeom>
+          <a:ln>
+            <a:prstDash val="dash"/>
+            <a:tailEnd type="triangle"/>
+          </a:ln>
+        </p:spPr>
+        <p:style>
+          <a:lnRef idx="2">
+            <a:schemeClr val="accent6"/>
+          </a:lnRef>
+          <a:fillRef idx="0">
+            <a:schemeClr val="accent6"/>
+          </a:fillRef>
+          <a:effectRef idx="1">
+            <a:schemeClr val="accent6"/>
+          </a:effectRef>
+          <a:fontRef idx="minor">
+            <a:schemeClr val="tx1"/>
+          </a:fontRef>
+        </p:style>
+      </p:cxnSp>
+      <p:sp>
+        <p:nvSpPr>
+          <p:cNvPr id="3" name="Freccia circolare a sinistra 2">
+            <a:extLst>
+              <a:ext uri="{FF2B5EF4-FFF2-40B4-BE49-F238E27FC236}">
+                <a16:creationId xmlns:a16="http://schemas.microsoft.com/office/drawing/2014/main" id="{67473631-24BD-C983-3F0F-5137E8D15A30}"/>
+              </a:ext>
+            </a:extLst>
+          </p:cNvPr>
+          <p:cNvSpPr/>
+          <p:nvPr/>
+        </p:nvSpPr>
+        <p:spPr bwMode="auto">
+          <a:xfrm rot="10800000">
+            <a:off x="2739821" y="2179376"/>
+            <a:ext cx="376092" cy="907200"/>
+          </a:xfrm>
+          <a:custGeom>
+            <a:avLst/>
+            <a:gdLst>
+              <a:gd name="connsiteX0" fmla="*/ 0 w 376092"/>
+              <a:gd name="connsiteY0" fmla="*/ 813177 h 907200"/>
+              <a:gd name="connsiteX1" fmla="*/ 94023 w 376092"/>
+              <a:gd name="connsiteY1" fmla="*/ 706990 h 907200"/>
+              <a:gd name="connsiteX2" fmla="*/ 94023 w 376092"/>
+              <a:gd name="connsiteY2" fmla="*/ 754001 h 907200"/>
+              <a:gd name="connsiteX3" fmla="*/ 373249 w 376092"/>
+              <a:gd name="connsiteY3" fmla="*/ 430094 h 907200"/>
+              <a:gd name="connsiteX4" fmla="*/ 94023 w 376092"/>
+              <a:gd name="connsiteY4" fmla="*/ 848024 h 907200"/>
+              <a:gd name="connsiteX5" fmla="*/ 94023 w 376092"/>
+              <a:gd name="connsiteY5" fmla="*/ 895036 h 907200"/>
+              <a:gd name="connsiteX6" fmla="*/ 0 w 376092"/>
+              <a:gd name="connsiteY6" fmla="*/ 813177 h 907200"/>
+              <a:gd name="connsiteX0" fmla="*/ 376092 w 376092"/>
+              <a:gd name="connsiteY0" fmla="*/ 477106 h 907200"/>
+              <a:gd name="connsiteX1" fmla="*/ 0 w 376092"/>
+              <a:gd name="connsiteY1" fmla="*/ 94023 h 907200"/>
+              <a:gd name="connsiteX2" fmla="*/ 0 w 376092"/>
+              <a:gd name="connsiteY2" fmla="*/ 0 h 907200"/>
+              <a:gd name="connsiteX3" fmla="*/ 376092 w 376092"/>
+              <a:gd name="connsiteY3" fmla="*/ 383083 h 907200"/>
+              <a:gd name="connsiteX4" fmla="*/ 376092 w 376092"/>
+              <a:gd name="connsiteY4" fmla="*/ 477106 h 907200"/>
+              <a:gd name="connsiteX0" fmla="*/ 376092 w 376092"/>
+              <a:gd name="connsiteY0" fmla="*/ 477106 h 907200"/>
+              <a:gd name="connsiteX1" fmla="*/ 0 w 376092"/>
+              <a:gd name="connsiteY1" fmla="*/ 94023 h 907200"/>
+              <a:gd name="connsiteX2" fmla="*/ 0 w 376092"/>
+              <a:gd name="connsiteY2" fmla="*/ 0 h 907200"/>
+              <a:gd name="connsiteX3" fmla="*/ 376092 w 376092"/>
+              <a:gd name="connsiteY3" fmla="*/ 383083 h 907200"/>
+              <a:gd name="connsiteX4" fmla="*/ 376092 w 376092"/>
+              <a:gd name="connsiteY4" fmla="*/ 477106 h 907200"/>
+              <a:gd name="connsiteX5" fmla="*/ 94023 w 376092"/>
+              <a:gd name="connsiteY5" fmla="*/ 848025 h 907200"/>
+              <a:gd name="connsiteX6" fmla="*/ 94023 w 376092"/>
+              <a:gd name="connsiteY6" fmla="*/ 895036 h 907200"/>
+              <a:gd name="connsiteX7" fmla="*/ 0 w 376092"/>
+              <a:gd name="connsiteY7" fmla="*/ 813177 h 907200"/>
+              <a:gd name="connsiteX8" fmla="*/ 94023 w 376092"/>
+              <a:gd name="connsiteY8" fmla="*/ 706990 h 907200"/>
+              <a:gd name="connsiteX9" fmla="*/ 94023 w 376092"/>
+              <a:gd name="connsiteY9" fmla="*/ 754001 h 907200"/>
+              <a:gd name="connsiteX10" fmla="*/ 373249 w 376092"/>
+              <a:gd name="connsiteY10" fmla="*/ 430094 h 907200"/>
+            </a:gdLst>
+            <a:ahLst/>
+            <a:cxnLst>
+              <a:cxn ang="0">
+                <a:pos x="connsiteX0" y="connsiteY0"/>
+              </a:cxn>
+              <a:cxn ang="0">
+                <a:pos x="connsiteX1" y="connsiteY1"/>
+              </a:cxn>
+              <a:cxn ang="0">
+                <a:pos x="connsiteX2" y="connsiteY2"/>
+              </a:cxn>
+              <a:cxn ang="0">
+                <a:pos x="connsiteX3" y="connsiteY3"/>
+              </a:cxn>
+              <a:cxn ang="0">
+                <a:pos x="connsiteX4" y="connsiteY4"/>
+              </a:cxn>
+              <a:cxn ang="0">
+                <a:pos x="connsiteX5" y="connsiteY5"/>
+              </a:cxn>
+              <a:cxn ang="0">
+                <a:pos x="connsiteX6" y="connsiteY6"/>
+              </a:cxn>
+              <a:cxn ang="0">
+                <a:pos x="connsiteX7" y="connsiteY7"/>
+              </a:cxn>
+              <a:cxn ang="0">
+                <a:pos x="connsiteX8" y="connsiteY8"/>
+              </a:cxn>
+              <a:cxn ang="0">
+                <a:pos x="connsiteX9" y="connsiteY9"/>
+              </a:cxn>
+              <a:cxn ang="0">
+                <a:pos x="connsiteX10" y="connsiteY10"/>
+              </a:cxn>
+            </a:cxnLst>
+            <a:rect l="l" t="t" r="r" b="b"/>
+            <a:pathLst>
+              <a:path w="376092" h="907200" stroke="0" extrusionOk="0">
+                <a:moveTo>
+                  <a:pt x="0" y="813177"/>
+                </a:moveTo>
+                <a:cubicBezTo>
+                  <a:pt x="23240" y="791297"/>
+                  <a:pt x="47883" y="754520"/>
+                  <a:pt x="94023" y="706990"/>
+                </a:cubicBezTo>
+                <a:cubicBezTo>
+                  <a:pt x="96080" y="727412"/>
+                  <a:pt x="96172" y="744342"/>
+                  <a:pt x="94023" y="754001"/>
+                </a:cubicBezTo>
+                <a:cubicBezTo>
+                  <a:pt x="-60654" y="798989"/>
+                  <a:pt x="396396" y="260370"/>
+                  <a:pt x="373249" y="430094"/>
+                </a:cubicBezTo>
+                <a:cubicBezTo>
+                  <a:pt x="416277" y="606472"/>
+                  <a:pt x="270099" y="758466"/>
+                  <a:pt x="94023" y="848024"/>
+                </a:cubicBezTo>
+                <a:cubicBezTo>
+                  <a:pt x="94954" y="860160"/>
+                  <a:pt x="94723" y="882603"/>
+                  <a:pt x="94023" y="895036"/>
+                </a:cubicBezTo>
+                <a:cubicBezTo>
+                  <a:pt x="57500" y="864319"/>
+                  <a:pt x="46482" y="848948"/>
+                  <a:pt x="0" y="813177"/>
+                </a:cubicBezTo>
+                <a:close/>
+              </a:path>
+              <a:path w="376092" h="907200" fill="darkenLess" stroke="0" extrusionOk="0">
+                <a:moveTo>
+                  <a:pt x="376092" y="477106"/>
+                </a:moveTo>
+                <a:cubicBezTo>
+                  <a:pt x="329135" y="685998"/>
+                  <a:pt x="-232799" y="82739"/>
+                  <a:pt x="0" y="94023"/>
+                </a:cubicBezTo>
+                <a:cubicBezTo>
+                  <a:pt x="-2875" y="63239"/>
+                  <a:pt x="1805" y="32419"/>
+                  <a:pt x="0" y="0"/>
+                </a:cubicBezTo>
+                <a:cubicBezTo>
+                  <a:pt x="216835" y="-30476"/>
+                  <a:pt x="417590" y="199247"/>
+                  <a:pt x="376092" y="383083"/>
+                </a:cubicBezTo>
+                <a:cubicBezTo>
+                  <a:pt x="380047" y="410926"/>
+                  <a:pt x="379085" y="444757"/>
+                  <a:pt x="376092" y="477106"/>
+                </a:cubicBezTo>
+                <a:close/>
+              </a:path>
+              <a:path w="376092" h="907200" fill="none" extrusionOk="0">
+                <a:moveTo>
+                  <a:pt x="376092" y="477106"/>
+                </a:moveTo>
+                <a:cubicBezTo>
+                  <a:pt x="366481" y="675515"/>
+                  <a:pt x="-231435" y="93298"/>
+                  <a:pt x="0" y="94023"/>
+                </a:cubicBezTo>
+                <a:cubicBezTo>
+                  <a:pt x="3572" y="49171"/>
+                  <a:pt x="-2607" y="40662"/>
+                  <a:pt x="0" y="0"/>
+                </a:cubicBezTo>
+                <a:cubicBezTo>
+                  <a:pt x="219830" y="-24726"/>
+                  <a:pt x="380772" y="200011"/>
+                  <a:pt x="376092" y="383083"/>
+                </a:cubicBezTo>
+                <a:cubicBezTo>
+                  <a:pt x="374617" y="409577"/>
+                  <a:pt x="379425" y="449283"/>
+                  <a:pt x="376092" y="477106"/>
+                </a:cubicBezTo>
+                <a:cubicBezTo>
+                  <a:pt x="378512" y="643037"/>
+                  <a:pt x="240488" y="835967"/>
+                  <a:pt x="94023" y="848025"/>
+                </a:cubicBezTo>
+                <a:cubicBezTo>
+                  <a:pt x="92598" y="859549"/>
+                  <a:pt x="96285" y="877392"/>
+                  <a:pt x="94023" y="895036"/>
+                </a:cubicBezTo>
+                <a:cubicBezTo>
+                  <a:pt x="59095" y="857146"/>
+                  <a:pt x="24086" y="827300"/>
+                  <a:pt x="0" y="813177"/>
+                </a:cubicBezTo>
+                <a:cubicBezTo>
+                  <a:pt x="39740" y="771213"/>
+                  <a:pt x="56463" y="741728"/>
+                  <a:pt x="94023" y="706990"/>
+                </a:cubicBezTo>
+                <a:cubicBezTo>
+                  <a:pt x="93429" y="722579"/>
+                  <a:pt x="93155" y="731552"/>
+                  <a:pt x="94023" y="754001"/>
+                </a:cubicBezTo>
+                <a:cubicBezTo>
+                  <a:pt x="-71743" y="817129"/>
+                  <a:pt x="359306" y="282705"/>
+                  <a:pt x="373249" y="430094"/>
+                </a:cubicBezTo>
+              </a:path>
+              <a:path w="376092" h="907200" fill="none" stroke="0" extrusionOk="0">
+                <a:moveTo>
+                  <a:pt x="376092" y="477106"/>
+                </a:moveTo>
+                <a:cubicBezTo>
+                  <a:pt x="332113" y="694220"/>
+                  <a:pt x="-237252" y="76508"/>
+                  <a:pt x="0" y="94023"/>
+                </a:cubicBezTo>
+                <a:cubicBezTo>
+                  <a:pt x="-3470" y="58731"/>
+                  <a:pt x="2251" y="42355"/>
+                  <a:pt x="0" y="0"/>
+                </a:cubicBezTo>
+                <a:cubicBezTo>
+                  <a:pt x="187797" y="-20972"/>
+                  <a:pt x="384909" y="138542"/>
+                  <a:pt x="376092" y="383083"/>
+                </a:cubicBezTo>
+                <a:cubicBezTo>
+                  <a:pt x="371506" y="405930"/>
+                  <a:pt x="379609" y="447505"/>
+                  <a:pt x="376092" y="477106"/>
+                </a:cubicBezTo>
+                <a:cubicBezTo>
+                  <a:pt x="368707" y="636174"/>
+                  <a:pt x="275397" y="790964"/>
+                  <a:pt x="94023" y="848025"/>
+                </a:cubicBezTo>
+                <a:cubicBezTo>
+                  <a:pt x="95068" y="864107"/>
+                  <a:pt x="93146" y="884402"/>
+                  <a:pt x="94023" y="895036"/>
+                </a:cubicBezTo>
+                <a:cubicBezTo>
+                  <a:pt x="54566" y="853834"/>
+                  <a:pt x="28128" y="834201"/>
+                  <a:pt x="0" y="813177"/>
+                </a:cubicBezTo>
+                <a:cubicBezTo>
+                  <a:pt x="23789" y="789605"/>
+                  <a:pt x="50797" y="762930"/>
+                  <a:pt x="94023" y="706990"/>
+                </a:cubicBezTo>
+                <a:cubicBezTo>
+                  <a:pt x="93734" y="729932"/>
+                  <a:pt x="92416" y="738729"/>
+                  <a:pt x="94023" y="754001"/>
+                </a:cubicBezTo>
+                <a:cubicBezTo>
+                  <a:pt x="-59992" y="782400"/>
+                  <a:pt x="397256" y="287311"/>
+                  <a:pt x="373249" y="430094"/>
+                </a:cubicBezTo>
+              </a:path>
+            </a:pathLst>
+          </a:custGeom>
+          <a:solidFill>
+            <a:srgbClr val="63619A"/>
+          </a:solidFill>
+          <a:ln w="9525" cap="flat" cmpd="sng" algn="ctr">
+            <a:noFill/>
+            <a:prstDash val="solid"/>
+            <a:round/>
+            <a:headEnd type="none" w="med" len="med"/>
+            <a:tailEnd type="none" w="med" len="med"/>
+            <a:extLst>
+              <a:ext uri="{C807C97D-BFC1-408E-A445-0C87EB9F89A2}">
+                <ask:lineSketchStyleProps xmlns:ask="http://schemas.microsoft.com/office/drawing/2018/sketchyshapes" sd="3010053579">
+                  <a:prstGeom prst="curvedLeftArrow">
+                    <a:avLst/>
+                  </a:prstGeom>
+                  <ask:type>
+                    <ask:lineSketchFreehand/>
+                  </ask:type>
+                </ask:lineSketchStyleProps>
+              </a:ext>
+            </a:extLst>
+          </a:ln>
+          <a:effectLst/>
+        </p:spPr>
+        <p:txBody>
+          <a:bodyPr vert="horz" wrap="square" lIns="91440" tIns="45720" rIns="91440" bIns="45720" numCol="1" rtlCol="0" anchor="t" anchorCtr="0" compatLnSpc="1">
+            <a:prstTxWarp prst="textNoShape">
+              <a:avLst/>
+            </a:prstTxWarp>
+          </a:bodyPr>
+          <a:lstStyle/>
+          <a:p>
+            <a:pPr defTabSz="914377" eaLnBrk="0" hangingPunct="0"/>
+            <a:endParaRPr lang="en-US">
+              <a:latin typeface="Arial" charset="0"/>
+            </a:endParaRPr>
+          </a:p>
+        </p:txBody>
+      </p:sp>
+      <p:sp>
+        <p:nvSpPr>
+          <p:cNvPr id="11" name="Freccia circolare a sinistra 10">
+            <a:extLst>
+              <a:ext uri="{FF2B5EF4-FFF2-40B4-BE49-F238E27FC236}">
+                <a16:creationId xmlns:a16="http://schemas.microsoft.com/office/drawing/2014/main" id="{C2D0649D-9279-52EE-E150-649291301873}"/>
+              </a:ext>
+            </a:extLst>
+          </p:cNvPr>
+          <p:cNvSpPr/>
+          <p:nvPr/>
+        </p:nvSpPr>
+        <p:spPr bwMode="auto">
+          <a:xfrm rot="12747771">
+            <a:off x="2494851" y="3040527"/>
+            <a:ext cx="376092" cy="907200"/>
+          </a:xfrm>
+          <a:custGeom>
+            <a:avLst/>
+            <a:gdLst>
+              <a:gd name="connsiteX0" fmla="*/ 0 w 376092"/>
+              <a:gd name="connsiteY0" fmla="*/ 813177 h 907200"/>
+              <a:gd name="connsiteX1" fmla="*/ 94023 w 376092"/>
+              <a:gd name="connsiteY1" fmla="*/ 706990 h 907200"/>
+              <a:gd name="connsiteX2" fmla="*/ 94023 w 376092"/>
+              <a:gd name="connsiteY2" fmla="*/ 754001 h 907200"/>
+              <a:gd name="connsiteX3" fmla="*/ 373249 w 376092"/>
+              <a:gd name="connsiteY3" fmla="*/ 430094 h 907200"/>
+              <a:gd name="connsiteX4" fmla="*/ 94023 w 376092"/>
+              <a:gd name="connsiteY4" fmla="*/ 848024 h 907200"/>
+              <a:gd name="connsiteX5" fmla="*/ 94023 w 376092"/>
+              <a:gd name="connsiteY5" fmla="*/ 895036 h 907200"/>
+              <a:gd name="connsiteX6" fmla="*/ 0 w 376092"/>
+              <a:gd name="connsiteY6" fmla="*/ 813177 h 907200"/>
+              <a:gd name="connsiteX0" fmla="*/ 376092 w 376092"/>
+              <a:gd name="connsiteY0" fmla="*/ 477106 h 907200"/>
+              <a:gd name="connsiteX1" fmla="*/ 0 w 376092"/>
+              <a:gd name="connsiteY1" fmla="*/ 94023 h 907200"/>
+              <a:gd name="connsiteX2" fmla="*/ 0 w 376092"/>
+              <a:gd name="connsiteY2" fmla="*/ 0 h 907200"/>
+              <a:gd name="connsiteX3" fmla="*/ 376092 w 376092"/>
+              <a:gd name="connsiteY3" fmla="*/ 383083 h 907200"/>
+              <a:gd name="connsiteX4" fmla="*/ 376092 w 376092"/>
+              <a:gd name="connsiteY4" fmla="*/ 477106 h 907200"/>
+              <a:gd name="connsiteX0" fmla="*/ 376092 w 376092"/>
+              <a:gd name="connsiteY0" fmla="*/ 477106 h 907200"/>
+              <a:gd name="connsiteX1" fmla="*/ 0 w 376092"/>
+              <a:gd name="connsiteY1" fmla="*/ 94023 h 907200"/>
+              <a:gd name="connsiteX2" fmla="*/ 0 w 376092"/>
+              <a:gd name="connsiteY2" fmla="*/ 0 h 907200"/>
+              <a:gd name="connsiteX3" fmla="*/ 376092 w 376092"/>
+              <a:gd name="connsiteY3" fmla="*/ 383083 h 907200"/>
+              <a:gd name="connsiteX4" fmla="*/ 376092 w 376092"/>
+              <a:gd name="connsiteY4" fmla="*/ 477106 h 907200"/>
+              <a:gd name="connsiteX5" fmla="*/ 94023 w 376092"/>
+              <a:gd name="connsiteY5" fmla="*/ 848025 h 907200"/>
+              <a:gd name="connsiteX6" fmla="*/ 94023 w 376092"/>
+              <a:gd name="connsiteY6" fmla="*/ 895036 h 907200"/>
+              <a:gd name="connsiteX7" fmla="*/ 0 w 376092"/>
+              <a:gd name="connsiteY7" fmla="*/ 813177 h 907200"/>
+              <a:gd name="connsiteX8" fmla="*/ 94023 w 376092"/>
+              <a:gd name="connsiteY8" fmla="*/ 706990 h 907200"/>
+              <a:gd name="connsiteX9" fmla="*/ 94023 w 376092"/>
+              <a:gd name="connsiteY9" fmla="*/ 754001 h 907200"/>
+              <a:gd name="connsiteX10" fmla="*/ 373249 w 376092"/>
+              <a:gd name="connsiteY10" fmla="*/ 430094 h 907200"/>
+            </a:gdLst>
+            <a:ahLst/>
+            <a:cxnLst>
+              <a:cxn ang="0">
+                <a:pos x="connsiteX0" y="connsiteY0"/>
+              </a:cxn>
+              <a:cxn ang="0">
+                <a:pos x="connsiteX1" y="connsiteY1"/>
+              </a:cxn>
+              <a:cxn ang="0">
+                <a:pos x="connsiteX2" y="connsiteY2"/>
+              </a:cxn>
+              <a:cxn ang="0">
+                <a:pos x="connsiteX3" y="connsiteY3"/>
+              </a:cxn>
+              <a:cxn ang="0">
+                <a:pos x="connsiteX4" y="connsiteY4"/>
+              </a:cxn>
+              <a:cxn ang="0">
+                <a:pos x="connsiteX5" y="connsiteY5"/>
+              </a:cxn>
+              <a:cxn ang="0">
+                <a:pos x="connsiteX6" y="connsiteY6"/>
+              </a:cxn>
+              <a:cxn ang="0">
+                <a:pos x="connsiteX7" y="connsiteY7"/>
+              </a:cxn>
+              <a:cxn ang="0">
+                <a:pos x="connsiteX8" y="connsiteY8"/>
+              </a:cxn>
+              <a:cxn ang="0">
+                <a:pos x="connsiteX9" y="connsiteY9"/>
+              </a:cxn>
+              <a:cxn ang="0">
+                <a:pos x="connsiteX10" y="connsiteY10"/>
+              </a:cxn>
+            </a:cxnLst>
+            <a:rect l="l" t="t" r="r" b="b"/>
+            <a:pathLst>
+              <a:path w="376092" h="907200" stroke="0" extrusionOk="0">
+                <a:moveTo>
+                  <a:pt x="0" y="813177"/>
+                </a:moveTo>
+                <a:cubicBezTo>
+                  <a:pt x="23240" y="791297"/>
+                  <a:pt x="47883" y="754520"/>
+                  <a:pt x="94023" y="706990"/>
+                </a:cubicBezTo>
+                <a:cubicBezTo>
+                  <a:pt x="96080" y="727412"/>
+                  <a:pt x="96172" y="744342"/>
+                  <a:pt x="94023" y="754001"/>
+                </a:cubicBezTo>
+                <a:cubicBezTo>
+                  <a:pt x="-60654" y="798989"/>
+                  <a:pt x="396396" y="260370"/>
+                  <a:pt x="373249" y="430094"/>
+                </a:cubicBezTo>
+                <a:cubicBezTo>
+                  <a:pt x="416277" y="606472"/>
+                  <a:pt x="270099" y="758466"/>
+                  <a:pt x="94023" y="848024"/>
+                </a:cubicBezTo>
+                <a:cubicBezTo>
+                  <a:pt x="94954" y="860160"/>
+                  <a:pt x="94723" y="882603"/>
+                  <a:pt x="94023" y="895036"/>
+                </a:cubicBezTo>
+                <a:cubicBezTo>
+                  <a:pt x="57500" y="864319"/>
+                  <a:pt x="46482" y="848948"/>
+                  <a:pt x="0" y="813177"/>
+                </a:cubicBezTo>
+                <a:close/>
+              </a:path>
+              <a:path w="376092" h="907200" fill="darkenLess" stroke="0" extrusionOk="0">
+                <a:moveTo>
+                  <a:pt x="376092" y="477106"/>
+                </a:moveTo>
+                <a:cubicBezTo>
+                  <a:pt x="329135" y="685998"/>
+                  <a:pt x="-232799" y="82739"/>
+                  <a:pt x="0" y="94023"/>
+                </a:cubicBezTo>
+                <a:cubicBezTo>
+                  <a:pt x="-2875" y="63239"/>
+                  <a:pt x="1805" y="32419"/>
+                  <a:pt x="0" y="0"/>
+                </a:cubicBezTo>
+                <a:cubicBezTo>
+                  <a:pt x="216835" y="-30476"/>
+                  <a:pt x="417590" y="199247"/>
+                  <a:pt x="376092" y="383083"/>
+                </a:cubicBezTo>
+                <a:cubicBezTo>
+                  <a:pt x="380047" y="410926"/>
+                  <a:pt x="379085" y="444757"/>
+                  <a:pt x="376092" y="477106"/>
+                </a:cubicBezTo>
+                <a:close/>
+              </a:path>
+              <a:path w="376092" h="907200" fill="none" extrusionOk="0">
+                <a:moveTo>
+                  <a:pt x="376092" y="477106"/>
+                </a:moveTo>
+                <a:cubicBezTo>
+                  <a:pt x="366481" y="675515"/>
+                  <a:pt x="-231435" y="93298"/>
+                  <a:pt x="0" y="94023"/>
+                </a:cubicBezTo>
+                <a:cubicBezTo>
+                  <a:pt x="3572" y="49171"/>
+                  <a:pt x="-2607" y="40662"/>
+                  <a:pt x="0" y="0"/>
+                </a:cubicBezTo>
+                <a:cubicBezTo>
+                  <a:pt x="219830" y="-24726"/>
+                  <a:pt x="380772" y="200011"/>
+                  <a:pt x="376092" y="383083"/>
+                </a:cubicBezTo>
+                <a:cubicBezTo>
+                  <a:pt x="374617" y="409577"/>
+                  <a:pt x="379425" y="449283"/>
+                  <a:pt x="376092" y="477106"/>
+                </a:cubicBezTo>
+                <a:cubicBezTo>
+                  <a:pt x="378512" y="643037"/>
+                  <a:pt x="240488" y="835967"/>
+                  <a:pt x="94023" y="848025"/>
+                </a:cubicBezTo>
+                <a:cubicBezTo>
+                  <a:pt x="92598" y="859549"/>
+                  <a:pt x="96285" y="877392"/>
+                  <a:pt x="94023" y="895036"/>
+                </a:cubicBezTo>
+                <a:cubicBezTo>
+                  <a:pt x="59095" y="857146"/>
+                  <a:pt x="24086" y="827300"/>
+                  <a:pt x="0" y="813177"/>
+                </a:cubicBezTo>
+                <a:cubicBezTo>
+                  <a:pt x="39740" y="771213"/>
+                  <a:pt x="56463" y="741728"/>
+                  <a:pt x="94023" y="706990"/>
+                </a:cubicBezTo>
+                <a:cubicBezTo>
+                  <a:pt x="93429" y="722579"/>
+                  <a:pt x="93155" y="731552"/>
+                  <a:pt x="94023" y="754001"/>
+                </a:cubicBezTo>
+                <a:cubicBezTo>
+                  <a:pt x="-71743" y="817129"/>
+                  <a:pt x="359306" y="282705"/>
+                  <a:pt x="373249" y="430094"/>
+                </a:cubicBezTo>
+              </a:path>
+              <a:path w="376092" h="907200" fill="none" stroke="0" extrusionOk="0">
+                <a:moveTo>
+                  <a:pt x="376092" y="477106"/>
+                </a:moveTo>
+                <a:cubicBezTo>
+                  <a:pt x="332113" y="694220"/>
+                  <a:pt x="-237252" y="76508"/>
+                  <a:pt x="0" y="94023"/>
+                </a:cubicBezTo>
+                <a:cubicBezTo>
+                  <a:pt x="-3470" y="58731"/>
+                  <a:pt x="2251" y="42355"/>
+                  <a:pt x="0" y="0"/>
+                </a:cubicBezTo>
+                <a:cubicBezTo>
+                  <a:pt x="187797" y="-20972"/>
+                  <a:pt x="384909" y="138542"/>
+                  <a:pt x="376092" y="383083"/>
+                </a:cubicBezTo>
+                <a:cubicBezTo>
+                  <a:pt x="371506" y="405930"/>
+                  <a:pt x="379609" y="447505"/>
+                  <a:pt x="376092" y="477106"/>
+                </a:cubicBezTo>
+                <a:cubicBezTo>
+                  <a:pt x="368707" y="636174"/>
+                  <a:pt x="275397" y="790964"/>
+                  <a:pt x="94023" y="848025"/>
+                </a:cubicBezTo>
+                <a:cubicBezTo>
+                  <a:pt x="95068" y="864107"/>
+                  <a:pt x="93146" y="884402"/>
+                  <a:pt x="94023" y="895036"/>
+                </a:cubicBezTo>
+                <a:cubicBezTo>
+                  <a:pt x="54566" y="853834"/>
+                  <a:pt x="28128" y="834201"/>
+                  <a:pt x="0" y="813177"/>
+                </a:cubicBezTo>
+                <a:cubicBezTo>
+                  <a:pt x="23789" y="789605"/>
+                  <a:pt x="50797" y="762930"/>
+                  <a:pt x="94023" y="706990"/>
+                </a:cubicBezTo>
+                <a:cubicBezTo>
+                  <a:pt x="93734" y="729932"/>
+                  <a:pt x="92416" y="738729"/>
+                  <a:pt x="94023" y="754001"/>
+                </a:cubicBezTo>
+                <a:cubicBezTo>
+                  <a:pt x="-59992" y="782400"/>
+                  <a:pt x="397256" y="287311"/>
+                  <a:pt x="373249" y="430094"/>
+                </a:cubicBezTo>
+              </a:path>
+            </a:pathLst>
+          </a:custGeom>
+          <a:solidFill>
+            <a:srgbClr val="FFCC32"/>
+          </a:solidFill>
+          <a:ln w="9525" cap="flat" cmpd="sng" algn="ctr">
+            <a:noFill/>
+            <a:prstDash val="solid"/>
+            <a:round/>
+            <a:headEnd type="none" w="med" len="med"/>
+            <a:tailEnd type="none" w="med" len="med"/>
+            <a:extLst>
+              <a:ext uri="{C807C97D-BFC1-408E-A445-0C87EB9F89A2}">
+                <ask:lineSketchStyleProps xmlns:ask="http://schemas.microsoft.com/office/drawing/2018/sketchyshapes" sd="3010053579">
+                  <a:prstGeom prst="curvedLeftArrow">
+                    <a:avLst/>
+                  </a:prstGeom>
+                  <ask:type>
+                    <ask:lineSketchFreehand/>
+                  </ask:type>
+                </ask:lineSketchStyleProps>
+              </a:ext>
+            </a:extLst>
+          </a:ln>
+          <a:effectLst/>
+        </p:spPr>
+        <p:txBody>
+          <a:bodyPr vert="horz" wrap="square" lIns="91440" tIns="45720" rIns="91440" bIns="45720" numCol="1" rtlCol="0" anchor="t" anchorCtr="0" compatLnSpc="1">
+            <a:prstTxWarp prst="textNoShape">
+              <a:avLst/>
+            </a:prstTxWarp>
+          </a:bodyPr>
+          <a:lstStyle/>
+          <a:p>
+            <a:pPr defTabSz="914377" eaLnBrk="0" hangingPunct="0"/>
+            <a:endParaRPr lang="en-US">
+              <a:latin typeface="Arial" charset="0"/>
+            </a:endParaRPr>
+          </a:p>
+        </p:txBody>
+      </p:sp>
+      <p:sp>
+        <p:nvSpPr>
+          <p:cNvPr id="12" name="Freccia circolare a sinistra 11">
+            <a:extLst>
+              <a:ext uri="{FF2B5EF4-FFF2-40B4-BE49-F238E27FC236}">
+                <a16:creationId xmlns:a16="http://schemas.microsoft.com/office/drawing/2014/main" id="{822D5864-F7E8-E509-E228-F49AB858C4CE}"/>
+              </a:ext>
+            </a:extLst>
+          </p:cNvPr>
+          <p:cNvSpPr/>
+          <p:nvPr/>
+        </p:nvSpPr>
+        <p:spPr bwMode="auto">
+          <a:xfrm rot="9685068">
+            <a:off x="2390489" y="4623788"/>
+            <a:ext cx="472031" cy="1201497"/>
+          </a:xfrm>
+          <a:custGeom>
+            <a:avLst/>
+            <a:gdLst>
+              <a:gd name="connsiteX0" fmla="*/ 0 w 472031"/>
+              <a:gd name="connsiteY0" fmla="*/ 1083489 h 1201497"/>
+              <a:gd name="connsiteX1" fmla="*/ 118008 w 472031"/>
+              <a:gd name="connsiteY1" fmla="*/ 949216 h 1201497"/>
+              <a:gd name="connsiteX2" fmla="*/ 118008 w 472031"/>
+              <a:gd name="connsiteY2" fmla="*/ 1008220 h 1201497"/>
+              <a:gd name="connsiteX3" fmla="*/ 468889 w 472031"/>
+              <a:gd name="connsiteY3" fmla="*/ 571247 h 1201497"/>
+              <a:gd name="connsiteX4" fmla="*/ 118008 w 472031"/>
+              <a:gd name="connsiteY4" fmla="*/ 1126228 h 1201497"/>
+              <a:gd name="connsiteX5" fmla="*/ 118008 w 472031"/>
+              <a:gd name="connsiteY5" fmla="*/ 1185231 h 1201497"/>
+              <a:gd name="connsiteX6" fmla="*/ 0 w 472031"/>
+              <a:gd name="connsiteY6" fmla="*/ 1083489 h 1201497"/>
+              <a:gd name="connsiteX0" fmla="*/ 472031 w 472031"/>
+              <a:gd name="connsiteY0" fmla="*/ 630250 h 1201497"/>
+              <a:gd name="connsiteX1" fmla="*/ 0 w 472031"/>
+              <a:gd name="connsiteY1" fmla="*/ 118007 h 1201497"/>
+              <a:gd name="connsiteX2" fmla="*/ 0 w 472031"/>
+              <a:gd name="connsiteY2" fmla="*/ 0 h 1201497"/>
+              <a:gd name="connsiteX3" fmla="*/ 472031 w 472031"/>
+              <a:gd name="connsiteY3" fmla="*/ 512243 h 1201497"/>
+              <a:gd name="connsiteX4" fmla="*/ 472031 w 472031"/>
+              <a:gd name="connsiteY4" fmla="*/ 630250 h 1201497"/>
+              <a:gd name="connsiteX0" fmla="*/ 472031 w 472031"/>
+              <a:gd name="connsiteY0" fmla="*/ 630250 h 1201497"/>
+              <a:gd name="connsiteX1" fmla="*/ 0 w 472031"/>
+              <a:gd name="connsiteY1" fmla="*/ 118007 h 1201497"/>
+              <a:gd name="connsiteX2" fmla="*/ 0 w 472031"/>
+              <a:gd name="connsiteY2" fmla="*/ 0 h 1201497"/>
+              <a:gd name="connsiteX3" fmla="*/ 472031 w 472031"/>
+              <a:gd name="connsiteY3" fmla="*/ 512243 h 1201497"/>
+              <a:gd name="connsiteX4" fmla="*/ 472031 w 472031"/>
+              <a:gd name="connsiteY4" fmla="*/ 630250 h 1201497"/>
+              <a:gd name="connsiteX5" fmla="*/ 118008 w 472031"/>
+              <a:gd name="connsiteY5" fmla="*/ 1126227 h 1201497"/>
+              <a:gd name="connsiteX6" fmla="*/ 118008 w 472031"/>
+              <a:gd name="connsiteY6" fmla="*/ 1185231 h 1201497"/>
+              <a:gd name="connsiteX7" fmla="*/ 0 w 472031"/>
+              <a:gd name="connsiteY7" fmla="*/ 1083489 h 1201497"/>
+              <a:gd name="connsiteX8" fmla="*/ 118008 w 472031"/>
+              <a:gd name="connsiteY8" fmla="*/ 949216 h 1201497"/>
+              <a:gd name="connsiteX9" fmla="*/ 118008 w 472031"/>
+              <a:gd name="connsiteY9" fmla="*/ 1008220 h 1201497"/>
+              <a:gd name="connsiteX10" fmla="*/ 468889 w 472031"/>
+              <a:gd name="connsiteY10" fmla="*/ 571247 h 1201497"/>
+            </a:gdLst>
+            <a:ahLst/>
+            <a:cxnLst>
+              <a:cxn ang="0">
+                <a:pos x="connsiteX0" y="connsiteY0"/>
+              </a:cxn>
+              <a:cxn ang="0">
+                <a:pos x="connsiteX1" y="connsiteY1"/>
+              </a:cxn>
+              <a:cxn ang="0">
+                <a:pos x="connsiteX2" y="connsiteY2"/>
+              </a:cxn>
+              <a:cxn ang="0">
+                <a:pos x="connsiteX3" y="connsiteY3"/>
+              </a:cxn>
+              <a:cxn ang="0">
+                <a:pos x="connsiteX4" y="connsiteY4"/>
+              </a:cxn>
+              <a:cxn ang="0">
+                <a:pos x="connsiteX5" y="connsiteY5"/>
+              </a:cxn>
+              <a:cxn ang="0">
+                <a:pos x="connsiteX6" y="connsiteY6"/>
+              </a:cxn>
+              <a:cxn ang="0">
+                <a:pos x="connsiteX7" y="connsiteY7"/>
+              </a:cxn>
+              <a:cxn ang="0">
+                <a:pos x="connsiteX8" y="connsiteY8"/>
+              </a:cxn>
+              <a:cxn ang="0">
+                <a:pos x="connsiteX9" y="connsiteY9"/>
+              </a:cxn>
+              <a:cxn ang="0">
+                <a:pos x="connsiteX10" y="connsiteY10"/>
+              </a:cxn>
+            </a:cxnLst>
+            <a:rect l="l" t="t" r="r" b="b"/>
+            <a:pathLst>
+              <a:path w="472031" h="1201497" stroke="0" extrusionOk="0">
+                <a:moveTo>
+                  <a:pt x="0" y="1083489"/>
+                </a:moveTo>
+                <a:cubicBezTo>
+                  <a:pt x="52030" y="1010827"/>
+                  <a:pt x="66414" y="998987"/>
+                  <a:pt x="118008" y="949216"/>
+                </a:cubicBezTo>
+                <a:cubicBezTo>
+                  <a:pt x="116107" y="966895"/>
+                  <a:pt x="119453" y="982474"/>
+                  <a:pt x="118008" y="1008220"/>
+                </a:cubicBezTo>
+                <a:cubicBezTo>
+                  <a:pt x="-97089" y="1089960"/>
+                  <a:pt x="494265" y="351492"/>
+                  <a:pt x="468889" y="571247"/>
+                </a:cubicBezTo>
+                <a:cubicBezTo>
+                  <a:pt x="537518" y="794872"/>
+                  <a:pt x="341100" y="1030968"/>
+                  <a:pt x="118008" y="1126228"/>
+                </a:cubicBezTo>
+                <a:cubicBezTo>
+                  <a:pt x="115221" y="1148799"/>
+                  <a:pt x="117393" y="1155880"/>
+                  <a:pt x="118008" y="1185231"/>
+                </a:cubicBezTo>
+                <a:cubicBezTo>
+                  <a:pt x="80380" y="1154650"/>
+                  <a:pt x="37076" y="1120011"/>
+                  <a:pt x="0" y="1083489"/>
+                </a:cubicBezTo>
+                <a:close/>
+              </a:path>
+              <a:path w="472031" h="1201497" fill="darkenLess" stroke="0" extrusionOk="0">
+                <a:moveTo>
+                  <a:pt x="472031" y="630250"/>
+                </a:moveTo>
+                <a:cubicBezTo>
+                  <a:pt x="425236" y="910484"/>
+                  <a:pt x="-300501" y="100104"/>
+                  <a:pt x="0" y="118007"/>
+                </a:cubicBezTo>
+                <a:cubicBezTo>
+                  <a:pt x="1969" y="86297"/>
+                  <a:pt x="-932" y="39075"/>
+                  <a:pt x="0" y="0"/>
+                </a:cubicBezTo>
+                <a:cubicBezTo>
+                  <a:pt x="280309" y="-65508"/>
+                  <a:pt x="509307" y="254253"/>
+                  <a:pt x="472031" y="512243"/>
+                </a:cubicBezTo>
+                <a:cubicBezTo>
+                  <a:pt x="470697" y="545735"/>
+                  <a:pt x="471048" y="579466"/>
+                  <a:pt x="472031" y="630250"/>
+                </a:cubicBezTo>
+                <a:close/>
+              </a:path>
+              <a:path w="472031" h="1201497" fill="none" extrusionOk="0">
+                <a:moveTo>
+                  <a:pt x="472031" y="630250"/>
+                </a:moveTo>
+                <a:cubicBezTo>
+                  <a:pt x="445568" y="876911"/>
+                  <a:pt x="-325321" y="116032"/>
+                  <a:pt x="0" y="118007"/>
+                </a:cubicBezTo>
+                <a:cubicBezTo>
+                  <a:pt x="-33" y="70740"/>
+                  <a:pt x="-2461" y="44245"/>
+                  <a:pt x="0" y="0"/>
+                </a:cubicBezTo>
+                <a:cubicBezTo>
+                  <a:pt x="275163" y="-29514"/>
+                  <a:pt x="480475" y="280761"/>
+                  <a:pt x="472031" y="512243"/>
+                </a:cubicBezTo>
+                <a:cubicBezTo>
+                  <a:pt x="472810" y="539157"/>
+                  <a:pt x="475428" y="606309"/>
+                  <a:pt x="472031" y="630250"/>
+                </a:cubicBezTo>
+                <a:cubicBezTo>
+                  <a:pt x="483077" y="823873"/>
+                  <a:pt x="305057" y="1102311"/>
+                  <a:pt x="118008" y="1126227"/>
+                </a:cubicBezTo>
+                <a:cubicBezTo>
+                  <a:pt x="116364" y="1151458"/>
+                  <a:pt x="120598" y="1164299"/>
+                  <a:pt x="118008" y="1185231"/>
+                </a:cubicBezTo>
+                <a:cubicBezTo>
+                  <a:pt x="57464" y="1136383"/>
+                  <a:pt x="25209" y="1113182"/>
+                  <a:pt x="0" y="1083489"/>
+                </a:cubicBezTo>
+                <a:cubicBezTo>
+                  <a:pt x="48157" y="1031470"/>
+                  <a:pt x="69323" y="1000485"/>
+                  <a:pt x="118008" y="949216"/>
+                </a:cubicBezTo>
+                <a:cubicBezTo>
+                  <a:pt x="119434" y="963357"/>
+                  <a:pt x="119382" y="991533"/>
+                  <a:pt x="118008" y="1008220"/>
+                </a:cubicBezTo>
+                <a:cubicBezTo>
+                  <a:pt x="-73941" y="1065559"/>
+                  <a:pt x="455388" y="370439"/>
+                  <a:pt x="468889" y="571247"/>
+                </a:cubicBezTo>
+              </a:path>
+              <a:path w="472031" h="1201497" fill="none" stroke="0" extrusionOk="0">
+                <a:moveTo>
+                  <a:pt x="472031" y="630250"/>
+                </a:moveTo>
+                <a:cubicBezTo>
+                  <a:pt x="445024" y="916558"/>
+                  <a:pt x="-285785" y="103132"/>
+                  <a:pt x="0" y="118007"/>
+                </a:cubicBezTo>
+                <a:cubicBezTo>
+                  <a:pt x="-4347" y="93766"/>
+                  <a:pt x="-3541" y="25684"/>
+                  <a:pt x="0" y="0"/>
+                </a:cubicBezTo>
+                <a:cubicBezTo>
+                  <a:pt x="254832" y="-6176"/>
+                  <a:pt x="486962" y="173504"/>
+                  <a:pt x="472031" y="512243"/>
+                </a:cubicBezTo>
+                <a:cubicBezTo>
+                  <a:pt x="469061" y="542926"/>
+                  <a:pt x="469824" y="582631"/>
+                  <a:pt x="472031" y="630250"/>
+                </a:cubicBezTo>
+                <a:cubicBezTo>
+                  <a:pt x="449783" y="816786"/>
+                  <a:pt x="359810" y="1038651"/>
+                  <a:pt x="118008" y="1126227"/>
+                </a:cubicBezTo>
+                <a:cubicBezTo>
+                  <a:pt x="120345" y="1138059"/>
+                  <a:pt x="115989" y="1162348"/>
+                  <a:pt x="118008" y="1185231"/>
+                </a:cubicBezTo>
+                <a:cubicBezTo>
+                  <a:pt x="72962" y="1155155"/>
+                  <a:pt x="33633" y="1108594"/>
+                  <a:pt x="0" y="1083489"/>
+                </a:cubicBezTo>
+                <a:cubicBezTo>
+                  <a:pt x="44161" y="1035954"/>
+                  <a:pt x="87485" y="980616"/>
+                  <a:pt x="118008" y="949216"/>
+                </a:cubicBezTo>
+                <a:cubicBezTo>
+                  <a:pt x="119176" y="975248"/>
+                  <a:pt x="119622" y="991707"/>
+                  <a:pt x="118008" y="1008220"/>
+                </a:cubicBezTo>
+                <a:cubicBezTo>
+                  <a:pt x="-78376" y="1043014"/>
+                  <a:pt x="500578" y="385196"/>
+                  <a:pt x="468889" y="571247"/>
+                </a:cubicBezTo>
+              </a:path>
+            </a:pathLst>
+          </a:custGeom>
+          <a:solidFill>
+            <a:srgbClr val="EC2227"/>
+          </a:solidFill>
+          <a:ln w="9525" cap="flat" cmpd="sng" algn="ctr">
+            <a:noFill/>
+            <a:prstDash val="solid"/>
+            <a:round/>
+            <a:headEnd type="none" w="med" len="med"/>
+            <a:tailEnd type="none" w="med" len="med"/>
+            <a:extLst>
+              <a:ext uri="{C807C97D-BFC1-408E-A445-0C87EB9F89A2}">
+                <ask:lineSketchStyleProps xmlns:ask="http://schemas.microsoft.com/office/drawing/2018/sketchyshapes" sd="3010053579">
+                  <a:prstGeom prst="curvedLeftArrow">
+                    <a:avLst/>
+                  </a:prstGeom>
+                  <ask:type>
+                    <ask:lineSketchFreehand/>
+                  </ask:type>
+                </ask:lineSketchStyleProps>
+              </a:ext>
+            </a:extLst>
+          </a:ln>
+          <a:effectLst/>
+        </p:spPr>
+        <p:txBody>
+          <a:bodyPr vert="horz" wrap="square" lIns="91440" tIns="45720" rIns="91440" bIns="45720" numCol="1" rtlCol="0" anchor="t" anchorCtr="0" compatLnSpc="1">
+            <a:prstTxWarp prst="textNoShape">
+              <a:avLst/>
+            </a:prstTxWarp>
+          </a:bodyPr>
+          <a:lstStyle/>
+          <a:p>
+            <a:pPr defTabSz="914377" eaLnBrk="0" hangingPunct="0"/>
+            <a:endParaRPr lang="en-US">
+              <a:latin typeface="Arial" charset="0"/>
+            </a:endParaRPr>
+          </a:p>
+        </p:txBody>
+      </p:sp>
+      <p:sp>
+        <p:nvSpPr>
+          <p:cNvPr id="17" name="Freccia circolare a sinistra 16">
+            <a:extLst>
+              <a:ext uri="{FF2B5EF4-FFF2-40B4-BE49-F238E27FC236}">
+                <a16:creationId xmlns:a16="http://schemas.microsoft.com/office/drawing/2014/main" id="{6B443D42-15B9-D179-D78F-B411C80CE45D}"/>
+              </a:ext>
+            </a:extLst>
+          </p:cNvPr>
+          <p:cNvSpPr/>
+          <p:nvPr/>
+        </p:nvSpPr>
+        <p:spPr bwMode="auto">
+          <a:xfrm rot="8767060" flipH="1">
+            <a:off x="5770962" y="4046458"/>
+            <a:ext cx="376092" cy="905809"/>
+          </a:xfrm>
+          <a:custGeom>
+            <a:avLst/>
+            <a:gdLst>
+              <a:gd name="connsiteX0" fmla="*/ 0 w 376092"/>
+              <a:gd name="connsiteY0" fmla="*/ 811786 h 905809"/>
+              <a:gd name="connsiteX1" fmla="*/ 94023 w 376092"/>
+              <a:gd name="connsiteY1" fmla="*/ 705621 h 905809"/>
+              <a:gd name="connsiteX2" fmla="*/ 94023 w 376092"/>
+              <a:gd name="connsiteY2" fmla="*/ 752632 h 905809"/>
+              <a:gd name="connsiteX3" fmla="*/ 373239 w 376092"/>
+              <a:gd name="connsiteY3" fmla="*/ 429399 h 905809"/>
+              <a:gd name="connsiteX4" fmla="*/ 94023 w 376092"/>
+              <a:gd name="connsiteY4" fmla="*/ 846655 h 905809"/>
+              <a:gd name="connsiteX5" fmla="*/ 94023 w 376092"/>
+              <a:gd name="connsiteY5" fmla="*/ 893667 h 905809"/>
+              <a:gd name="connsiteX6" fmla="*/ 0 w 376092"/>
+              <a:gd name="connsiteY6" fmla="*/ 811786 h 905809"/>
+              <a:gd name="connsiteX0" fmla="*/ 376092 w 376092"/>
+              <a:gd name="connsiteY0" fmla="*/ 476410 h 905809"/>
+              <a:gd name="connsiteX1" fmla="*/ 0 w 376092"/>
+              <a:gd name="connsiteY1" fmla="*/ 94023 h 905809"/>
+              <a:gd name="connsiteX2" fmla="*/ 0 w 376092"/>
+              <a:gd name="connsiteY2" fmla="*/ 0 h 905809"/>
+              <a:gd name="connsiteX3" fmla="*/ 376092 w 376092"/>
+              <a:gd name="connsiteY3" fmla="*/ 382387 h 905809"/>
+              <a:gd name="connsiteX4" fmla="*/ 376092 w 376092"/>
+              <a:gd name="connsiteY4" fmla="*/ 476410 h 905809"/>
+              <a:gd name="connsiteX0" fmla="*/ 376092 w 376092"/>
+              <a:gd name="connsiteY0" fmla="*/ 476410 h 905809"/>
+              <a:gd name="connsiteX1" fmla="*/ 0 w 376092"/>
+              <a:gd name="connsiteY1" fmla="*/ 94023 h 905809"/>
+              <a:gd name="connsiteX2" fmla="*/ 0 w 376092"/>
+              <a:gd name="connsiteY2" fmla="*/ 0 h 905809"/>
+              <a:gd name="connsiteX3" fmla="*/ 376092 w 376092"/>
+              <a:gd name="connsiteY3" fmla="*/ 382387 h 905809"/>
+              <a:gd name="connsiteX4" fmla="*/ 376092 w 376092"/>
+              <a:gd name="connsiteY4" fmla="*/ 476410 h 905809"/>
+              <a:gd name="connsiteX5" fmla="*/ 94023 w 376092"/>
+              <a:gd name="connsiteY5" fmla="*/ 846655 h 905809"/>
+              <a:gd name="connsiteX6" fmla="*/ 94023 w 376092"/>
+              <a:gd name="connsiteY6" fmla="*/ 893667 h 905809"/>
+              <a:gd name="connsiteX7" fmla="*/ 0 w 376092"/>
+              <a:gd name="connsiteY7" fmla="*/ 811786 h 905809"/>
+              <a:gd name="connsiteX8" fmla="*/ 94023 w 376092"/>
+              <a:gd name="connsiteY8" fmla="*/ 705621 h 905809"/>
+              <a:gd name="connsiteX9" fmla="*/ 94023 w 376092"/>
+              <a:gd name="connsiteY9" fmla="*/ 752632 h 905809"/>
+              <a:gd name="connsiteX10" fmla="*/ 373239 w 376092"/>
+              <a:gd name="connsiteY10" fmla="*/ 429399 h 905809"/>
+            </a:gdLst>
+            <a:ahLst/>
+            <a:cxnLst>
+              <a:cxn ang="0">
+                <a:pos x="connsiteX0" y="connsiteY0"/>
+              </a:cxn>
+              <a:cxn ang="0">
+                <a:pos x="connsiteX1" y="connsiteY1"/>
+              </a:cxn>
+              <a:cxn ang="0">
+                <a:pos x="connsiteX2" y="connsiteY2"/>
+              </a:cxn>
+              <a:cxn ang="0">
+                <a:pos x="connsiteX3" y="connsiteY3"/>
+              </a:cxn>
+              <a:cxn ang="0">
+                <a:pos x="connsiteX4" y="connsiteY4"/>
+              </a:cxn>
+              <a:cxn ang="0">
+                <a:pos x="connsiteX5" y="connsiteY5"/>
+              </a:cxn>
+              <a:cxn ang="0">
+                <a:pos x="connsiteX6" y="connsiteY6"/>
+              </a:cxn>
+              <a:cxn ang="0">
+                <a:pos x="connsiteX7" y="connsiteY7"/>
+              </a:cxn>
+              <a:cxn ang="0">
+                <a:pos x="connsiteX8" y="connsiteY8"/>
+              </a:cxn>
+              <a:cxn ang="0">
+                <a:pos x="connsiteX9" y="connsiteY9"/>
+              </a:cxn>
+              <a:cxn ang="0">
+                <a:pos x="connsiteX10" y="connsiteY10"/>
+              </a:cxn>
+            </a:cxnLst>
+            <a:rect l="l" t="t" r="r" b="b"/>
+            <a:pathLst>
+              <a:path w="376092" h="905809" stroke="0" extrusionOk="0">
+                <a:moveTo>
+                  <a:pt x="0" y="811786"/>
+                </a:moveTo>
+                <a:cubicBezTo>
+                  <a:pt x="33328" y="765179"/>
+                  <a:pt x="51730" y="762468"/>
+                  <a:pt x="94023" y="705621"/>
+                </a:cubicBezTo>
+                <a:cubicBezTo>
+                  <a:pt x="96080" y="726043"/>
+                  <a:pt x="96172" y="742973"/>
+                  <a:pt x="94023" y="752632"/>
+                </a:cubicBezTo>
+                <a:cubicBezTo>
+                  <a:pt x="-69928" y="807787"/>
+                  <a:pt x="393890" y="268189"/>
+                  <a:pt x="373239" y="429399"/>
+                </a:cubicBezTo>
+                <a:cubicBezTo>
+                  <a:pt x="429269" y="595930"/>
+                  <a:pt x="275750" y="791237"/>
+                  <a:pt x="94023" y="846655"/>
+                </a:cubicBezTo>
+                <a:cubicBezTo>
+                  <a:pt x="94954" y="858791"/>
+                  <a:pt x="94723" y="881234"/>
+                  <a:pt x="94023" y="893667"/>
+                </a:cubicBezTo>
+                <a:cubicBezTo>
+                  <a:pt x="59272" y="862106"/>
+                  <a:pt x="21148" y="829066"/>
+                  <a:pt x="0" y="811786"/>
+                </a:cubicBezTo>
+                <a:close/>
+              </a:path>
+              <a:path w="376092" h="905809" fill="darkenLess" stroke="0" extrusionOk="0">
+                <a:moveTo>
+                  <a:pt x="376092" y="476410"/>
+                </a:moveTo>
+                <a:cubicBezTo>
+                  <a:pt x="329135" y="684918"/>
+                  <a:pt x="-232799" y="82739"/>
+                  <a:pt x="0" y="94023"/>
+                </a:cubicBezTo>
+                <a:cubicBezTo>
+                  <a:pt x="-2875" y="63239"/>
+                  <a:pt x="1805" y="32419"/>
+                  <a:pt x="0" y="0"/>
+                </a:cubicBezTo>
+                <a:cubicBezTo>
+                  <a:pt x="210569" y="-9549"/>
+                  <a:pt x="410361" y="194104"/>
+                  <a:pt x="376092" y="382387"/>
+                </a:cubicBezTo>
+                <a:cubicBezTo>
+                  <a:pt x="380047" y="410230"/>
+                  <a:pt x="379085" y="444061"/>
+                  <a:pt x="376092" y="476410"/>
+                </a:cubicBezTo>
+                <a:close/>
+              </a:path>
+              <a:path w="376092" h="905809" fill="none" extrusionOk="0">
+                <a:moveTo>
+                  <a:pt x="376092" y="476410"/>
+                </a:moveTo>
+                <a:cubicBezTo>
+                  <a:pt x="366481" y="674435"/>
+                  <a:pt x="-231435" y="93298"/>
+                  <a:pt x="0" y="94023"/>
+                </a:cubicBezTo>
+                <a:cubicBezTo>
+                  <a:pt x="3572" y="49171"/>
+                  <a:pt x="-2607" y="40662"/>
+                  <a:pt x="0" y="0"/>
+                </a:cubicBezTo>
+                <a:cubicBezTo>
+                  <a:pt x="222235" y="-29631"/>
+                  <a:pt x="378144" y="183697"/>
+                  <a:pt x="376092" y="382387"/>
+                </a:cubicBezTo>
+                <a:cubicBezTo>
+                  <a:pt x="374617" y="408881"/>
+                  <a:pt x="379425" y="448587"/>
+                  <a:pt x="376092" y="476410"/>
+                </a:cubicBezTo>
+                <a:cubicBezTo>
+                  <a:pt x="379260" y="639318"/>
+                  <a:pt x="256997" y="808030"/>
+                  <a:pt x="94023" y="846655"/>
+                </a:cubicBezTo>
+                <a:cubicBezTo>
+                  <a:pt x="92335" y="865784"/>
+                  <a:pt x="94432" y="880345"/>
+                  <a:pt x="94023" y="893667"/>
+                </a:cubicBezTo>
+                <a:cubicBezTo>
+                  <a:pt x="75440" y="869959"/>
+                  <a:pt x="36641" y="839881"/>
+                  <a:pt x="0" y="811786"/>
+                </a:cubicBezTo>
+                <a:cubicBezTo>
+                  <a:pt x="36692" y="773092"/>
+                  <a:pt x="54928" y="746106"/>
+                  <a:pt x="94023" y="705621"/>
+                </a:cubicBezTo>
+                <a:cubicBezTo>
+                  <a:pt x="93429" y="721210"/>
+                  <a:pt x="93155" y="730183"/>
+                  <a:pt x="94023" y="752632"/>
+                </a:cubicBezTo>
+                <a:cubicBezTo>
+                  <a:pt x="-60335" y="798992"/>
+                  <a:pt x="383646" y="275870"/>
+                  <a:pt x="373239" y="429399"/>
+                </a:cubicBezTo>
+              </a:path>
+              <a:path w="376092" h="905809" fill="none" stroke="0" extrusionOk="0">
+                <a:moveTo>
+                  <a:pt x="376092" y="476410"/>
+                </a:moveTo>
+                <a:cubicBezTo>
+                  <a:pt x="332113" y="693140"/>
+                  <a:pt x="-237252" y="76508"/>
+                  <a:pt x="0" y="94023"/>
+                </a:cubicBezTo>
+                <a:cubicBezTo>
+                  <a:pt x="-3470" y="58731"/>
+                  <a:pt x="2251" y="42355"/>
+                  <a:pt x="0" y="0"/>
+                </a:cubicBezTo>
+                <a:cubicBezTo>
+                  <a:pt x="174433" y="-35047"/>
+                  <a:pt x="386211" y="133362"/>
+                  <a:pt x="376092" y="382387"/>
+                </a:cubicBezTo>
+                <a:cubicBezTo>
+                  <a:pt x="371506" y="405234"/>
+                  <a:pt x="379609" y="446809"/>
+                  <a:pt x="376092" y="476410"/>
+                </a:cubicBezTo>
+                <a:cubicBezTo>
+                  <a:pt x="359827" y="616384"/>
+                  <a:pt x="273361" y="791453"/>
+                  <a:pt x="94023" y="846655"/>
+                </a:cubicBezTo>
+                <a:cubicBezTo>
+                  <a:pt x="93158" y="864259"/>
+                  <a:pt x="93951" y="882799"/>
+                  <a:pt x="94023" y="893667"/>
+                </a:cubicBezTo>
+                <a:cubicBezTo>
+                  <a:pt x="56820" y="867639"/>
+                  <a:pt x="29826" y="838939"/>
+                  <a:pt x="0" y="811786"/>
+                </a:cubicBezTo>
+                <a:cubicBezTo>
+                  <a:pt x="36134" y="772370"/>
+                  <a:pt x="62150" y="732333"/>
+                  <a:pt x="94023" y="705621"/>
+                </a:cubicBezTo>
+                <a:cubicBezTo>
+                  <a:pt x="93734" y="728563"/>
+                  <a:pt x="92416" y="737360"/>
+                  <a:pt x="94023" y="752632"/>
+                </a:cubicBezTo>
+                <a:cubicBezTo>
+                  <a:pt x="-65345" y="767805"/>
+                  <a:pt x="398013" y="288879"/>
+                  <a:pt x="373239" y="429399"/>
+                </a:cubicBezTo>
+              </a:path>
+            </a:pathLst>
+          </a:custGeom>
+          <a:solidFill>
+            <a:srgbClr val="EC2227"/>
+          </a:solidFill>
+          <a:ln w="9525" cap="flat" cmpd="sng" algn="ctr">
+            <a:noFill/>
+            <a:prstDash val="solid"/>
+            <a:round/>
+            <a:headEnd type="none" w="med" len="med"/>
+            <a:tailEnd type="none" w="med" len="med"/>
+            <a:extLst>
+              <a:ext uri="{C807C97D-BFC1-408E-A445-0C87EB9F89A2}">
+                <ask:lineSketchStyleProps xmlns:ask="http://schemas.microsoft.com/office/drawing/2018/sketchyshapes" sd="3010053579">
+                  <a:prstGeom prst="curvedLeftArrow">
+                    <a:avLst/>
+                  </a:prstGeom>
+                  <ask:type>
+                    <ask:lineSketchFreehand/>
+                  </ask:type>
+                </ask:lineSketchStyleProps>
+              </a:ext>
+            </a:extLst>
+          </a:ln>
+          <a:effectLst/>
+        </p:spPr>
+        <p:txBody>
+          <a:bodyPr vert="horz" wrap="square" lIns="91440" tIns="45720" rIns="91440" bIns="45720" numCol="1" rtlCol="0" anchor="t" anchorCtr="0" compatLnSpc="1">
+            <a:prstTxWarp prst="textNoShape">
+              <a:avLst/>
+            </a:prstTxWarp>
+          </a:bodyPr>
+          <a:lstStyle/>
+          <a:p>
+            <a:pPr defTabSz="914377" eaLnBrk="0" hangingPunct="0"/>
+            <a:endParaRPr lang="en-US">
+              <a:latin typeface="Arial" charset="0"/>
+            </a:endParaRPr>
+          </a:p>
+        </p:txBody>
+      </p:sp>
+      <p:sp>
+        <p:nvSpPr>
+          <p:cNvPr id="19" name="Freccia circolare a sinistra 18">
+            <a:extLst>
+              <a:ext uri="{FF2B5EF4-FFF2-40B4-BE49-F238E27FC236}">
+                <a16:creationId xmlns:a16="http://schemas.microsoft.com/office/drawing/2014/main" id="{FC89ED2E-3924-D725-FDA7-33D3DC47EA84}"/>
+              </a:ext>
+            </a:extLst>
+          </p:cNvPr>
+          <p:cNvSpPr/>
+          <p:nvPr/>
+        </p:nvSpPr>
+        <p:spPr bwMode="auto">
+          <a:xfrm rot="6437527" flipH="1">
+            <a:off x="6317489" y="998014"/>
+            <a:ext cx="815787" cy="3710237"/>
+          </a:xfrm>
+          <a:custGeom>
+            <a:avLst/>
+            <a:gdLst>
+              <a:gd name="connsiteX0" fmla="*/ 0 w 815787"/>
+              <a:gd name="connsiteY0" fmla="*/ 3506290 h 3710237"/>
+              <a:gd name="connsiteX1" fmla="*/ 203947 w 815787"/>
+              <a:gd name="connsiteY1" fmla="*/ 3248293 h 3710237"/>
+              <a:gd name="connsiteX2" fmla="*/ 203947 w 815787"/>
+              <a:gd name="connsiteY2" fmla="*/ 3350266 h 3710237"/>
+              <a:gd name="connsiteX3" fmla="*/ 814322 w 815787"/>
+              <a:gd name="connsiteY3" fmla="*/ 1804132 h 3710237"/>
+              <a:gd name="connsiteX4" fmla="*/ 764309 w 815787"/>
+              <a:gd name="connsiteY4" fmla="*/ 2501190 h 3710237"/>
+              <a:gd name="connsiteX5" fmla="*/ 203947 w 815787"/>
+              <a:gd name="connsiteY5" fmla="*/ 3554214 h 3710237"/>
+              <a:gd name="connsiteX6" fmla="*/ 203947 w 815787"/>
+              <a:gd name="connsiteY6" fmla="*/ 3656186 h 3710237"/>
+              <a:gd name="connsiteX7" fmla="*/ 0 w 815787"/>
+              <a:gd name="connsiteY7" fmla="*/ 3506290 h 3710237"/>
+              <a:gd name="connsiteX0" fmla="*/ 815787 w 815787"/>
+              <a:gd name="connsiteY0" fmla="*/ 1906105 h 3710237"/>
+              <a:gd name="connsiteX1" fmla="*/ 0 w 815787"/>
+              <a:gd name="connsiteY1" fmla="*/ 203947 h 3710237"/>
+              <a:gd name="connsiteX2" fmla="*/ 0 w 815787"/>
+              <a:gd name="connsiteY2" fmla="*/ 0 h 3710237"/>
+              <a:gd name="connsiteX3" fmla="*/ 815787 w 815787"/>
+              <a:gd name="connsiteY3" fmla="*/ 1702158 h 3710237"/>
+              <a:gd name="connsiteX4" fmla="*/ 815787 w 815787"/>
+              <a:gd name="connsiteY4" fmla="*/ 1906105 h 3710237"/>
+              <a:gd name="connsiteX0" fmla="*/ 815787 w 815787"/>
+              <a:gd name="connsiteY0" fmla="*/ 1906105 h 3710237"/>
+              <a:gd name="connsiteX1" fmla="*/ 0 w 815787"/>
+              <a:gd name="connsiteY1" fmla="*/ 203947 h 3710237"/>
+              <a:gd name="connsiteX2" fmla="*/ 0 w 815787"/>
+              <a:gd name="connsiteY2" fmla="*/ 0 h 3710237"/>
+              <a:gd name="connsiteX3" fmla="*/ 815787 w 815787"/>
+              <a:gd name="connsiteY3" fmla="*/ 1702158 h 3710237"/>
+              <a:gd name="connsiteX4" fmla="*/ 815787 w 815787"/>
+              <a:gd name="connsiteY4" fmla="*/ 1906105 h 3710237"/>
+              <a:gd name="connsiteX5" fmla="*/ 203947 w 815787"/>
+              <a:gd name="connsiteY5" fmla="*/ 3554212 h 3710237"/>
+              <a:gd name="connsiteX6" fmla="*/ 203947 w 815787"/>
+              <a:gd name="connsiteY6" fmla="*/ 3656186 h 3710237"/>
+              <a:gd name="connsiteX7" fmla="*/ 0 w 815787"/>
+              <a:gd name="connsiteY7" fmla="*/ 3506290 h 3710237"/>
+              <a:gd name="connsiteX8" fmla="*/ 203947 w 815787"/>
+              <a:gd name="connsiteY8" fmla="*/ 3248293 h 3710237"/>
+              <a:gd name="connsiteX9" fmla="*/ 203947 w 815787"/>
+              <a:gd name="connsiteY9" fmla="*/ 3350266 h 3710237"/>
+              <a:gd name="connsiteX10" fmla="*/ 814322 w 815787"/>
+              <a:gd name="connsiteY10" fmla="*/ 1804132 h 3710237"/>
+            </a:gdLst>
+            <a:ahLst/>
+            <a:cxnLst>
+              <a:cxn ang="0">
+                <a:pos x="connsiteX0" y="connsiteY0"/>
+              </a:cxn>
+              <a:cxn ang="0">
+                <a:pos x="connsiteX1" y="connsiteY1"/>
+              </a:cxn>
+              <a:cxn ang="0">
+                <a:pos x="connsiteX2" y="connsiteY2"/>
+              </a:cxn>
+              <a:cxn ang="0">
+                <a:pos x="connsiteX3" y="connsiteY3"/>
+              </a:cxn>
+              <a:cxn ang="0">
+                <a:pos x="connsiteX4" y="connsiteY4"/>
+              </a:cxn>
+              <a:cxn ang="0">
+                <a:pos x="connsiteX5" y="connsiteY5"/>
+              </a:cxn>
+              <a:cxn ang="0">
+                <a:pos x="connsiteX6" y="connsiteY6"/>
+              </a:cxn>
+              <a:cxn ang="0">
+                <a:pos x="connsiteX7" y="connsiteY7"/>
+              </a:cxn>
+              <a:cxn ang="0">
+                <a:pos x="connsiteX8" y="connsiteY8"/>
+              </a:cxn>
+              <a:cxn ang="0">
+                <a:pos x="connsiteX9" y="connsiteY9"/>
+              </a:cxn>
+              <a:cxn ang="0">
+                <a:pos x="connsiteX10" y="connsiteY10"/>
+              </a:cxn>
+            </a:cxnLst>
+            <a:rect l="l" t="t" r="r" b="b"/>
+            <a:pathLst>
+              <a:path w="815787" h="3710237" stroke="0" extrusionOk="0">
+                <a:moveTo>
+                  <a:pt x="0" y="3506290"/>
+                </a:moveTo>
+                <a:cubicBezTo>
+                  <a:pt x="81037" y="3395490"/>
+                  <a:pt x="92941" y="3368319"/>
+                  <a:pt x="203947" y="3248293"/>
+                </a:cubicBezTo>
+                <a:cubicBezTo>
+                  <a:pt x="199929" y="3289197"/>
+                  <a:pt x="207557" y="3302451"/>
+                  <a:pt x="203947" y="3350266"/>
+                </a:cubicBezTo>
+                <a:cubicBezTo>
+                  <a:pt x="-153982" y="3551696"/>
+                  <a:pt x="851204" y="1016238"/>
+                  <a:pt x="814322" y="1804132"/>
+                </a:cubicBezTo>
+                <a:cubicBezTo>
+                  <a:pt x="843944" y="2024453"/>
+                  <a:pt x="796455" y="2232282"/>
+                  <a:pt x="764309" y="2501190"/>
+                </a:cubicBezTo>
+                <a:cubicBezTo>
+                  <a:pt x="696763" y="2991735"/>
+                  <a:pt x="482441" y="3422991"/>
+                  <a:pt x="203947" y="3554214"/>
+                </a:cubicBezTo>
+                <a:cubicBezTo>
+                  <a:pt x="208018" y="3585554"/>
+                  <a:pt x="208864" y="3617800"/>
+                  <a:pt x="203947" y="3656186"/>
+                </a:cubicBezTo>
+                <a:cubicBezTo>
+                  <a:pt x="128537" y="3599092"/>
+                  <a:pt x="52157" y="3546281"/>
+                  <a:pt x="0" y="3506290"/>
+                </a:cubicBezTo>
+                <a:close/>
+              </a:path>
+              <a:path w="815787" h="3710237" fill="darkenLess" stroke="0" extrusionOk="0">
+                <a:moveTo>
+                  <a:pt x="815787" y="1906105"/>
+                </a:moveTo>
+                <a:cubicBezTo>
+                  <a:pt x="750579" y="2897657"/>
+                  <a:pt x="-365480" y="218396"/>
+                  <a:pt x="0" y="203947"/>
+                </a:cubicBezTo>
+                <a:cubicBezTo>
+                  <a:pt x="-8161" y="162766"/>
+                  <a:pt x="-3853" y="74105"/>
+                  <a:pt x="0" y="0"/>
+                </a:cubicBezTo>
+                <a:cubicBezTo>
+                  <a:pt x="478951" y="43656"/>
+                  <a:pt x="835823" y="772656"/>
+                  <a:pt x="815787" y="1702158"/>
+                </a:cubicBezTo>
+                <a:cubicBezTo>
+                  <a:pt x="825632" y="1804091"/>
+                  <a:pt x="820084" y="1814230"/>
+                  <a:pt x="815787" y="1906105"/>
+                </a:cubicBezTo>
+                <a:close/>
+              </a:path>
+              <a:path w="815787" h="3710237" fill="none" extrusionOk="0">
+                <a:moveTo>
+                  <a:pt x="815787" y="1906105"/>
+                </a:moveTo>
+                <a:cubicBezTo>
+                  <a:pt x="895228" y="2918568"/>
+                  <a:pt x="-522190" y="184916"/>
+                  <a:pt x="0" y="203947"/>
+                </a:cubicBezTo>
+                <a:cubicBezTo>
+                  <a:pt x="-9930" y="138834"/>
+                  <a:pt x="8858" y="65857"/>
+                  <a:pt x="0" y="0"/>
+                </a:cubicBezTo>
+                <a:cubicBezTo>
+                  <a:pt x="571535" y="-11956"/>
+                  <a:pt x="807703" y="688329"/>
+                  <a:pt x="815787" y="1702158"/>
+                </a:cubicBezTo>
+                <a:cubicBezTo>
+                  <a:pt x="805926" y="1746497"/>
+                  <a:pt x="816781" y="1833600"/>
+                  <a:pt x="815787" y="1906105"/>
+                </a:cubicBezTo>
+                <a:cubicBezTo>
+                  <a:pt x="875293" y="2630796"/>
+                  <a:pt x="561365" y="3379407"/>
+                  <a:pt x="203947" y="3554212"/>
+                </a:cubicBezTo>
+                <a:cubicBezTo>
+                  <a:pt x="208009" y="3594633"/>
+                  <a:pt x="205547" y="3632183"/>
+                  <a:pt x="203947" y="3656186"/>
+                </a:cubicBezTo>
+                <a:cubicBezTo>
+                  <a:pt x="120760" y="3609435"/>
+                  <a:pt x="63417" y="3568270"/>
+                  <a:pt x="0" y="3506290"/>
+                </a:cubicBezTo>
+                <a:cubicBezTo>
+                  <a:pt x="104298" y="3381006"/>
+                  <a:pt x="114476" y="3336286"/>
+                  <a:pt x="203947" y="3248293"/>
+                </a:cubicBezTo>
+                <a:cubicBezTo>
+                  <a:pt x="206782" y="3270388"/>
+                  <a:pt x="201431" y="3313095"/>
+                  <a:pt x="203947" y="3350266"/>
+                </a:cubicBezTo>
+                <a:cubicBezTo>
+                  <a:pt x="-194010" y="3448499"/>
+                  <a:pt x="856944" y="978838"/>
+                  <a:pt x="814322" y="1804132"/>
+                </a:cubicBezTo>
+              </a:path>
+              <a:path w="815787" h="3710237" fill="none" stroke="0" extrusionOk="0">
+                <a:moveTo>
+                  <a:pt x="815787" y="1906105"/>
+                </a:moveTo>
+                <a:cubicBezTo>
+                  <a:pt x="784505" y="2870184"/>
+                  <a:pt x="-364328" y="183488"/>
+                  <a:pt x="0" y="203947"/>
+                </a:cubicBezTo>
+                <a:cubicBezTo>
+                  <a:pt x="-3781" y="117038"/>
+                  <a:pt x="-3185" y="46465"/>
+                  <a:pt x="0" y="0"/>
+                </a:cubicBezTo>
+                <a:cubicBezTo>
+                  <a:pt x="585114" y="27497"/>
+                  <a:pt x="751984" y="771439"/>
+                  <a:pt x="815787" y="1702158"/>
+                </a:cubicBezTo>
+                <a:cubicBezTo>
+                  <a:pt x="824304" y="1782676"/>
+                  <a:pt x="825794" y="1851583"/>
+                  <a:pt x="815787" y="1906105"/>
+                </a:cubicBezTo>
+                <a:cubicBezTo>
+                  <a:pt x="825772" y="2673503"/>
+                  <a:pt x="637589" y="3380770"/>
+                  <a:pt x="203947" y="3554212"/>
+                </a:cubicBezTo>
+                <a:cubicBezTo>
+                  <a:pt x="200068" y="3598768"/>
+                  <a:pt x="208653" y="3626410"/>
+                  <a:pt x="203947" y="3656186"/>
+                </a:cubicBezTo>
+                <a:cubicBezTo>
+                  <a:pt x="104988" y="3594111"/>
+                  <a:pt x="100222" y="3574822"/>
+                  <a:pt x="0" y="3506290"/>
+                </a:cubicBezTo>
+                <a:cubicBezTo>
+                  <a:pt x="64409" y="3431174"/>
+                  <a:pt x="117568" y="3378607"/>
+                  <a:pt x="203947" y="3248293"/>
+                </a:cubicBezTo>
+                <a:cubicBezTo>
+                  <a:pt x="208745" y="3283789"/>
+                  <a:pt x="201789" y="3301076"/>
+                  <a:pt x="203947" y="3350266"/>
+                </a:cubicBezTo>
+                <a:cubicBezTo>
+                  <a:pt x="-163464" y="3500943"/>
+                  <a:pt x="652928" y="1061495"/>
+                  <a:pt x="814322" y="1804132"/>
+                </a:cubicBezTo>
+              </a:path>
+            </a:pathLst>
+          </a:custGeom>
+          <a:solidFill>
+            <a:srgbClr val="EA8525"/>
+          </a:solidFill>
+          <a:ln w="9525" cap="flat" cmpd="sng" algn="ctr">
+            <a:noFill/>
+            <a:prstDash val="solid"/>
+            <a:round/>
+            <a:headEnd type="none" w="med" len="med"/>
+            <a:tailEnd type="none" w="med" len="med"/>
+            <a:extLst>
+              <a:ext uri="{C807C97D-BFC1-408E-A445-0C87EB9F89A2}">
+                <ask:lineSketchStyleProps xmlns:ask="http://schemas.microsoft.com/office/drawing/2018/sketchyshapes" sd="3010053579">
+                  <a:prstGeom prst="curvedLeftArrow">
+                    <a:avLst/>
+                  </a:prstGeom>
+                  <ask:type>
+                    <ask:lineSketchFreehand/>
+                  </ask:type>
+                </ask:lineSketchStyleProps>
+              </a:ext>
+            </a:extLst>
+          </a:ln>
+          <a:effectLst/>
+        </p:spPr>
+        <p:txBody>
+          <a:bodyPr vert="horz" wrap="square" lIns="91440" tIns="45720" rIns="91440" bIns="45720" numCol="1" rtlCol="0" anchor="t" anchorCtr="0" compatLnSpc="1">
+            <a:prstTxWarp prst="textNoShape">
+              <a:avLst/>
+            </a:prstTxWarp>
+          </a:bodyPr>
+          <a:lstStyle/>
+          <a:p>
+            <a:pPr defTabSz="914377" eaLnBrk="0" hangingPunct="0"/>
+            <a:endParaRPr lang="en-US">
+              <a:latin typeface="Arial" charset="0"/>
+            </a:endParaRPr>
+          </a:p>
+        </p:txBody>
+      </p:sp>
+      <p:cxnSp>
+        <p:nvCxnSpPr>
+          <p:cNvPr id="25" name="Connettore 2 24">
+            <a:extLst>
+              <a:ext uri="{FF2B5EF4-FFF2-40B4-BE49-F238E27FC236}">
+                <a16:creationId xmlns:a16="http://schemas.microsoft.com/office/drawing/2014/main" id="{4CDAD6A5-6C94-427D-77D8-F44420193B22}"/>
+              </a:ext>
+            </a:extLst>
+          </p:cNvPr>
+          <p:cNvCxnSpPr>
+            <a:cxnSpLocks/>
+            <a:stCxn id="14" idx="2"/>
+            <a:endCxn id="43" idx="0"/>
+          </p:cNvCxnSpPr>
+          <p:nvPr/>
+        </p:nvCxnSpPr>
+        <p:spPr>
+          <a:xfrm flipH="1">
+            <a:off x="4045758" y="4895185"/>
+            <a:ext cx="1" cy="327004"/>
+          </a:xfrm>
+          <a:prstGeom prst="straightConnector1">
+            <a:avLst/>
+          </a:prstGeom>
+          <a:ln>
+            <a:prstDash val="dash"/>
+            <a:tailEnd type="triangle"/>
+          </a:ln>
+        </p:spPr>
+        <p:style>
+          <a:lnRef idx="2">
+            <a:schemeClr val="accent1"/>
+          </a:lnRef>
+          <a:fillRef idx="0">
+            <a:schemeClr val="accent1"/>
+          </a:fillRef>
+          <a:effectRef idx="1">
+            <a:schemeClr val="accent1"/>
+          </a:effectRef>
+          <a:fontRef idx="minor">
+            <a:schemeClr val="tx1"/>
+          </a:fontRef>
+        </p:style>
+      </p:cxnSp>
+      <p:sp>
+        <p:nvSpPr>
+          <p:cNvPr id="60" name="Freccia circolare a sinistra 59">
+            <a:extLst>
+              <a:ext uri="{FF2B5EF4-FFF2-40B4-BE49-F238E27FC236}">
+                <a16:creationId xmlns:a16="http://schemas.microsoft.com/office/drawing/2014/main" id="{A206AB74-F315-AD14-C9D6-E3279B433586}"/>
+              </a:ext>
+            </a:extLst>
+          </p:cNvPr>
+          <p:cNvSpPr/>
+          <p:nvPr/>
+        </p:nvSpPr>
+        <p:spPr bwMode="auto">
+          <a:xfrm rot="5757850" flipH="1">
+            <a:off x="6066369" y="2090651"/>
+            <a:ext cx="634387" cy="2806956"/>
+          </a:xfrm>
+          <a:custGeom>
+            <a:avLst/>
+            <a:gdLst>
+              <a:gd name="connsiteX0" fmla="*/ 0 w 634387"/>
+              <a:gd name="connsiteY0" fmla="*/ 2648359 h 2806956"/>
+              <a:gd name="connsiteX1" fmla="*/ 158597 w 634387"/>
+              <a:gd name="connsiteY1" fmla="*/ 2448973 h 2806956"/>
+              <a:gd name="connsiteX2" fmla="*/ 158597 w 634387"/>
+              <a:gd name="connsiteY2" fmla="*/ 2528272 h 2806956"/>
+              <a:gd name="connsiteX3" fmla="*/ 633177 w 634387"/>
+              <a:gd name="connsiteY3" fmla="*/ 1363830 h 2806956"/>
+              <a:gd name="connsiteX4" fmla="*/ 158597 w 634387"/>
+              <a:gd name="connsiteY4" fmla="*/ 2686869 h 2806956"/>
+              <a:gd name="connsiteX5" fmla="*/ 158597 w 634387"/>
+              <a:gd name="connsiteY5" fmla="*/ 2766167 h 2806956"/>
+              <a:gd name="connsiteX6" fmla="*/ 0 w 634387"/>
+              <a:gd name="connsiteY6" fmla="*/ 2648359 h 2806956"/>
+              <a:gd name="connsiteX0" fmla="*/ 634387 w 634387"/>
+              <a:gd name="connsiteY0" fmla="*/ 1443127 h 2806956"/>
+              <a:gd name="connsiteX1" fmla="*/ 0 w 634387"/>
+              <a:gd name="connsiteY1" fmla="*/ 158597 h 2806956"/>
+              <a:gd name="connsiteX2" fmla="*/ 0 w 634387"/>
+              <a:gd name="connsiteY2" fmla="*/ 0 h 2806956"/>
+              <a:gd name="connsiteX3" fmla="*/ 634387 w 634387"/>
+              <a:gd name="connsiteY3" fmla="*/ 1284530 h 2806956"/>
+              <a:gd name="connsiteX4" fmla="*/ 634387 w 634387"/>
+              <a:gd name="connsiteY4" fmla="*/ 1443127 h 2806956"/>
+              <a:gd name="connsiteX0" fmla="*/ 634387 w 634387"/>
+              <a:gd name="connsiteY0" fmla="*/ 1443127 h 2806956"/>
+              <a:gd name="connsiteX1" fmla="*/ 0 w 634387"/>
+              <a:gd name="connsiteY1" fmla="*/ 158597 h 2806956"/>
+              <a:gd name="connsiteX2" fmla="*/ 0 w 634387"/>
+              <a:gd name="connsiteY2" fmla="*/ 0 h 2806956"/>
+              <a:gd name="connsiteX3" fmla="*/ 634387 w 634387"/>
+              <a:gd name="connsiteY3" fmla="*/ 1284530 h 2806956"/>
+              <a:gd name="connsiteX4" fmla="*/ 634387 w 634387"/>
+              <a:gd name="connsiteY4" fmla="*/ 1443127 h 2806956"/>
+              <a:gd name="connsiteX5" fmla="*/ 158597 w 634387"/>
+              <a:gd name="connsiteY5" fmla="*/ 2686868 h 2806956"/>
+              <a:gd name="connsiteX6" fmla="*/ 158597 w 634387"/>
+              <a:gd name="connsiteY6" fmla="*/ 2766167 h 2806956"/>
+              <a:gd name="connsiteX7" fmla="*/ 0 w 634387"/>
+              <a:gd name="connsiteY7" fmla="*/ 2648359 h 2806956"/>
+              <a:gd name="connsiteX8" fmla="*/ 158597 w 634387"/>
+              <a:gd name="connsiteY8" fmla="*/ 2448973 h 2806956"/>
+              <a:gd name="connsiteX9" fmla="*/ 158597 w 634387"/>
+              <a:gd name="connsiteY9" fmla="*/ 2528272 h 2806956"/>
+              <a:gd name="connsiteX10" fmla="*/ 633177 w 634387"/>
+              <a:gd name="connsiteY10" fmla="*/ 1363830 h 2806956"/>
+            </a:gdLst>
+            <a:ahLst/>
+            <a:cxnLst>
+              <a:cxn ang="0">
+                <a:pos x="connsiteX0" y="connsiteY0"/>
+              </a:cxn>
+              <a:cxn ang="0">
+                <a:pos x="connsiteX1" y="connsiteY1"/>
+              </a:cxn>
+              <a:cxn ang="0">
+                <a:pos x="connsiteX2" y="connsiteY2"/>
+              </a:cxn>
+              <a:cxn ang="0">
+                <a:pos x="connsiteX3" y="connsiteY3"/>
+              </a:cxn>
+              <a:cxn ang="0">
+                <a:pos x="connsiteX4" y="connsiteY4"/>
+              </a:cxn>
+              <a:cxn ang="0">
+                <a:pos x="connsiteX5" y="connsiteY5"/>
+              </a:cxn>
+              <a:cxn ang="0">
+                <a:pos x="connsiteX6" y="connsiteY6"/>
+              </a:cxn>
+              <a:cxn ang="0">
+                <a:pos x="connsiteX7" y="connsiteY7"/>
+              </a:cxn>
+              <a:cxn ang="0">
+                <a:pos x="connsiteX8" y="connsiteY8"/>
+              </a:cxn>
+              <a:cxn ang="0">
+                <a:pos x="connsiteX9" y="connsiteY9"/>
+              </a:cxn>
+              <a:cxn ang="0">
+                <a:pos x="connsiteX10" y="connsiteY10"/>
+              </a:cxn>
+            </a:cxnLst>
+            <a:rect l="l" t="t" r="r" b="b"/>
+            <a:pathLst>
+              <a:path w="634387" h="2806956" stroke="0" extrusionOk="0">
+                <a:moveTo>
+                  <a:pt x="0" y="2648359"/>
+                </a:moveTo>
+                <a:cubicBezTo>
+                  <a:pt x="52310" y="2590796"/>
+                  <a:pt x="113573" y="2496707"/>
+                  <a:pt x="158597" y="2448973"/>
+                </a:cubicBezTo>
+                <a:cubicBezTo>
+                  <a:pt x="162295" y="2473515"/>
+                  <a:pt x="161334" y="2492721"/>
+                  <a:pt x="158597" y="2528272"/>
+                </a:cubicBezTo>
+                <a:cubicBezTo>
+                  <a:pt x="-132547" y="2695010"/>
+                  <a:pt x="670452" y="742690"/>
+                  <a:pt x="633177" y="1363830"/>
+                </a:cubicBezTo>
+                <a:cubicBezTo>
+                  <a:pt x="694105" y="1947097"/>
+                  <a:pt x="449714" y="2513728"/>
+                  <a:pt x="158597" y="2686869"/>
+                </a:cubicBezTo>
+                <a:cubicBezTo>
+                  <a:pt x="157662" y="2723404"/>
+                  <a:pt x="154643" y="2734630"/>
+                  <a:pt x="158597" y="2766167"/>
+                </a:cubicBezTo>
+                <a:cubicBezTo>
+                  <a:pt x="81889" y="2717206"/>
+                  <a:pt x="69976" y="2691123"/>
+                  <a:pt x="0" y="2648359"/>
+                </a:cubicBezTo>
+                <a:close/>
+              </a:path>
+              <a:path w="634387" h="2806956" fill="darkenLess" stroke="0" extrusionOk="0">
+                <a:moveTo>
+                  <a:pt x="634387" y="1443127"/>
+                </a:moveTo>
+                <a:cubicBezTo>
+                  <a:pt x="596786" y="2150408"/>
+                  <a:pt x="-402769" y="135025"/>
+                  <a:pt x="0" y="158597"/>
+                </a:cubicBezTo>
+                <a:cubicBezTo>
+                  <a:pt x="-7569" y="117085"/>
+                  <a:pt x="4774" y="39651"/>
+                  <a:pt x="0" y="0"/>
+                </a:cubicBezTo>
+                <a:cubicBezTo>
+                  <a:pt x="378498" y="-93978"/>
+                  <a:pt x="661442" y="593186"/>
+                  <a:pt x="634387" y="1284530"/>
+                </a:cubicBezTo>
+                <a:cubicBezTo>
+                  <a:pt x="628561" y="1351726"/>
+                  <a:pt x="630731" y="1382834"/>
+                  <a:pt x="634387" y="1443127"/>
+                </a:cubicBezTo>
+                <a:close/>
+              </a:path>
+              <a:path w="634387" h="2806956" fill="none" extrusionOk="0">
+                <a:moveTo>
+                  <a:pt x="634387" y="1443127"/>
+                </a:moveTo>
+                <a:cubicBezTo>
+                  <a:pt x="597409" y="2101909"/>
+                  <a:pt x="-413372" y="156671"/>
+                  <a:pt x="0" y="158597"/>
+                </a:cubicBezTo>
+                <a:cubicBezTo>
+                  <a:pt x="-6045" y="102891"/>
+                  <a:pt x="886" y="60522"/>
+                  <a:pt x="0" y="0"/>
+                </a:cubicBezTo>
+                <a:cubicBezTo>
+                  <a:pt x="416966" y="-135873"/>
+                  <a:pt x="641593" y="618984"/>
+                  <a:pt x="634387" y="1284530"/>
+                </a:cubicBezTo>
+                <a:cubicBezTo>
+                  <a:pt x="630339" y="1355617"/>
+                  <a:pt x="632273" y="1384508"/>
+                  <a:pt x="634387" y="1443127"/>
+                </a:cubicBezTo>
+                <a:cubicBezTo>
+                  <a:pt x="650797" y="1969509"/>
+                  <a:pt x="410070" y="2586627"/>
+                  <a:pt x="158597" y="2686868"/>
+                </a:cubicBezTo>
+                <a:cubicBezTo>
+                  <a:pt x="161096" y="2707214"/>
+                  <a:pt x="157717" y="2728751"/>
+                  <a:pt x="158597" y="2766167"/>
+                </a:cubicBezTo>
+                <a:cubicBezTo>
+                  <a:pt x="80618" y="2706026"/>
+                  <a:pt x="42223" y="2690959"/>
+                  <a:pt x="0" y="2648359"/>
+                </a:cubicBezTo>
+                <a:cubicBezTo>
+                  <a:pt x="42750" y="2577189"/>
+                  <a:pt x="104471" y="2520110"/>
+                  <a:pt x="158597" y="2448973"/>
+                </a:cubicBezTo>
+                <a:cubicBezTo>
+                  <a:pt x="159394" y="2478798"/>
+                  <a:pt x="160629" y="2488713"/>
+                  <a:pt x="158597" y="2528272"/>
+                </a:cubicBezTo>
+                <a:cubicBezTo>
+                  <a:pt x="-180234" y="2774123"/>
+                  <a:pt x="590664" y="824334"/>
+                  <a:pt x="633177" y="1363830"/>
+                </a:cubicBezTo>
+              </a:path>
+              <a:path w="634387" h="2806956" fill="none" stroke="0" extrusionOk="0">
+                <a:moveTo>
+                  <a:pt x="634387" y="1443127"/>
+                </a:moveTo>
+                <a:cubicBezTo>
+                  <a:pt x="581189" y="2159258"/>
+                  <a:pt x="-396898" y="131006"/>
+                  <a:pt x="0" y="158597"/>
+                </a:cubicBezTo>
+                <a:cubicBezTo>
+                  <a:pt x="6202" y="109991"/>
+                  <a:pt x="-3872" y="70228"/>
+                  <a:pt x="0" y="0"/>
+                </a:cubicBezTo>
+                <a:cubicBezTo>
+                  <a:pt x="267539" y="-87227"/>
+                  <a:pt x="659524" y="481106"/>
+                  <a:pt x="634387" y="1284530"/>
+                </a:cubicBezTo>
+                <a:cubicBezTo>
+                  <a:pt x="640523" y="1347077"/>
+                  <a:pt x="639020" y="1378235"/>
+                  <a:pt x="634387" y="1443127"/>
+                </a:cubicBezTo>
+                <a:cubicBezTo>
+                  <a:pt x="603332" y="1963202"/>
+                  <a:pt x="449432" y="2531044"/>
+                  <a:pt x="158597" y="2686868"/>
+                </a:cubicBezTo>
+                <a:cubicBezTo>
+                  <a:pt x="156979" y="2726345"/>
+                  <a:pt x="160593" y="2735890"/>
+                  <a:pt x="158597" y="2766167"/>
+                </a:cubicBezTo>
+                <a:cubicBezTo>
+                  <a:pt x="117332" y="2742730"/>
+                  <a:pt x="57369" y="2700156"/>
+                  <a:pt x="0" y="2648359"/>
+                </a:cubicBezTo>
+                <a:cubicBezTo>
+                  <a:pt x="61322" y="2572583"/>
+                  <a:pt x="104057" y="2527939"/>
+                  <a:pt x="158597" y="2448973"/>
+                </a:cubicBezTo>
+                <a:cubicBezTo>
+                  <a:pt x="159047" y="2482617"/>
+                  <a:pt x="157415" y="2511310"/>
+                  <a:pt x="158597" y="2528272"/>
+                </a:cubicBezTo>
+                <a:cubicBezTo>
+                  <a:pt x="-148818" y="2566314"/>
+                  <a:pt x="687608" y="907451"/>
+                  <a:pt x="633177" y="1363830"/>
+                </a:cubicBezTo>
+              </a:path>
+            </a:pathLst>
+          </a:custGeom>
+          <a:solidFill>
+            <a:srgbClr val="EA8525"/>
+          </a:solidFill>
+          <a:ln w="9525" cap="flat" cmpd="sng" algn="ctr">
+            <a:noFill/>
+            <a:prstDash val="solid"/>
+            <a:round/>
+            <a:headEnd type="none" w="med" len="med"/>
+            <a:tailEnd type="none" w="med" len="med"/>
+            <a:extLst>
+              <a:ext uri="{C807C97D-BFC1-408E-A445-0C87EB9F89A2}">
+                <ask:lineSketchStyleProps xmlns:ask="http://schemas.microsoft.com/office/drawing/2018/sketchyshapes" sd="3010053579">
+                  <a:prstGeom prst="curvedLeftArrow">
+                    <a:avLst/>
+                  </a:prstGeom>
+                  <ask:type>
+                    <ask:lineSketchFreehand/>
+                  </ask:type>
+                </ask:lineSketchStyleProps>
+              </a:ext>
+            </a:extLst>
+          </a:ln>
+          <a:effectLst/>
+        </p:spPr>
+        <p:txBody>
+          <a:bodyPr vert="horz" wrap="square" lIns="91440" tIns="45720" rIns="91440" bIns="45720" numCol="1" rtlCol="0" anchor="t" anchorCtr="0" compatLnSpc="1">
+            <a:prstTxWarp prst="textNoShape">
+              <a:avLst/>
+            </a:prstTxWarp>
+          </a:bodyPr>
+          <a:lstStyle/>
+          <a:p>
+            <a:pPr defTabSz="914377" eaLnBrk="0" hangingPunct="0"/>
+            <a:endParaRPr lang="en-US">
+              <a:latin typeface="Arial" charset="0"/>
+            </a:endParaRPr>
+          </a:p>
+        </p:txBody>
+      </p:sp>
+      <p:sp>
+        <p:nvSpPr>
+          <p:cNvPr id="28" name="Freccia destra con strisce 27">
+            <a:extLst>
+              <a:ext uri="{FF2B5EF4-FFF2-40B4-BE49-F238E27FC236}">
+                <a16:creationId xmlns:a16="http://schemas.microsoft.com/office/drawing/2014/main" id="{8F518500-4FF8-23B4-6DED-D890520A71DA}"/>
+              </a:ext>
+            </a:extLst>
+          </p:cNvPr>
+          <p:cNvSpPr/>
+          <p:nvPr/>
+        </p:nvSpPr>
+        <p:spPr>
+          <a:xfrm>
+            <a:off x="489024" y="2612584"/>
+            <a:ext cx="1632000" cy="1147913"/>
+          </a:xfrm>
+          <a:prstGeom prst="stripedRightArrow">
+            <a:avLst/>
+          </a:prstGeom>
+          <a:ln>
+            <a:headEnd type="none" w="med" len="med"/>
+            <a:tailEnd type="none" w="med" len="med"/>
+          </a:ln>
+        </p:spPr>
+        <p:style>
+          <a:lnRef idx="2">
+            <a:schemeClr val="accent4"/>
+          </a:lnRef>
+          <a:fillRef idx="1">
+            <a:schemeClr val="lt1"/>
+          </a:fillRef>
+          <a:effectRef idx="0">
+            <a:schemeClr val="accent4"/>
+          </a:effectRef>
+          <a:fontRef idx="minor">
+            <a:schemeClr val="dk1"/>
+          </a:fontRef>
+        </p:style>
+        <p:txBody>
+          <a:bodyPr lIns="121920" tIns="60960" rIns="121920" bIns="60960" rtlCol="0" anchor="ctr"/>
+          <a:lstStyle/>
+          <a:p>
+            <a:pPr algn="ctr"/>
+            <a:r>
+              <a:rPr lang="en-US" sz="1200" b="1" i="1"/>
+              <a:t>European Guidelines</a:t>
+            </a:r>
+          </a:p>
+        </p:txBody>
+      </p:sp>
+    </p:spTree>
+    <p:extLst>
+      <p:ext uri="{BB962C8B-B14F-4D97-AF65-F5344CB8AC3E}">
+        <p14:creationId xmlns:p14="http://schemas.microsoft.com/office/powerpoint/2010/main" val="3703051296"/>
+      </p:ext>
+    </p:extLst>
+  </p:cSld>
+  <p:clrMapOvr>
+    <a:masterClrMapping/>
+  </p:clrMapOvr>
+  <mc:AlternateContent xmlns:mc="http://schemas.openxmlformats.org/markup-compatibility/2006" xmlns:p159="http://schemas.microsoft.com/office/powerpoint/2015/09/main">
+    <mc:Choice Requires="p159">
+      <p:transition xmlns:p14="http://schemas.microsoft.com/office/powerpoint/2010/main" spd="slow" p14:dur="2000">
+        <p159:morph option="byObject"/>
+      </p:transition>
+    </mc:Choice>
+    <mc:Fallback xmlns="">
+      <p:transition spd="slow">
+        <p:fade/>
+      </p:transition>
+    </mc:Fallback>
+  </mc:AlternateContent>
+  <p:timing>
+    <p:tnLst>
+      <p:par>
+        <p:cTn id="1" dur="indefinite" restart="never" nodeType="tmRoot">
+          <p:childTnLst>
+            <p:seq concurrent="1" nextAc="seek">
+              <p:cTn id="2" dur="indefinite" nodeType="mainSeq">
+                <p:childTnLst>
+                  <p:par>
+                    <p:cTn id="3" fill="hold">
+                      <p:stCondLst>
+                        <p:cond delay="indefinite"/>
+                        <p:cond evt="onBegin" delay="0">
+                          <p:tn val="2"/>
+                        </p:cond>
+                      </p:stCondLst>
+                      <p:childTnLst>
+                        <p:par>
+                          <p:cTn id="4" fill="hold">
+                            <p:stCondLst>
+                              <p:cond delay="0"/>
+                            </p:stCondLst>
+                            <p:childTnLst>
+                              <p:par>
+                                <p:cTn id="5" presetID="10" presetClass="entr" presetSubtype="0" fill="hold" grpId="0" nodeType="afterEffect">
+                                  <p:stCondLst>
+                                    <p:cond delay="0"/>
+                                  </p:stCondLst>
+                                  <p:childTnLst>
+                                    <p:set>
+                                      <p:cBhvr>
+                                        <p:cTn id="6" dur="1" fill="hold">
+                                          <p:stCondLst>
+                                            <p:cond delay="0"/>
+                                          </p:stCondLst>
+                                        </p:cTn>
+                                        <p:tgtEl>
+                                          <p:spTgt spid="17"/>
+                                        </p:tgtEl>
+                                        <p:attrNameLst>
+                                          <p:attrName>style.visibility</p:attrName>
+                                        </p:attrNameLst>
+                                      </p:cBhvr>
+                                      <p:to>
+                                        <p:strVal val="visible"/>
+                                      </p:to>
+                                    </p:set>
+                                    <p:animEffect transition="in" filter="fade">
+                                      <p:cBhvr>
+                                        <p:cTn id="7" dur="500"/>
+                                        <p:tgtEl>
+                                          <p:spTgt spid="17"/>
+                                        </p:tgtEl>
+                                      </p:cBhvr>
+                                    </p:animEffect>
+                                  </p:childTnLst>
+                                </p:cTn>
+                              </p:par>
+                              <p:par>
+                                <p:cTn id="8" presetID="10" presetClass="entr" presetSubtype="0" fill="hold" grpId="0" nodeType="withEffect">
+                                  <p:stCondLst>
+                                    <p:cond delay="0"/>
+                                  </p:stCondLst>
+                                  <p:childTnLst>
+                                    <p:set>
+                                      <p:cBhvr>
+                                        <p:cTn id="9" dur="1" fill="hold">
+                                          <p:stCondLst>
+                                            <p:cond delay="0"/>
+                                          </p:stCondLst>
+                                        </p:cTn>
+                                        <p:tgtEl>
+                                          <p:spTgt spid="12"/>
+                                        </p:tgtEl>
+                                        <p:attrNameLst>
+                                          <p:attrName>style.visibility</p:attrName>
+                                        </p:attrNameLst>
+                                      </p:cBhvr>
+                                      <p:to>
+                                        <p:strVal val="visible"/>
+                                      </p:to>
+                                    </p:set>
+                                    <p:animEffect transition="in" filter="fade">
+                                      <p:cBhvr>
+                                        <p:cTn id="10" dur="500"/>
+                                        <p:tgtEl>
+                                          <p:spTgt spid="12"/>
+                                        </p:tgtEl>
+                                      </p:cBhvr>
+                                    </p:animEffect>
+                                  </p:childTnLst>
+                                </p:cTn>
+                              </p:par>
+                              <p:par>
+                                <p:cTn id="11" presetID="10" presetClass="entr" presetSubtype="0" fill="hold" grpId="0" nodeType="withEffect">
+                                  <p:stCondLst>
+                                    <p:cond delay="0"/>
+                                  </p:stCondLst>
+                                  <p:childTnLst>
+                                    <p:set>
+                                      <p:cBhvr>
+                                        <p:cTn id="12" dur="1" fill="hold">
+                                          <p:stCondLst>
+                                            <p:cond delay="0"/>
+                                          </p:stCondLst>
+                                        </p:cTn>
+                                        <p:tgtEl>
+                                          <p:spTgt spid="19"/>
+                                        </p:tgtEl>
+                                        <p:attrNameLst>
+                                          <p:attrName>style.visibility</p:attrName>
+                                        </p:attrNameLst>
+                                      </p:cBhvr>
+                                      <p:to>
+                                        <p:strVal val="visible"/>
+                                      </p:to>
+                                    </p:set>
+                                    <p:animEffect transition="in" filter="fade">
+                                      <p:cBhvr>
+                                        <p:cTn id="13" dur="500"/>
+                                        <p:tgtEl>
+                                          <p:spTgt spid="19"/>
+                                        </p:tgtEl>
+                                      </p:cBhvr>
+                                    </p:animEffect>
+                                  </p:childTnLst>
+                                </p:cTn>
+                              </p:par>
+                            </p:childTnLst>
+                          </p:cTn>
+                        </p:par>
+                        <p:par>
+                          <p:cTn id="14" fill="hold">
+                            <p:stCondLst>
+                              <p:cond delay="500"/>
+                            </p:stCondLst>
+                            <p:childTnLst>
+                              <p:par>
+                                <p:cTn id="15" presetID="10" presetClass="entr" presetSubtype="0" fill="hold" grpId="0" nodeType="afterEffect">
+                                  <p:stCondLst>
+                                    <p:cond delay="0"/>
+                                  </p:stCondLst>
+                                  <p:childTnLst>
+                                    <p:set>
+                                      <p:cBhvr>
+                                        <p:cTn id="16" dur="1" fill="hold">
+                                          <p:stCondLst>
+                                            <p:cond delay="0"/>
+                                          </p:stCondLst>
+                                        </p:cTn>
+                                        <p:tgtEl>
+                                          <p:spTgt spid="11"/>
+                                        </p:tgtEl>
+                                        <p:attrNameLst>
+                                          <p:attrName>style.visibility</p:attrName>
+                                        </p:attrNameLst>
+                                      </p:cBhvr>
+                                      <p:to>
+                                        <p:strVal val="visible"/>
+                                      </p:to>
+                                    </p:set>
+                                    <p:animEffect transition="in" filter="fade">
+                                      <p:cBhvr>
+                                        <p:cTn id="17" dur="500"/>
+                                        <p:tgtEl>
+                                          <p:spTgt spid="11"/>
+                                        </p:tgtEl>
+                                      </p:cBhvr>
+                                    </p:animEffect>
+                                  </p:childTnLst>
+                                </p:cTn>
+                              </p:par>
+                            </p:childTnLst>
+                          </p:cTn>
+                        </p:par>
+                        <p:par>
+                          <p:cTn id="18" fill="hold">
+                            <p:stCondLst>
+                              <p:cond delay="1000"/>
+                            </p:stCondLst>
+                            <p:childTnLst>
+                              <p:par>
+                                <p:cTn id="19" presetID="10" presetClass="entr" presetSubtype="0" fill="hold" grpId="0" nodeType="afterEffect">
+                                  <p:stCondLst>
+                                    <p:cond delay="0"/>
+                                  </p:stCondLst>
+                                  <p:childTnLst>
+                                    <p:set>
+                                      <p:cBhvr>
+                                        <p:cTn id="20" dur="1" fill="hold">
+                                          <p:stCondLst>
+                                            <p:cond delay="0"/>
+                                          </p:stCondLst>
+                                        </p:cTn>
+                                        <p:tgtEl>
+                                          <p:spTgt spid="3"/>
+                                        </p:tgtEl>
+                                        <p:attrNameLst>
+                                          <p:attrName>style.visibility</p:attrName>
+                                        </p:attrNameLst>
+                                      </p:cBhvr>
+                                      <p:to>
+                                        <p:strVal val="visible"/>
+                                      </p:to>
+                                    </p:set>
+                                    <p:animEffect transition="in" filter="fade">
+                                      <p:cBhvr>
+                                        <p:cTn id="21" dur="500"/>
+                                        <p:tgtEl>
+                                          <p:spTgt spid="3"/>
+                                        </p:tgtEl>
+                                      </p:cBhvr>
+                                    </p:animEffect>
+                                  </p:childTnLst>
+                                </p:cTn>
+                              </p:par>
+                              <p:par>
+                                <p:cTn id="22" presetID="10" presetClass="entr" presetSubtype="0" fill="hold" grpId="0" nodeType="withEffect">
+                                  <p:stCondLst>
+                                    <p:cond delay="0"/>
+                                  </p:stCondLst>
+                                  <p:childTnLst>
+                                    <p:set>
+                                      <p:cBhvr>
+                                        <p:cTn id="23" dur="1" fill="hold">
+                                          <p:stCondLst>
+                                            <p:cond delay="0"/>
+                                          </p:stCondLst>
+                                        </p:cTn>
+                                        <p:tgtEl>
+                                          <p:spTgt spid="60"/>
+                                        </p:tgtEl>
+                                        <p:attrNameLst>
+                                          <p:attrName>style.visibility</p:attrName>
+                                        </p:attrNameLst>
+                                      </p:cBhvr>
+                                      <p:to>
+                                        <p:strVal val="visible"/>
+                                      </p:to>
+                                    </p:set>
+                                    <p:animEffect transition="in" filter="fade">
+                                      <p:cBhvr>
+                                        <p:cTn id="24" dur="500"/>
+                                        <p:tgtEl>
+                                          <p:spTgt spid="60"/>
+                                        </p:tgtEl>
+                                      </p:cBhvr>
+                                    </p:animEffect>
+                                  </p:childTnLst>
+                                </p:cTn>
+                              </p:par>
+                            </p:childTnLst>
+                          </p:cTn>
+                        </p:par>
+                      </p:childTnLst>
+                    </p:cTn>
+                  </p:par>
+                </p:childTnLst>
+              </p:cTn>
+              <p:prevCondLst>
+                <p:cond evt="onPrev" delay="0">
+                  <p:tgtEl>
+                    <p:sldTgt/>
+                  </p:tgtEl>
+                </p:cond>
+              </p:prevCondLst>
+              <p:nextCondLst>
+                <p:cond evt="onNext" delay="0">
+                  <p:tgtEl>
+                    <p:sldTgt/>
+                  </p:tgtEl>
+                </p:cond>
+              </p:nextCondLst>
+            </p:seq>
+          </p:childTnLst>
+        </p:cTn>
+      </p:par>
+    </p:tnLst>
+    <p:bldLst>
+      <p:bldP spid="3" grpId="0" animBg="1"/>
+      <p:bldP spid="11" grpId="0" animBg="1"/>
+      <p:bldP spid="12" grpId="0" animBg="1"/>
+      <p:bldP spid="17" grpId="0" animBg="1"/>
+      <p:bldP spid="19" grpId="0" animBg="1"/>
+      <p:bldP spid="60" grpId="0" animBg="1"/>
+    </p:bldLst>
+  </p:timing>
+</p:sld>
+</file>
+
+<file path=ppt/slides/slide7.xml><?xml version="1.0" encoding="utf-8"?>
+<p:sld xmlns:a="http://schemas.openxmlformats.org/drawingml/2006/main" xmlns:r="http://schemas.openxmlformats.org/officeDocument/2006/relationships" xmlns:p="http://schemas.openxmlformats.org/presentationml/2006/main">
+  <p:cSld>
+    <p:spTree>
+      <p:nvGrpSpPr>
+        <p:cNvPr id="1" name=""/>
+        <p:cNvGrpSpPr/>
+        <p:nvPr/>
+      </p:nvGrpSpPr>
+      <p:grpSpPr>
+        <a:xfrm>
+          <a:off x="0" y="0"/>
+          <a:ext cx="0" cy="0"/>
+          <a:chOff x="0" y="0"/>
+          <a:chExt cx="0" cy="0"/>
+        </a:xfrm>
+      </p:grpSpPr>
+      <p:pic>
+        <p:nvPicPr>
+          <p:cNvPr id="12" name="Immagine 11">
+            <a:extLst>
+              <a:ext uri="{FF2B5EF4-FFF2-40B4-BE49-F238E27FC236}">
+                <a16:creationId xmlns:a16="http://schemas.microsoft.com/office/drawing/2014/main" id="{1BD27C70-3826-9E91-9CB5-14B5CF43D6DA}"/>
+              </a:ext>
+            </a:extLst>
+          </p:cNvPr>
+          <p:cNvPicPr>
+            <a:picLocks noChangeAspect="1"/>
+          </p:cNvPicPr>
+          <p:nvPr/>
+        </p:nvPicPr>
+        <p:blipFill>
+          <a:blip r:embed="rId2"/>
+          <a:stretch>
+            <a:fillRect/>
+          </a:stretch>
+        </p:blipFill>
+        <p:spPr>
+          <a:xfrm>
+            <a:off x="8239087" y="3468890"/>
+            <a:ext cx="3007883" cy="1604204"/>
+          </a:xfrm>
+          <a:prstGeom prst="rect">
+            <a:avLst/>
+          </a:prstGeom>
+          <a:ln>
+            <a:noFill/>
+          </a:ln>
+          <a:effectLst>
+            <a:outerShdw blurRad="292100" dist="139700" dir="2700000" algn="tl" rotWithShape="0">
+              <a:srgbClr val="333333">
+                <a:alpha val="65000"/>
+              </a:srgbClr>
+            </a:outerShdw>
+          </a:effectLst>
+        </p:spPr>
+      </p:pic>
+      <p:pic>
+        <p:nvPicPr>
+          <p:cNvPr id="7" name="Immagine 6">
+            <a:extLst>
+              <a:ext uri="{FF2B5EF4-FFF2-40B4-BE49-F238E27FC236}">
+                <a16:creationId xmlns:a16="http://schemas.microsoft.com/office/drawing/2014/main" id="{AF784620-56D0-463D-2900-4098CAA7CBE9}"/>
+              </a:ext>
+            </a:extLst>
+          </p:cNvPr>
+          <p:cNvPicPr>
+            <a:picLocks noChangeAspect="1"/>
+          </p:cNvPicPr>
+          <p:nvPr/>
+        </p:nvPicPr>
+        <p:blipFill rotWithShape="1">
+          <a:blip r:embed="rId3"/>
+          <a:srcRect b="5573"/>
+          <a:stretch/>
+        </p:blipFill>
+        <p:spPr>
+          <a:xfrm>
+            <a:off x="4038732" y="3943619"/>
+            <a:ext cx="2688000" cy="1512803"/>
+          </a:xfrm>
+          <a:prstGeom prst="rect">
+            <a:avLst/>
+          </a:prstGeom>
+          <a:ln>
+            <a:noFill/>
+          </a:ln>
+          <a:effectLst>
+            <a:outerShdw blurRad="292100" dist="139700" dir="2700000" algn="tl" rotWithShape="0">
+              <a:srgbClr val="333333">
+                <a:alpha val="65000"/>
+              </a:srgbClr>
+            </a:outerShdw>
+          </a:effectLst>
+        </p:spPr>
+      </p:pic>
+      <p:pic>
+        <p:nvPicPr>
+          <p:cNvPr id="13" name="Immagine 12">
+            <a:extLst>
+              <a:ext uri="{FF2B5EF4-FFF2-40B4-BE49-F238E27FC236}">
+                <a16:creationId xmlns:a16="http://schemas.microsoft.com/office/drawing/2014/main" id="{104CCA09-D142-5872-2809-6344E2607AF2}"/>
+              </a:ext>
+            </a:extLst>
+          </p:cNvPr>
+          <p:cNvPicPr>
+            <a:picLocks noChangeAspect="1"/>
+          </p:cNvPicPr>
+          <p:nvPr/>
+        </p:nvPicPr>
+        <p:blipFill rotWithShape="1">
+          <a:blip r:embed="rId4"/>
+          <a:srcRect t="1" b="-2293"/>
+          <a:stretch/>
+        </p:blipFill>
+        <p:spPr>
+          <a:xfrm>
+            <a:off x="8584671" y="3853466"/>
+            <a:ext cx="2956800" cy="1693109"/>
+          </a:xfrm>
+          <a:prstGeom prst="rect">
+            <a:avLst/>
+          </a:prstGeom>
+          <a:ln>
+            <a:noFill/>
+          </a:ln>
+          <a:effectLst>
+            <a:outerShdw blurRad="292100" dist="139700" dir="2700000" algn="tl" rotWithShape="0">
+              <a:srgbClr val="333333">
+                <a:alpha val="65000"/>
+              </a:srgbClr>
+            </a:outerShdw>
+          </a:effectLst>
+        </p:spPr>
+      </p:pic>
+      <p:cxnSp>
+        <p:nvCxnSpPr>
+          <p:cNvPr id="6" name="Connettore a gomito 5">
+            <a:extLst>
+              <a:ext uri="{FF2B5EF4-FFF2-40B4-BE49-F238E27FC236}">
+                <a16:creationId xmlns:a16="http://schemas.microsoft.com/office/drawing/2014/main" id="{023DC105-B0D2-9D56-CFE0-ECBEC2383D4E}"/>
+              </a:ext>
+            </a:extLst>
+          </p:cNvPr>
+          <p:cNvCxnSpPr>
+            <a:cxnSpLocks/>
+            <a:stCxn id="4" idx="2"/>
+            <a:endCxn id="7" idx="0"/>
+          </p:cNvCxnSpPr>
+          <p:nvPr/>
+        </p:nvCxnSpPr>
+        <p:spPr>
+          <a:xfrm rot="16200000" flipH="1">
+            <a:off x="5040136" y="3601023"/>
+            <a:ext cx="681904" cy="3287"/>
+          </a:xfrm>
+          <a:prstGeom prst="bentConnector3">
+            <a:avLst>
+              <a:gd name="adj1" fmla="val 50000"/>
+            </a:avLst>
+          </a:prstGeom>
+          <a:ln w="38100">
+            <a:tailEnd type="triangle"/>
+          </a:ln>
+        </p:spPr>
+        <p:style>
+          <a:lnRef idx="3">
+            <a:schemeClr val="accent1"/>
+          </a:lnRef>
+          <a:fillRef idx="0">
+            <a:schemeClr val="accent1"/>
+          </a:fillRef>
+          <a:effectRef idx="2">
+            <a:schemeClr val="accent1"/>
+          </a:effectRef>
+          <a:fontRef idx="minor">
+            <a:schemeClr val="tx1"/>
+          </a:fontRef>
+        </p:style>
+      </p:cxnSp>
+      <p:cxnSp>
+        <p:nvCxnSpPr>
+          <p:cNvPr id="21" name="Connettore a gomito 20">
+            <a:extLst>
+              <a:ext uri="{FF2B5EF4-FFF2-40B4-BE49-F238E27FC236}">
+                <a16:creationId xmlns:a16="http://schemas.microsoft.com/office/drawing/2014/main" id="{4D6C0861-0692-612A-A686-15EB93AB3131}"/>
+              </a:ext>
+            </a:extLst>
+          </p:cNvPr>
+          <p:cNvCxnSpPr>
+            <a:cxnSpLocks/>
+            <a:stCxn id="4" idx="3"/>
+            <a:endCxn id="12" idx="0"/>
+          </p:cNvCxnSpPr>
+          <p:nvPr/>
+        </p:nvCxnSpPr>
+        <p:spPr>
+          <a:xfrm>
+            <a:off x="6805975" y="2371295"/>
+            <a:ext cx="2937054" cy="1097595"/>
+          </a:xfrm>
+          <a:prstGeom prst="bentConnector2">
+            <a:avLst/>
+          </a:prstGeom>
+          <a:ln w="38100">
+            <a:prstDash val="sysDot"/>
+            <a:tailEnd type="triangle"/>
+          </a:ln>
+        </p:spPr>
+        <p:style>
+          <a:lnRef idx="2">
+            <a:schemeClr val="accent1"/>
+          </a:lnRef>
+          <a:fillRef idx="0">
+            <a:schemeClr val="accent1"/>
+          </a:fillRef>
+          <a:effectRef idx="1">
+            <a:schemeClr val="accent1"/>
+          </a:effectRef>
+          <a:fontRef idx="minor">
+            <a:schemeClr val="tx1"/>
+          </a:fontRef>
+        </p:style>
+      </p:cxnSp>
+      <p:sp>
+        <p:nvSpPr>
+          <p:cNvPr id="20" name="Freccia a sinistra 19">
+            <a:extLst>
+              <a:ext uri="{FF2B5EF4-FFF2-40B4-BE49-F238E27FC236}">
+                <a16:creationId xmlns:a16="http://schemas.microsoft.com/office/drawing/2014/main" id="{76D55F74-AFEC-143E-8A03-BF0527A6061B}"/>
+              </a:ext>
+            </a:extLst>
+          </p:cNvPr>
+          <p:cNvSpPr/>
+          <p:nvPr/>
+        </p:nvSpPr>
+        <p:spPr>
+          <a:xfrm>
+            <a:off x="6969225" y="4201308"/>
+            <a:ext cx="975360" cy="624573"/>
+          </a:xfrm>
+          <a:prstGeom prst="leftArrow">
+            <a:avLst/>
+          </a:prstGeom>
+          <a:solidFill>
+            <a:schemeClr val="dk1">
+              <a:alpha val="50000"/>
+            </a:schemeClr>
+          </a:solidFill>
+          <a:ln>
+            <a:noFill/>
+          </a:ln>
+        </p:spPr>
+        <p:style>
+          <a:lnRef idx="0">
+            <a:scrgbClr r="0" g="0" b="0"/>
+          </a:lnRef>
+          <a:fillRef idx="0">
+            <a:scrgbClr r="0" g="0" b="0"/>
+          </a:fillRef>
+          <a:effectRef idx="0">
+            <a:scrgbClr r="0" g="0" b="0"/>
+          </a:effectRef>
+          <a:fontRef idx="minor">
+            <a:schemeClr val="lt1"/>
+          </a:fontRef>
+        </p:style>
+        <p:txBody>
+          <a:bodyPr rtlCol="0" anchor="ctr"/>
+          <a:lstStyle/>
+          <a:p>
+            <a:pPr algn="ctr"/>
+            <a:endParaRPr lang="en-US" sz="2400" u="sng"/>
+          </a:p>
+        </p:txBody>
+      </p:sp>
+      <p:pic>
+        <p:nvPicPr>
+          <p:cNvPr id="19" name="Immagine 18">
+            <a:extLst>
+              <a:ext uri="{FF2B5EF4-FFF2-40B4-BE49-F238E27FC236}">
+                <a16:creationId xmlns:a16="http://schemas.microsoft.com/office/drawing/2014/main" id="{89BF6F42-7114-F730-4CED-745588DCE21B}"/>
+              </a:ext>
+            </a:extLst>
+          </p:cNvPr>
+          <p:cNvPicPr>
+            <a:picLocks noChangeAspect="1"/>
+          </p:cNvPicPr>
+          <p:nvPr/>
+        </p:nvPicPr>
+        <p:blipFill rotWithShape="1">
+          <a:blip r:embed="rId5"/>
+          <a:srcRect l="5558" r="5997"/>
+          <a:stretch/>
+        </p:blipFill>
+        <p:spPr>
+          <a:xfrm>
+            <a:off x="1310531" y="2528487"/>
+            <a:ext cx="1439983" cy="2085728"/>
+          </a:xfrm>
+          <a:prstGeom prst="rect">
+            <a:avLst/>
+          </a:prstGeom>
+          <a:ln>
+            <a:noFill/>
+          </a:ln>
+          <a:effectLst>
+            <a:outerShdw blurRad="292100" dist="139700" dir="2700000" algn="tl" rotWithShape="0">
+              <a:srgbClr val="333333">
+                <a:alpha val="65000"/>
+              </a:srgbClr>
+            </a:outerShdw>
+          </a:effectLst>
+        </p:spPr>
+      </p:pic>
+      <p:pic>
+        <p:nvPicPr>
+          <p:cNvPr id="4" name="Immagine 3">
+            <a:extLst>
+              <a:ext uri="{FF2B5EF4-FFF2-40B4-BE49-F238E27FC236}">
+                <a16:creationId xmlns:a16="http://schemas.microsoft.com/office/drawing/2014/main" id="{C1856E80-2EAF-A783-4DC5-22C608DE3B7F}"/>
+              </a:ext>
+            </a:extLst>
+          </p:cNvPr>
+          <p:cNvPicPr>
+            <a:picLocks noChangeAspect="1"/>
+          </p:cNvPicPr>
+          <p:nvPr/>
+        </p:nvPicPr>
+        <p:blipFill rotWithShape="1">
+          <a:blip r:embed="rId6"/>
+          <a:srcRect b="7455"/>
+          <a:stretch/>
+        </p:blipFill>
+        <p:spPr>
+          <a:xfrm>
+            <a:off x="3952914" y="1480874"/>
+            <a:ext cx="2853061" cy="1780841"/>
+          </a:xfrm>
+          <a:prstGeom prst="rect">
+            <a:avLst/>
+          </a:prstGeom>
+          <a:ln>
+            <a:noFill/>
+          </a:ln>
+          <a:effectLst>
+            <a:outerShdw blurRad="292100" dist="139700" dir="2700000" algn="tl" rotWithShape="0">
+              <a:srgbClr val="333333">
+                <a:alpha val="65000"/>
+              </a:srgbClr>
+            </a:outerShdw>
+          </a:effectLst>
+        </p:spPr>
+      </p:pic>
+      <p:pic>
+        <p:nvPicPr>
+          <p:cNvPr id="9" name="Immagine 8">
+            <a:extLst>
+              <a:ext uri="{FF2B5EF4-FFF2-40B4-BE49-F238E27FC236}">
+                <a16:creationId xmlns:a16="http://schemas.microsoft.com/office/drawing/2014/main" id="{240A0B8E-5AD2-5A7A-3BD2-0F2ED1871E82}"/>
+              </a:ext>
+            </a:extLst>
+          </p:cNvPr>
+          <p:cNvPicPr>
+            <a:picLocks noChangeAspect="1"/>
+          </p:cNvPicPr>
+          <p:nvPr/>
+        </p:nvPicPr>
+        <p:blipFill>
+          <a:blip r:embed="rId7"/>
+          <a:stretch>
+            <a:fillRect/>
+          </a:stretch>
+        </p:blipFill>
+        <p:spPr>
+          <a:xfrm>
+            <a:off x="10523986" y="1466369"/>
+            <a:ext cx="975697" cy="969149"/>
+          </a:xfrm>
+          <a:prstGeom prst="rect">
+            <a:avLst/>
+          </a:prstGeom>
+        </p:spPr>
+      </p:pic>
+      <p:pic>
+        <p:nvPicPr>
+          <p:cNvPr id="10" name="Immagine 9">
+            <a:extLst>
+              <a:ext uri="{FF2B5EF4-FFF2-40B4-BE49-F238E27FC236}">
+                <a16:creationId xmlns:a16="http://schemas.microsoft.com/office/drawing/2014/main" id="{EDE6C158-9D13-EBED-63E4-F7EF8A9E6B4A}"/>
+              </a:ext>
+            </a:extLst>
+          </p:cNvPr>
+          <p:cNvPicPr>
+            <a:picLocks noChangeAspect="1"/>
+          </p:cNvPicPr>
+          <p:nvPr/>
+        </p:nvPicPr>
+        <p:blipFill rotWithShape="1">
+          <a:blip r:embed="rId8"/>
+          <a:srcRect t="1" b="13260"/>
+          <a:stretch/>
+        </p:blipFill>
+        <p:spPr>
+          <a:xfrm>
+            <a:off x="9037012" y="4284962"/>
+            <a:ext cx="2990305" cy="1662949"/>
+          </a:xfrm>
+          <a:prstGeom prst="rect">
+            <a:avLst/>
+          </a:prstGeom>
+          <a:ln>
+            <a:noFill/>
+          </a:ln>
+          <a:effectLst>
+            <a:outerShdw blurRad="292100" dist="139700" dir="2700000" algn="tl" rotWithShape="0">
+              <a:srgbClr val="333333">
+                <a:alpha val="65000"/>
+              </a:srgbClr>
+            </a:outerShdw>
+          </a:effectLst>
+        </p:spPr>
+      </p:pic>
+      <p:sp>
+        <p:nvSpPr>
+          <p:cNvPr id="18" name="Freccia a destra 17">
+            <a:extLst>
+              <a:ext uri="{FF2B5EF4-FFF2-40B4-BE49-F238E27FC236}">
+                <a16:creationId xmlns:a16="http://schemas.microsoft.com/office/drawing/2014/main" id="{75B849D6-48D5-8B2E-CEFE-A8245FBCB29B}"/>
+              </a:ext>
+            </a:extLst>
+          </p:cNvPr>
+          <p:cNvSpPr/>
+          <p:nvPr/>
+        </p:nvSpPr>
+        <p:spPr>
+          <a:xfrm>
+            <a:off x="2923306" y="2613227"/>
+            <a:ext cx="571211" cy="1711325"/>
+          </a:xfrm>
+          <a:prstGeom prst="rightArrow">
+            <a:avLst/>
+          </a:prstGeom>
+        </p:spPr>
+        <p:style>
+          <a:lnRef idx="2">
+            <a:schemeClr val="accent1">
+              <a:shade val="15000"/>
+            </a:schemeClr>
+          </a:lnRef>
+          <a:fillRef idx="1">
+            <a:schemeClr val="accent1"/>
+          </a:fillRef>
+          <a:effectRef idx="0">
+            <a:schemeClr val="accent1"/>
+          </a:effectRef>
+          <a:fontRef idx="minor">
+            <a:schemeClr val="lt1"/>
+          </a:fontRef>
+        </p:style>
+        <p:txBody>
+          <a:bodyPr rtlCol="0" anchor="ctr"/>
+          <a:lstStyle/>
+          <a:p>
+            <a:pPr algn="ctr"/>
+            <a:endParaRPr lang="en-US" u="sng"/>
+          </a:p>
+        </p:txBody>
+      </p:sp>
+    </p:spTree>
+    <p:extLst>
+      <p:ext uri="{BB962C8B-B14F-4D97-AF65-F5344CB8AC3E}">
+        <p14:creationId xmlns:p14="http://schemas.microsoft.com/office/powerpoint/2010/main" val="2200265653"/>
       </p:ext>
     </p:extLst>
   </p:cSld>
@@ -8501,4 +14781,319 @@
     </a:ext>
   </a:extLst>
 </a:theme>
+</file>
+
+<file path=ppt/theme/theme2.xml><?xml version="1.0" encoding="utf-8"?>
+<a:theme xmlns:a="http://schemas.openxmlformats.org/drawingml/2006/main" name="Tema di Office">
+  <a:themeElements>
+    <a:clrScheme name="Office">
+      <a:dk1>
+        <a:sysClr val="windowText" lastClr="000000"/>
+      </a:dk1>
+      <a:lt1>
+        <a:sysClr val="window" lastClr="FFFFFF"/>
+      </a:lt1>
+      <a:dk2>
+        <a:srgbClr val="0E2841"/>
+      </a:dk2>
+      <a:lt2>
+        <a:srgbClr val="E8E8E8"/>
+      </a:lt2>
+      <a:accent1>
+        <a:srgbClr val="156082"/>
+      </a:accent1>
+      <a:accent2>
+        <a:srgbClr val="E97132"/>
+      </a:accent2>
+      <a:accent3>
+        <a:srgbClr val="196B24"/>
+      </a:accent3>
+      <a:accent4>
+        <a:srgbClr val="0F9ED5"/>
+      </a:accent4>
+      <a:accent5>
+        <a:srgbClr val="A02B93"/>
+      </a:accent5>
+      <a:accent6>
+        <a:srgbClr val="4EA72E"/>
+      </a:accent6>
+      <a:hlink>
+        <a:srgbClr val="467886"/>
+      </a:hlink>
+      <a:folHlink>
+        <a:srgbClr val="96607D"/>
+      </a:folHlink>
+    </a:clrScheme>
+    <a:fontScheme name="Office">
+      <a:majorFont>
+        <a:latin typeface="Aptos Display" panose="02110004020202020204"/>
+        <a:ea typeface=""/>
+        <a:cs typeface=""/>
+        <a:font script="Jpan" typeface="游ゴシック Light"/>
+        <a:font script="Hang" typeface="맑은 고딕"/>
+        <a:font script="Hans" typeface="等线 Light"/>
+        <a:font script="Hant" typeface="新細明體"/>
+        <a:font script="Arab" typeface="Times New Roman"/>
+        <a:font script="Hebr" typeface="Times New Roman"/>
+        <a:font script="Thai" typeface="Angsana New"/>
+        <a:font script="Ethi" typeface="Nyala"/>
+        <a:font script="Beng" typeface="Vrinda"/>
+        <a:font script="Gujr" typeface="Shruti"/>
+        <a:font script="Khmr" typeface="MoolBoran"/>
+        <a:font script="Knda" typeface="Tunga"/>
+        <a:font script="Guru" typeface="Raavi"/>
+        <a:font script="Cans" typeface="Euphemia"/>
+        <a:font script="Cher" typeface="Plantagenet Cherokee"/>
+        <a:font script="Yiii" typeface="Microsoft Yi Baiti"/>
+        <a:font script="Tibt" typeface="Microsoft Himalaya"/>
+        <a:font script="Thaa" typeface="MV Boli"/>
+        <a:font script="Deva" typeface="Mangal"/>
+        <a:font script="Telu" typeface="Gautami"/>
+        <a:font script="Taml" typeface="Latha"/>
+        <a:font script="Syrc" typeface="Estrangelo Edessa"/>
+        <a:font script="Orya" typeface="Kalinga"/>
+        <a:font script="Mlym" typeface="Kartika"/>
+        <a:font script="Laoo" typeface="DokChampa"/>
+        <a:font script="Sinh" typeface="Iskoola Pota"/>
+        <a:font script="Mong" typeface="Mongolian Baiti"/>
+        <a:font script="Viet" typeface="Times New Roman"/>
+        <a:font script="Uigh" typeface="Microsoft Uighur"/>
+        <a:font script="Geor" typeface="Sylfaen"/>
+        <a:font script="Armn" typeface="Arial"/>
+        <a:font script="Bugi" typeface="Leelawadee UI"/>
+        <a:font script="Bopo" typeface="Microsoft JhengHei"/>
+        <a:font script="Java" typeface="Javanese Text"/>
+        <a:font script="Lisu" typeface="Segoe UI"/>
+        <a:font script="Mymr" typeface="Myanmar Text"/>
+        <a:font script="Nkoo" typeface="Ebrima"/>
+        <a:font script="Olck" typeface="Nirmala UI"/>
+        <a:font script="Osma" typeface="Ebrima"/>
+        <a:font script="Phag" typeface="Phagspa"/>
+        <a:font script="Syrn" typeface="Estrangelo Edessa"/>
+        <a:font script="Syrj" typeface="Estrangelo Edessa"/>
+        <a:font script="Syre" typeface="Estrangelo Edessa"/>
+        <a:font script="Sora" typeface="Nirmala UI"/>
+        <a:font script="Tale" typeface="Microsoft Tai Le"/>
+        <a:font script="Talu" typeface="Microsoft New Tai Lue"/>
+        <a:font script="Tfng" typeface="Ebrima"/>
+      </a:majorFont>
+      <a:minorFont>
+        <a:latin typeface="Aptos" panose="02110004020202020204"/>
+        <a:ea typeface=""/>
+        <a:cs typeface=""/>
+        <a:font script="Jpan" typeface="游ゴシック"/>
+        <a:font script="Hang" typeface="맑은 고딕"/>
+        <a:font script="Hans" typeface="等线"/>
+        <a:font script="Hant" typeface="新細明體"/>
+        <a:font script="Arab" typeface="Arial"/>
+        <a:font script="Hebr" typeface="Arial"/>
+        <a:font script="Thai" typeface="Cordia New"/>
+        <a:font script="Ethi" typeface="Nyala"/>
+        <a:font script="Beng" typeface="Vrinda"/>
+        <a:font script="Gujr" typeface="Shruti"/>
+        <a:font script="Khmr" typeface="DaunPenh"/>
+        <a:font script="Knda" typeface="Tunga"/>
+        <a:font script="Guru" typeface="Raavi"/>
+        <a:font script="Cans" typeface="Euphemia"/>
+        <a:font script="Cher" typeface="Plantagenet Cherokee"/>
+        <a:font script="Yiii" typeface="Microsoft Yi Baiti"/>
+        <a:font script="Tibt" typeface="Microsoft Himalaya"/>
+        <a:font script="Thaa" typeface="MV Boli"/>
+        <a:font script="Deva" typeface="Mangal"/>
+        <a:font script="Telu" typeface="Gautami"/>
+        <a:font script="Taml" typeface="Latha"/>
+        <a:font script="Syrc" typeface="Estrangelo Edessa"/>
+        <a:font script="Orya" typeface="Kalinga"/>
+        <a:font script="Mlym" typeface="Kartika"/>
+        <a:font script="Laoo" typeface="DokChampa"/>
+        <a:font script="Sinh" typeface="Iskoola Pota"/>
+        <a:font script="Mong" typeface="Mongolian Baiti"/>
+        <a:font script="Viet" typeface="Arial"/>
+        <a:font script="Uigh" typeface="Microsoft Uighur"/>
+        <a:font script="Geor" typeface="Sylfaen"/>
+        <a:font script="Armn" typeface="Arial"/>
+        <a:font script="Bugi" typeface="Leelawadee UI"/>
+        <a:font script="Bopo" typeface="Microsoft JhengHei"/>
+        <a:font script="Java" typeface="Javanese Text"/>
+        <a:font script="Lisu" typeface="Segoe UI"/>
+        <a:font script="Mymr" typeface="Myanmar Text"/>
+        <a:font script="Nkoo" typeface="Ebrima"/>
+        <a:font script="Olck" typeface="Nirmala UI"/>
+        <a:font script="Osma" typeface="Ebrima"/>
+        <a:font script="Phag" typeface="Phagspa"/>
+        <a:font script="Syrn" typeface="Estrangelo Edessa"/>
+        <a:font script="Syrj" typeface="Estrangelo Edessa"/>
+        <a:font script="Syre" typeface="Estrangelo Edessa"/>
+        <a:font script="Sora" typeface="Nirmala UI"/>
+        <a:font script="Tale" typeface="Microsoft Tai Le"/>
+        <a:font script="Talu" typeface="Microsoft New Tai Lue"/>
+        <a:font script="Tfng" typeface="Ebrima"/>
+      </a:minorFont>
+    </a:fontScheme>
+    <a:fmtScheme name="Office">
+      <a:fillStyleLst>
+        <a:solidFill>
+          <a:schemeClr val="phClr"/>
+        </a:solidFill>
+        <a:gradFill rotWithShape="1">
+          <a:gsLst>
+            <a:gs pos="0">
+              <a:schemeClr val="phClr">
+                <a:lumMod val="110000"/>
+                <a:satMod val="105000"/>
+                <a:tint val="67000"/>
+              </a:schemeClr>
+            </a:gs>
+            <a:gs pos="50000">
+              <a:schemeClr val="phClr">
+                <a:lumMod val="105000"/>
+                <a:satMod val="103000"/>
+                <a:tint val="73000"/>
+              </a:schemeClr>
+            </a:gs>
+            <a:gs pos="100000">
+              <a:schemeClr val="phClr">
+                <a:lumMod val="105000"/>
+                <a:satMod val="109000"/>
+                <a:tint val="81000"/>
+              </a:schemeClr>
+            </a:gs>
+          </a:gsLst>
+          <a:lin ang="5400000" scaled="0"/>
+        </a:gradFill>
+        <a:gradFill rotWithShape="1">
+          <a:gsLst>
+            <a:gs pos="0">
+              <a:schemeClr val="phClr">
+                <a:satMod val="103000"/>
+                <a:lumMod val="102000"/>
+                <a:tint val="94000"/>
+              </a:schemeClr>
+            </a:gs>
+            <a:gs pos="50000">
+              <a:schemeClr val="phClr">
+                <a:satMod val="110000"/>
+                <a:lumMod val="100000"/>
+                <a:shade val="100000"/>
+              </a:schemeClr>
+            </a:gs>
+            <a:gs pos="100000">
+              <a:schemeClr val="phClr">
+                <a:lumMod val="99000"/>
+                <a:satMod val="120000"/>
+                <a:shade val="78000"/>
+              </a:schemeClr>
+            </a:gs>
+          </a:gsLst>
+          <a:lin ang="5400000" scaled="0"/>
+        </a:gradFill>
+      </a:fillStyleLst>
+      <a:lnStyleLst>
+        <a:ln w="12700" cap="flat" cmpd="sng" algn="ctr">
+          <a:solidFill>
+            <a:schemeClr val="phClr"/>
+          </a:solidFill>
+          <a:prstDash val="solid"/>
+          <a:miter lim="800000"/>
+        </a:ln>
+        <a:ln w="19050" cap="flat" cmpd="sng" algn="ctr">
+          <a:solidFill>
+            <a:schemeClr val="phClr"/>
+          </a:solidFill>
+          <a:prstDash val="solid"/>
+          <a:miter lim="800000"/>
+        </a:ln>
+        <a:ln w="25400" cap="flat" cmpd="sng" algn="ctr">
+          <a:solidFill>
+            <a:schemeClr val="phClr"/>
+          </a:solidFill>
+          <a:prstDash val="solid"/>
+          <a:miter lim="800000"/>
+        </a:ln>
+      </a:lnStyleLst>
+      <a:effectStyleLst>
+        <a:effectStyle>
+          <a:effectLst/>
+        </a:effectStyle>
+        <a:effectStyle>
+          <a:effectLst/>
+        </a:effectStyle>
+        <a:effectStyle>
+          <a:effectLst>
+            <a:outerShdw blurRad="57150" dist="19050" dir="5400000" algn="ctr" rotWithShape="0">
+              <a:srgbClr val="000000">
+                <a:alpha val="63000"/>
+              </a:srgbClr>
+            </a:outerShdw>
+          </a:effectLst>
+        </a:effectStyle>
+      </a:effectStyleLst>
+      <a:bgFillStyleLst>
+        <a:solidFill>
+          <a:schemeClr val="phClr"/>
+        </a:solidFill>
+        <a:solidFill>
+          <a:schemeClr val="phClr">
+            <a:tint val="95000"/>
+            <a:satMod val="170000"/>
+          </a:schemeClr>
+        </a:solidFill>
+        <a:gradFill rotWithShape="1">
+          <a:gsLst>
+            <a:gs pos="0">
+              <a:schemeClr val="phClr">
+                <a:tint val="93000"/>
+                <a:satMod val="150000"/>
+                <a:shade val="98000"/>
+                <a:lumMod val="102000"/>
+              </a:schemeClr>
+            </a:gs>
+            <a:gs pos="50000">
+              <a:schemeClr val="phClr">
+                <a:tint val="98000"/>
+                <a:satMod val="130000"/>
+                <a:shade val="90000"/>
+                <a:lumMod val="103000"/>
+              </a:schemeClr>
+            </a:gs>
+            <a:gs pos="100000">
+              <a:schemeClr val="phClr">
+                <a:shade val="63000"/>
+                <a:satMod val="120000"/>
+              </a:schemeClr>
+            </a:gs>
+          </a:gsLst>
+          <a:lin ang="5400000" scaled="0"/>
+        </a:gradFill>
+      </a:bgFillStyleLst>
+    </a:fmtScheme>
+  </a:themeElements>
+  <a:objectDefaults>
+    <a:lnDef>
+      <a:spPr/>
+      <a:bodyPr/>
+      <a:lstStyle/>
+      <a:style>
+        <a:lnRef idx="2">
+          <a:schemeClr val="accent1"/>
+        </a:lnRef>
+        <a:fillRef idx="0">
+          <a:schemeClr val="accent1"/>
+        </a:fillRef>
+        <a:effectRef idx="1">
+          <a:schemeClr val="accent1"/>
+        </a:effectRef>
+        <a:fontRef idx="minor">
+          <a:schemeClr val="tx1"/>
+        </a:fontRef>
+      </a:style>
+    </a:lnDef>
+  </a:objectDefaults>
+  <a:extraClrSchemeLst/>
+  <a:extLst>
+    <a:ext uri="{05A4C25C-085E-4340-85A3-A5531E510DB2}">
+      <thm15:themeFamily xmlns:thm15="http://schemas.microsoft.com/office/thememl/2012/main" name="Office Theme" id="{2E142A2C-CD16-42D6-873A-C26D2A0506FA}" vid="{1BDDFF52-6CD6-40A5-AB3C-68EB2F1E4D0A}"/>
+    </a:ext>
+  </a:extLst>
+</a:theme>
 </file>